--- a/Docs/PINSET.pptx
+++ b/Docs/PINSET.pptx
@@ -5,14 +5,14 @@
     <p:sldMasterId id="2147483648" r:id="rId1"/>
   </p:sldMasterIdLst>
   <p:sldIdLst>
-    <p:sldId id="256" r:id="rId3"/>
-    <p:sldId id="258" r:id="rId4"/>
-    <p:sldId id="257" r:id="rId5"/>
+    <p:sldId id="256" r:id="rId2"/>
+    <p:sldId id="258" r:id="rId3"/>
+    <p:sldId id="257" r:id="rId4"/>
   </p:sldIdLst>
   <p:sldSz cx="12192000" cy="6858000"/>
   <p:notesSz cx="6858000" cy="9144000"/>
   <p:custDataLst>
-    <p:tags r:id="rId9"/>
+    <p:tags r:id="rId5"/>
   </p:custDataLst>
   <p:defaultTextStyle>
     <a:defPPr>
@@ -124,6 +124,9 @@
         </p15:guide>
       </p15:sldGuideLst>
     </p:ext>
+    <p:ext uri="{2D200454-40CA-4A62-9FC3-DE9A4176ACB9}">
+      <p15:notesGuideLst xmlns:p15="http://schemas.microsoft.com/office/powerpoint/2012/main"/>
+    </p:ext>
   </p:extLst>
 </p:presentation>
 </file>
@@ -154,7 +157,7 @@
           <p:nvPr>
             <p:ph type="ctrTitle"/>
             <p:custDataLst>
-              <p:tags r:id="rId2"/>
+              <p:tags r:id="rId1"/>
             </p:custDataLst>
           </p:nvPr>
         </p:nvSpPr>
@@ -178,7 +181,6 @@
               <a:rPr lang="zh-CN" altLang="en-US" dirty="0"/>
               <a:t>单击此处编辑母版标题样式</a:t>
             </a:r>
-            <a:endParaRPr lang="zh-CN" altLang="en-US" dirty="0"/>
           </a:p>
         </p:txBody>
       </p:sp>
@@ -191,7 +193,7 @@
           <p:nvPr>
             <p:ph type="subTitle" idx="1"/>
             <p:custDataLst>
-              <p:tags r:id="rId3"/>
+              <p:tags r:id="rId2"/>
             </p:custDataLst>
           </p:nvPr>
         </p:nvSpPr>
@@ -251,7 +253,6 @@
               <a:rPr lang="zh-CN" altLang="en-US" dirty="0"/>
               <a:t>单击此处编辑母版副标题样式</a:t>
             </a:r>
-            <a:endParaRPr lang="zh-CN" altLang="en-US" dirty="0"/>
           </a:p>
         </p:txBody>
       </p:sp>
@@ -264,7 +265,7 @@
           <p:nvPr>
             <p:ph type="dt" sz="half" idx="10"/>
             <p:custDataLst>
-              <p:tags r:id="rId4"/>
+              <p:tags r:id="rId3"/>
             </p:custDataLst>
           </p:nvPr>
         </p:nvSpPr>
@@ -275,6 +276,7 @@
           <a:p>
             <a:fld id="{760FBDFE-C587-4B4C-A407-44438C67B59E}" type="datetimeFigureOut">
               <a:rPr lang="zh-CN" altLang="en-US" smtClean="0"/>
+              <a:t>2024/7/10</a:t>
             </a:fld>
             <a:endParaRPr lang="zh-CN" altLang="en-US"/>
           </a:p>
@@ -289,7 +291,7 @@
           <p:nvPr>
             <p:ph type="ftr" sz="quarter" idx="11"/>
             <p:custDataLst>
-              <p:tags r:id="rId5"/>
+              <p:tags r:id="rId4"/>
             </p:custDataLst>
           </p:nvPr>
         </p:nvSpPr>
@@ -311,7 +313,7 @@
           <p:nvPr>
             <p:ph type="sldNum" sz="quarter" idx="12"/>
             <p:custDataLst>
-              <p:tags r:id="rId6"/>
+              <p:tags r:id="rId5"/>
             </p:custDataLst>
           </p:nvPr>
         </p:nvSpPr>
@@ -322,6 +324,7 @@
           <a:p>
             <a:fld id="{49AE70B2-8BF9-45C0-BB95-33D1B9D3A854}" type="slidenum">
               <a:rPr lang="zh-CN" altLang="en-US" smtClean="0"/>
+              <a:t>‹#›</a:t>
             </a:fld>
             <a:endParaRPr lang="zh-CN" altLang="en-US" dirty="0"/>
           </a:p>
@@ -361,7 +364,7 @@
           <p:nvPr>
             <p:ph type="dt" sz="half" idx="10"/>
             <p:custDataLst>
-              <p:tags r:id="rId2"/>
+              <p:tags r:id="rId1"/>
             </p:custDataLst>
           </p:nvPr>
         </p:nvSpPr>
@@ -372,6 +375,7 @@
           <a:p>
             <a:fld id="{760FBDFE-C587-4B4C-A407-44438C67B59E}" type="datetimeFigureOut">
               <a:rPr lang="zh-CN" altLang="en-US" smtClean="0"/>
+              <a:t>2024/7/10</a:t>
             </a:fld>
             <a:endParaRPr lang="zh-CN" altLang="en-US"/>
           </a:p>
@@ -386,7 +390,7 @@
           <p:nvPr>
             <p:ph type="ftr" sz="quarter" idx="11"/>
             <p:custDataLst>
-              <p:tags r:id="rId3"/>
+              <p:tags r:id="rId2"/>
             </p:custDataLst>
           </p:nvPr>
         </p:nvSpPr>
@@ -408,7 +412,7 @@
           <p:nvPr>
             <p:ph type="sldNum" sz="quarter" idx="12"/>
             <p:custDataLst>
-              <p:tags r:id="rId4"/>
+              <p:tags r:id="rId3"/>
             </p:custDataLst>
           </p:nvPr>
         </p:nvSpPr>
@@ -419,6 +423,7 @@
           <a:p>
             <a:fld id="{49AE70B2-8BF9-45C0-BB95-33D1B9D3A854}" type="slidenum">
               <a:rPr lang="zh-CN" altLang="en-US" smtClean="0"/>
+              <a:t>‹#›</a:t>
             </a:fld>
             <a:endParaRPr lang="zh-CN" altLang="en-US"/>
           </a:p>
@@ -433,7 +438,7 @@
           <p:nvPr>
             <p:ph sz="quarter" idx="13"/>
             <p:custDataLst>
-              <p:tags r:id="rId5"/>
+              <p:tags r:id="rId4"/>
             </p:custDataLst>
           </p:nvPr>
         </p:nvSpPr>
@@ -452,7 +457,6 @@
               <a:rPr lang="zh-CN" altLang="en-US" dirty="0"/>
               <a:t>单击此处编辑母版文本样式</a:t>
             </a:r>
-            <a:endParaRPr lang="zh-CN" altLang="en-US" dirty="0"/>
           </a:p>
           <a:p>
             <a:pPr lvl="1"/>
@@ -460,7 +464,6 @@
               <a:rPr lang="zh-CN" altLang="en-US" dirty="0"/>
               <a:t>第二级</a:t>
             </a:r>
-            <a:endParaRPr lang="zh-CN" altLang="en-US" dirty="0"/>
           </a:p>
           <a:p>
             <a:pPr lvl="2"/>
@@ -468,7 +471,6 @@
               <a:rPr lang="zh-CN" altLang="en-US" dirty="0"/>
               <a:t>第三级</a:t>
             </a:r>
-            <a:endParaRPr lang="zh-CN" altLang="en-US" dirty="0"/>
           </a:p>
           <a:p>
             <a:pPr lvl="3"/>
@@ -476,7 +478,6 @@
               <a:rPr lang="zh-CN" altLang="en-US" dirty="0"/>
               <a:t>第四级</a:t>
             </a:r>
-            <a:endParaRPr lang="zh-CN" altLang="en-US" dirty="0"/>
           </a:p>
           <a:p>
             <a:pPr lvl="4"/>
@@ -484,7 +485,6 @@
               <a:rPr lang="zh-CN" altLang="en-US" dirty="0"/>
               <a:t>第五级</a:t>
             </a:r>
-            <a:endParaRPr lang="zh-CN" altLang="en-US" dirty="0"/>
           </a:p>
         </p:txBody>
       </p:sp>
@@ -522,7 +522,7 @@
           <p:nvPr>
             <p:ph type="dt" sz="half" idx="10"/>
             <p:custDataLst>
-              <p:tags r:id="rId2"/>
+              <p:tags r:id="rId1"/>
             </p:custDataLst>
           </p:nvPr>
         </p:nvSpPr>
@@ -533,6 +533,7 @@
           <a:p>
             <a:fld id="{760FBDFE-C587-4B4C-A407-44438C67B59E}" type="datetimeFigureOut">
               <a:rPr lang="zh-CN" altLang="en-US" smtClean="0"/>
+              <a:t>2024/7/10</a:t>
             </a:fld>
             <a:endParaRPr lang="zh-CN" altLang="en-US"/>
           </a:p>
@@ -547,7 +548,7 @@
           <p:nvPr>
             <p:ph type="ftr" sz="quarter" idx="11"/>
             <p:custDataLst>
-              <p:tags r:id="rId3"/>
+              <p:tags r:id="rId2"/>
             </p:custDataLst>
           </p:nvPr>
         </p:nvSpPr>
@@ -569,7 +570,7 @@
           <p:nvPr>
             <p:ph type="sldNum" sz="quarter" idx="12"/>
             <p:custDataLst>
-              <p:tags r:id="rId4"/>
+              <p:tags r:id="rId3"/>
             </p:custDataLst>
           </p:nvPr>
         </p:nvSpPr>
@@ -580,6 +581,7 @@
           <a:p>
             <a:fld id="{49AE70B2-8BF9-45C0-BB95-33D1B9D3A854}" type="slidenum">
               <a:rPr lang="zh-CN" altLang="en-US" smtClean="0"/>
+              <a:t>‹#›</a:t>
             </a:fld>
             <a:endParaRPr lang="zh-CN" altLang="en-US"/>
           </a:p>
@@ -594,7 +596,7 @@
           <p:nvPr>
             <p:ph type="title" hasCustomPrompt="1"/>
             <p:custDataLst>
-              <p:tags r:id="rId5"/>
+              <p:tags r:id="rId4"/>
             </p:custDataLst>
           </p:nvPr>
         </p:nvSpPr>
@@ -616,10 +618,9 @@
           <a:p>
             <a:pPr lvl="0"/>
             <a:r>
-              <a:rPr lang="zh-CN" altLang="en-US" smtClean="0"/>
+              <a:rPr lang="zh-CN" altLang="en-US"/>
               <a:t>单击此处编辑标题</a:t>
             </a:r>
-            <a:endParaRPr lang="zh-CN" altLang="en-US"/>
           </a:p>
         </p:txBody>
       </p:sp>
@@ -632,7 +633,7 @@
           <p:nvPr>
             <p:ph type="body" sz="quarter" idx="13"/>
             <p:custDataLst>
-              <p:tags r:id="rId6"/>
+              <p:tags r:id="rId5"/>
             </p:custDataLst>
           </p:nvPr>
         </p:nvSpPr>
@@ -661,7 +662,6 @@
               <a:rPr lang="zh-CN" altLang="en-US" dirty="0"/>
               <a:t>单击此处编辑母版文本样式</a:t>
             </a:r>
-            <a:endParaRPr lang="zh-CN" altLang="en-US" dirty="0"/>
           </a:p>
         </p:txBody>
       </p:sp>
@@ -699,7 +699,7 @@
           <p:nvPr>
             <p:ph type="title"/>
             <p:custDataLst>
-              <p:tags r:id="rId2"/>
+              <p:tags r:id="rId1"/>
             </p:custDataLst>
           </p:nvPr>
         </p:nvSpPr>
@@ -717,10 +717,9 @@
           <a:p>
             <a:pPr lvl="0"/>
             <a:r>
-              <a:rPr lang="zh-CN" altLang="en-US" smtClean="0"/>
+              <a:rPr lang="zh-CN" altLang="en-US"/>
               <a:t>单击此处编辑母版标题样式</a:t>
             </a:r>
-            <a:endParaRPr lang="zh-CN" altLang="en-US"/>
           </a:p>
         </p:txBody>
       </p:sp>
@@ -733,7 +732,7 @@
           <p:nvPr>
             <p:ph idx="1"/>
             <p:custDataLst>
-              <p:tags r:id="rId3"/>
+              <p:tags r:id="rId2"/>
             </p:custDataLst>
           </p:nvPr>
         </p:nvSpPr>
@@ -751,42 +750,37 @@
           <a:p>
             <a:pPr lvl="0"/>
             <a:r>
-              <a:rPr lang="zh-CN" altLang="en-US" smtClean="0"/>
+              <a:rPr lang="zh-CN" altLang="en-US"/>
               <a:t>单击此处编辑母版文本样式</a:t>
             </a:r>
-            <a:endParaRPr lang="zh-CN" altLang="en-US" smtClean="0"/>
           </a:p>
           <a:p>
             <a:pPr lvl="1"/>
             <a:r>
-              <a:rPr lang="zh-CN" altLang="en-US" smtClean="0"/>
+              <a:rPr lang="zh-CN" altLang="en-US"/>
               <a:t>第二级</a:t>
             </a:r>
-            <a:endParaRPr lang="zh-CN" altLang="en-US" smtClean="0"/>
           </a:p>
           <a:p>
             <a:pPr lvl="2"/>
             <a:r>
-              <a:rPr lang="zh-CN" altLang="en-US" smtClean="0"/>
+              <a:rPr lang="zh-CN" altLang="en-US"/>
               <a:t>第三级</a:t>
             </a:r>
-            <a:endParaRPr lang="zh-CN" altLang="en-US" smtClean="0"/>
           </a:p>
           <a:p>
             <a:pPr lvl="3"/>
             <a:r>
-              <a:rPr lang="zh-CN" altLang="en-US" smtClean="0"/>
+              <a:rPr lang="zh-CN" altLang="en-US"/>
               <a:t>第四级</a:t>
             </a:r>
-            <a:endParaRPr lang="zh-CN" altLang="en-US" smtClean="0"/>
           </a:p>
           <a:p>
             <a:pPr lvl="4"/>
             <a:r>
-              <a:rPr lang="zh-CN" altLang="en-US" smtClean="0"/>
+              <a:rPr lang="zh-CN" altLang="en-US"/>
               <a:t>第五级</a:t>
             </a:r>
-            <a:endParaRPr lang="zh-CN" altLang="en-US"/>
           </a:p>
         </p:txBody>
       </p:sp>
@@ -799,7 +793,7 @@
           <p:nvPr>
             <p:ph type="dt" sz="half" idx="10"/>
             <p:custDataLst>
-              <p:tags r:id="rId4"/>
+              <p:tags r:id="rId3"/>
             </p:custDataLst>
           </p:nvPr>
         </p:nvSpPr>
@@ -810,6 +804,7 @@
           <a:p>
             <a:fld id="{760FBDFE-C587-4B4C-A407-44438C67B59E}" type="datetimeFigureOut">
               <a:rPr lang="zh-CN" altLang="en-US" smtClean="0"/>
+              <a:t>2024/7/10</a:t>
             </a:fld>
             <a:endParaRPr lang="zh-CN" altLang="en-US"/>
           </a:p>
@@ -824,7 +819,7 @@
           <p:nvPr>
             <p:ph type="ftr" sz="quarter" idx="11"/>
             <p:custDataLst>
-              <p:tags r:id="rId5"/>
+              <p:tags r:id="rId4"/>
             </p:custDataLst>
           </p:nvPr>
         </p:nvSpPr>
@@ -846,7 +841,7 @@
           <p:nvPr>
             <p:ph type="sldNum" sz="quarter" idx="12"/>
             <p:custDataLst>
-              <p:tags r:id="rId6"/>
+              <p:tags r:id="rId5"/>
             </p:custDataLst>
           </p:nvPr>
         </p:nvSpPr>
@@ -857,6 +852,7 @@
           <a:p>
             <a:fld id="{49AE70B2-8BF9-45C0-BB95-33D1B9D3A854}" type="slidenum">
               <a:rPr lang="zh-CN" altLang="en-US" smtClean="0"/>
+              <a:t>‹#›</a:t>
             </a:fld>
             <a:endParaRPr lang="zh-CN" altLang="en-US"/>
           </a:p>
@@ -896,7 +892,7 @@
           <p:nvPr>
             <p:ph type="title" hasCustomPrompt="1"/>
             <p:custDataLst>
-              <p:tags r:id="rId2"/>
+              <p:tags r:id="rId1"/>
             </p:custDataLst>
           </p:nvPr>
         </p:nvSpPr>
@@ -920,7 +916,6 @@
               <a:rPr lang="zh-CN" altLang="en-US" dirty="0"/>
               <a:t>单击此处编辑标题</a:t>
             </a:r>
-            <a:endParaRPr lang="zh-CN" altLang="en-US" dirty="0"/>
           </a:p>
         </p:txBody>
       </p:sp>
@@ -933,7 +928,7 @@
           <p:nvPr>
             <p:ph type="body" idx="1" hasCustomPrompt="1"/>
             <p:custDataLst>
-              <p:tags r:id="rId3"/>
+              <p:tags r:id="rId2"/>
             </p:custDataLst>
           </p:nvPr>
         </p:nvSpPr>
@@ -1046,7 +1041,6 @@
               <a:rPr lang="zh-CN" altLang="en-US" dirty="0"/>
               <a:t>单击此处编辑文本</a:t>
             </a:r>
-            <a:endParaRPr lang="zh-CN" altLang="en-US" dirty="0"/>
           </a:p>
         </p:txBody>
       </p:sp>
@@ -1059,7 +1053,7 @@
           <p:nvPr>
             <p:ph type="dt" sz="half" idx="10"/>
             <p:custDataLst>
-              <p:tags r:id="rId4"/>
+              <p:tags r:id="rId3"/>
             </p:custDataLst>
           </p:nvPr>
         </p:nvSpPr>
@@ -1070,6 +1064,7 @@
           <a:p>
             <a:fld id="{760FBDFE-C587-4B4C-A407-44438C67B59E}" type="datetimeFigureOut">
               <a:rPr lang="zh-CN" altLang="en-US" smtClean="0"/>
+              <a:t>2024/7/10</a:t>
             </a:fld>
             <a:endParaRPr lang="zh-CN" altLang="en-US"/>
           </a:p>
@@ -1084,7 +1079,7 @@
           <p:nvPr>
             <p:ph type="ftr" sz="quarter" idx="11"/>
             <p:custDataLst>
-              <p:tags r:id="rId5"/>
+              <p:tags r:id="rId4"/>
             </p:custDataLst>
           </p:nvPr>
         </p:nvSpPr>
@@ -1106,7 +1101,7 @@
           <p:nvPr>
             <p:ph type="sldNum" sz="quarter" idx="12"/>
             <p:custDataLst>
-              <p:tags r:id="rId6"/>
+              <p:tags r:id="rId5"/>
             </p:custDataLst>
           </p:nvPr>
         </p:nvSpPr>
@@ -1117,6 +1112,7 @@
           <a:p>
             <a:fld id="{49AE70B2-8BF9-45C0-BB95-33D1B9D3A854}" type="slidenum">
               <a:rPr lang="zh-CN" altLang="en-US" smtClean="0"/>
+              <a:t>‹#›</a:t>
             </a:fld>
             <a:endParaRPr lang="zh-CN" altLang="en-US"/>
           </a:p>
@@ -1156,7 +1152,7 @@
           <p:nvPr>
             <p:ph type="title"/>
             <p:custDataLst>
-              <p:tags r:id="rId2"/>
+              <p:tags r:id="rId1"/>
             </p:custDataLst>
           </p:nvPr>
         </p:nvSpPr>
@@ -1174,10 +1170,9 @@
           <a:p>
             <a:pPr lvl="0"/>
             <a:r>
-              <a:rPr lang="zh-CN" altLang="en-US" smtClean="0"/>
+              <a:rPr lang="zh-CN" altLang="en-US"/>
               <a:t>单击此处编辑母版标题样式</a:t>
             </a:r>
-            <a:endParaRPr lang="zh-CN" altLang="en-US"/>
           </a:p>
         </p:txBody>
       </p:sp>
@@ -1190,7 +1185,7 @@
           <p:nvPr>
             <p:ph sz="half" idx="1"/>
             <p:custDataLst>
-              <p:tags r:id="rId3"/>
+              <p:tags r:id="rId2"/>
             </p:custDataLst>
           </p:nvPr>
         </p:nvSpPr>
@@ -1208,42 +1203,37 @@
           <a:p>
             <a:pPr lvl="0"/>
             <a:r>
-              <a:rPr lang="zh-CN" altLang="en-US" smtClean="0"/>
+              <a:rPr lang="zh-CN" altLang="en-US"/>
               <a:t>单击此处编辑母版文本样式</a:t>
             </a:r>
-            <a:endParaRPr lang="zh-CN" altLang="en-US" smtClean="0"/>
           </a:p>
           <a:p>
             <a:pPr lvl="1"/>
             <a:r>
-              <a:rPr lang="zh-CN" altLang="en-US" smtClean="0"/>
+              <a:rPr lang="zh-CN" altLang="en-US"/>
               <a:t>第二级</a:t>
             </a:r>
-            <a:endParaRPr lang="zh-CN" altLang="en-US" smtClean="0"/>
           </a:p>
           <a:p>
             <a:pPr lvl="2"/>
             <a:r>
-              <a:rPr lang="zh-CN" altLang="en-US" smtClean="0"/>
+              <a:rPr lang="zh-CN" altLang="en-US"/>
               <a:t>第三级</a:t>
             </a:r>
-            <a:endParaRPr lang="zh-CN" altLang="en-US" smtClean="0"/>
           </a:p>
           <a:p>
             <a:pPr lvl="3"/>
             <a:r>
-              <a:rPr lang="zh-CN" altLang="en-US" smtClean="0"/>
+              <a:rPr lang="zh-CN" altLang="en-US"/>
               <a:t>第四级</a:t>
             </a:r>
-            <a:endParaRPr lang="zh-CN" altLang="en-US" smtClean="0"/>
           </a:p>
           <a:p>
             <a:pPr lvl="4"/>
             <a:r>
-              <a:rPr lang="zh-CN" altLang="en-US" smtClean="0"/>
+              <a:rPr lang="zh-CN" altLang="en-US"/>
               <a:t>第五级</a:t>
             </a:r>
-            <a:endParaRPr lang="zh-CN" altLang="en-US"/>
           </a:p>
         </p:txBody>
       </p:sp>
@@ -1256,7 +1246,7 @@
           <p:nvPr>
             <p:ph sz="half" idx="2"/>
             <p:custDataLst>
-              <p:tags r:id="rId4"/>
+              <p:tags r:id="rId3"/>
             </p:custDataLst>
           </p:nvPr>
         </p:nvSpPr>
@@ -1277,7 +1267,6 @@
               <a:rPr lang="zh-CN" altLang="en-US" dirty="0"/>
               <a:t>单击此处编辑母版文本样式</a:t>
             </a:r>
-            <a:endParaRPr lang="zh-CN" altLang="en-US" dirty="0"/>
           </a:p>
           <a:p>
             <a:pPr lvl="1"/>
@@ -1285,7 +1274,6 @@
               <a:rPr lang="zh-CN" altLang="en-US" dirty="0"/>
               <a:t>第二级</a:t>
             </a:r>
-            <a:endParaRPr lang="zh-CN" altLang="en-US" dirty="0"/>
           </a:p>
           <a:p>
             <a:pPr lvl="2"/>
@@ -1293,7 +1281,6 @@
               <a:rPr lang="zh-CN" altLang="en-US" dirty="0"/>
               <a:t>第三级</a:t>
             </a:r>
-            <a:endParaRPr lang="zh-CN" altLang="en-US" dirty="0"/>
           </a:p>
           <a:p>
             <a:pPr lvl="3"/>
@@ -1301,7 +1288,6 @@
               <a:rPr lang="zh-CN" altLang="en-US" dirty="0"/>
               <a:t>第四级</a:t>
             </a:r>
-            <a:endParaRPr lang="zh-CN" altLang="en-US" dirty="0"/>
           </a:p>
           <a:p>
             <a:pPr lvl="4"/>
@@ -1309,7 +1295,6 @@
               <a:rPr lang="zh-CN" altLang="en-US" dirty="0"/>
               <a:t>第五级</a:t>
             </a:r>
-            <a:endParaRPr lang="zh-CN" altLang="en-US" dirty="0"/>
           </a:p>
         </p:txBody>
       </p:sp>
@@ -1322,7 +1307,7 @@
           <p:nvPr>
             <p:ph type="dt" sz="half" idx="10"/>
             <p:custDataLst>
-              <p:tags r:id="rId5"/>
+              <p:tags r:id="rId4"/>
             </p:custDataLst>
           </p:nvPr>
         </p:nvSpPr>
@@ -1333,6 +1318,7 @@
           <a:p>
             <a:fld id="{760FBDFE-C587-4B4C-A407-44438C67B59E}" type="datetimeFigureOut">
               <a:rPr lang="zh-CN" altLang="en-US" smtClean="0"/>
+              <a:t>2024/7/10</a:t>
             </a:fld>
             <a:endParaRPr lang="zh-CN" altLang="en-US"/>
           </a:p>
@@ -1347,7 +1333,7 @@
           <p:nvPr>
             <p:ph type="ftr" sz="quarter" idx="11"/>
             <p:custDataLst>
-              <p:tags r:id="rId6"/>
+              <p:tags r:id="rId5"/>
             </p:custDataLst>
           </p:nvPr>
         </p:nvSpPr>
@@ -1369,7 +1355,7 @@
           <p:nvPr>
             <p:ph type="sldNum" sz="quarter" idx="12"/>
             <p:custDataLst>
-              <p:tags r:id="rId7"/>
+              <p:tags r:id="rId6"/>
             </p:custDataLst>
           </p:nvPr>
         </p:nvSpPr>
@@ -1380,6 +1366,7 @@
           <a:p>
             <a:fld id="{49AE70B2-8BF9-45C0-BB95-33D1B9D3A854}" type="slidenum">
               <a:rPr lang="zh-CN" altLang="en-US" smtClean="0"/>
+              <a:t>‹#›</a:t>
             </a:fld>
             <a:endParaRPr lang="zh-CN" altLang="en-US"/>
           </a:p>
@@ -1419,7 +1406,7 @@
           <p:nvPr>
             <p:ph type="title"/>
             <p:custDataLst>
-              <p:tags r:id="rId2"/>
+              <p:tags r:id="rId1"/>
             </p:custDataLst>
           </p:nvPr>
         </p:nvSpPr>
@@ -1437,10 +1424,9 @@
           <a:p>
             <a:pPr lvl="0"/>
             <a:r>
-              <a:rPr lang="zh-CN" altLang="en-US" smtClean="0"/>
+              <a:rPr lang="zh-CN" altLang="en-US"/>
               <a:t>单击此处编辑母版标题样式</a:t>
             </a:r>
-            <a:endParaRPr lang="zh-CN" altLang="en-US"/>
           </a:p>
         </p:txBody>
       </p:sp>
@@ -1453,7 +1439,7 @@
           <p:nvPr>
             <p:ph type="body" idx="1" hasCustomPrompt="1"/>
             <p:custDataLst>
-              <p:tags r:id="rId3"/>
+              <p:tags r:id="rId2"/>
             </p:custDataLst>
           </p:nvPr>
         </p:nvSpPr>
@@ -1521,7 +1507,6 @@
               <a:rPr lang="zh-CN" altLang="en-US" dirty="0"/>
               <a:t>单击此处编辑文本</a:t>
             </a:r>
-            <a:endParaRPr lang="zh-CN" altLang="en-US" dirty="0"/>
           </a:p>
         </p:txBody>
       </p:sp>
@@ -1534,7 +1519,7 @@
           <p:nvPr>
             <p:ph sz="half" idx="2"/>
             <p:custDataLst>
-              <p:tags r:id="rId4"/>
+              <p:tags r:id="rId3"/>
             </p:custDataLst>
           </p:nvPr>
         </p:nvSpPr>
@@ -1552,42 +1537,37 @@
           <a:p>
             <a:pPr lvl="0"/>
             <a:r>
-              <a:rPr lang="zh-CN" altLang="en-US" smtClean="0"/>
+              <a:rPr lang="zh-CN" altLang="en-US"/>
               <a:t>单击此处编辑母版文本样式</a:t>
             </a:r>
-            <a:endParaRPr lang="zh-CN" altLang="en-US" smtClean="0"/>
           </a:p>
           <a:p>
             <a:pPr lvl="1"/>
             <a:r>
-              <a:rPr lang="zh-CN" altLang="en-US" smtClean="0"/>
+              <a:rPr lang="zh-CN" altLang="en-US"/>
               <a:t>第二级</a:t>
             </a:r>
-            <a:endParaRPr lang="zh-CN" altLang="en-US" smtClean="0"/>
           </a:p>
           <a:p>
             <a:pPr lvl="2"/>
             <a:r>
-              <a:rPr lang="zh-CN" altLang="en-US" smtClean="0"/>
+              <a:rPr lang="zh-CN" altLang="en-US"/>
               <a:t>第三级</a:t>
             </a:r>
-            <a:endParaRPr lang="zh-CN" altLang="en-US" smtClean="0"/>
           </a:p>
           <a:p>
             <a:pPr lvl="3"/>
             <a:r>
-              <a:rPr lang="zh-CN" altLang="en-US" smtClean="0"/>
+              <a:rPr lang="zh-CN" altLang="en-US"/>
               <a:t>第四级</a:t>
             </a:r>
-            <a:endParaRPr lang="zh-CN" altLang="en-US" smtClean="0"/>
           </a:p>
           <a:p>
             <a:pPr lvl="4"/>
             <a:r>
-              <a:rPr lang="zh-CN" altLang="en-US" smtClean="0"/>
+              <a:rPr lang="zh-CN" altLang="en-US"/>
               <a:t>第五级</a:t>
             </a:r>
-            <a:endParaRPr lang="zh-CN" altLang="en-US"/>
           </a:p>
         </p:txBody>
       </p:sp>
@@ -1600,7 +1580,7 @@
           <p:nvPr>
             <p:ph type="body" sz="quarter" idx="3" hasCustomPrompt="1"/>
             <p:custDataLst>
-              <p:tags r:id="rId5"/>
+              <p:tags r:id="rId4"/>
             </p:custDataLst>
           </p:nvPr>
         </p:nvSpPr>
@@ -1665,10 +1645,9 @@
           <a:p>
             <a:pPr lvl="0"/>
             <a:r>
-              <a:rPr lang="zh-CN" altLang="en-US" smtClean="0"/>
+              <a:rPr lang="zh-CN" altLang="en-US"/>
               <a:t>单击此处编辑文本</a:t>
             </a:r>
-            <a:endParaRPr lang="zh-CN" altLang="en-US"/>
           </a:p>
         </p:txBody>
       </p:sp>
@@ -1681,7 +1660,7 @@
           <p:nvPr>
             <p:ph sz="quarter" idx="4"/>
             <p:custDataLst>
-              <p:tags r:id="rId6"/>
+              <p:tags r:id="rId5"/>
             </p:custDataLst>
           </p:nvPr>
         </p:nvSpPr>
@@ -1699,42 +1678,37 @@
           <a:p>
             <a:pPr lvl="0"/>
             <a:r>
-              <a:rPr lang="zh-CN" altLang="en-US" smtClean="0"/>
+              <a:rPr lang="zh-CN" altLang="en-US"/>
               <a:t>单击此处编辑母版文本样式</a:t>
             </a:r>
-            <a:endParaRPr lang="zh-CN" altLang="en-US" smtClean="0"/>
           </a:p>
           <a:p>
             <a:pPr lvl="1"/>
             <a:r>
-              <a:rPr lang="zh-CN" altLang="en-US" smtClean="0"/>
+              <a:rPr lang="zh-CN" altLang="en-US"/>
               <a:t>第二级</a:t>
             </a:r>
-            <a:endParaRPr lang="zh-CN" altLang="en-US" smtClean="0"/>
           </a:p>
           <a:p>
             <a:pPr lvl="2"/>
             <a:r>
-              <a:rPr lang="zh-CN" altLang="en-US" smtClean="0"/>
+              <a:rPr lang="zh-CN" altLang="en-US"/>
               <a:t>第三级</a:t>
             </a:r>
-            <a:endParaRPr lang="zh-CN" altLang="en-US" smtClean="0"/>
           </a:p>
           <a:p>
             <a:pPr lvl="3"/>
             <a:r>
-              <a:rPr lang="zh-CN" altLang="en-US" smtClean="0"/>
+              <a:rPr lang="zh-CN" altLang="en-US"/>
               <a:t>第四级</a:t>
             </a:r>
-            <a:endParaRPr lang="zh-CN" altLang="en-US" smtClean="0"/>
           </a:p>
           <a:p>
             <a:pPr lvl="4"/>
             <a:r>
-              <a:rPr lang="zh-CN" altLang="en-US" smtClean="0"/>
+              <a:rPr lang="zh-CN" altLang="en-US"/>
               <a:t>第五级</a:t>
             </a:r>
-            <a:endParaRPr lang="zh-CN" altLang="en-US"/>
           </a:p>
         </p:txBody>
       </p:sp>
@@ -1747,7 +1721,7 @@
           <p:nvPr>
             <p:ph type="dt" sz="half" idx="10"/>
             <p:custDataLst>
-              <p:tags r:id="rId7"/>
+              <p:tags r:id="rId6"/>
             </p:custDataLst>
           </p:nvPr>
         </p:nvSpPr>
@@ -1758,6 +1732,7 @@
           <a:p>
             <a:fld id="{760FBDFE-C587-4B4C-A407-44438C67B59E}" type="datetimeFigureOut">
               <a:rPr lang="zh-CN" altLang="en-US" smtClean="0"/>
+              <a:t>2024/7/10</a:t>
             </a:fld>
             <a:endParaRPr lang="zh-CN" altLang="en-US"/>
           </a:p>
@@ -1772,7 +1747,7 @@
           <p:nvPr>
             <p:ph type="ftr" sz="quarter" idx="11"/>
             <p:custDataLst>
-              <p:tags r:id="rId8"/>
+              <p:tags r:id="rId7"/>
             </p:custDataLst>
           </p:nvPr>
         </p:nvSpPr>
@@ -1794,7 +1769,7 @@
           <p:nvPr>
             <p:ph type="sldNum" sz="quarter" idx="12"/>
             <p:custDataLst>
-              <p:tags r:id="rId9"/>
+              <p:tags r:id="rId8"/>
             </p:custDataLst>
           </p:nvPr>
         </p:nvSpPr>
@@ -1805,6 +1780,7 @@
           <a:p>
             <a:fld id="{49AE70B2-8BF9-45C0-BB95-33D1B9D3A854}" type="slidenum">
               <a:rPr lang="zh-CN" altLang="en-US" smtClean="0"/>
+              <a:t>‹#›</a:t>
             </a:fld>
             <a:endParaRPr lang="zh-CN" altLang="en-US"/>
           </a:p>
@@ -1844,7 +1820,7 @@
           <p:nvPr>
             <p:ph type="title"/>
             <p:custDataLst>
-              <p:tags r:id="rId2"/>
+              <p:tags r:id="rId1"/>
             </p:custDataLst>
           </p:nvPr>
         </p:nvSpPr>
@@ -1862,10 +1838,9 @@
           <a:p>
             <a:pPr lvl="0"/>
             <a:r>
-              <a:rPr lang="zh-CN" altLang="en-US" smtClean="0"/>
+              <a:rPr lang="zh-CN" altLang="en-US"/>
               <a:t>单击此处编辑母版标题样式</a:t>
             </a:r>
-            <a:endParaRPr lang="zh-CN" altLang="en-US"/>
           </a:p>
         </p:txBody>
       </p:sp>
@@ -1878,7 +1853,7 @@
           <p:nvPr>
             <p:ph type="dt" sz="half" idx="10"/>
             <p:custDataLst>
-              <p:tags r:id="rId3"/>
+              <p:tags r:id="rId2"/>
             </p:custDataLst>
           </p:nvPr>
         </p:nvSpPr>
@@ -1889,6 +1864,7 @@
           <a:p>
             <a:fld id="{760FBDFE-C587-4B4C-A407-44438C67B59E}" type="datetimeFigureOut">
               <a:rPr lang="zh-CN" altLang="en-US" smtClean="0"/>
+              <a:t>2024/7/10</a:t>
             </a:fld>
             <a:endParaRPr lang="zh-CN" altLang="en-US"/>
           </a:p>
@@ -1903,7 +1879,7 @@
           <p:nvPr>
             <p:ph type="ftr" sz="quarter" idx="11"/>
             <p:custDataLst>
-              <p:tags r:id="rId4"/>
+              <p:tags r:id="rId3"/>
             </p:custDataLst>
           </p:nvPr>
         </p:nvSpPr>
@@ -1925,7 +1901,7 @@
           <p:nvPr>
             <p:ph type="sldNum" sz="quarter" idx="12"/>
             <p:custDataLst>
-              <p:tags r:id="rId5"/>
+              <p:tags r:id="rId4"/>
             </p:custDataLst>
           </p:nvPr>
         </p:nvSpPr>
@@ -1936,6 +1912,7 @@
           <a:p>
             <a:fld id="{49AE70B2-8BF9-45C0-BB95-33D1B9D3A854}" type="slidenum">
               <a:rPr lang="zh-CN" altLang="en-US" smtClean="0"/>
+              <a:t>‹#›</a:t>
             </a:fld>
             <a:endParaRPr lang="zh-CN" altLang="en-US"/>
           </a:p>
@@ -1975,7 +1952,7 @@
           <p:nvPr>
             <p:ph type="dt" sz="half" idx="10"/>
             <p:custDataLst>
-              <p:tags r:id="rId2"/>
+              <p:tags r:id="rId1"/>
             </p:custDataLst>
           </p:nvPr>
         </p:nvSpPr>
@@ -1986,6 +1963,7 @@
           <a:p>
             <a:fld id="{760FBDFE-C587-4B4C-A407-44438C67B59E}" type="datetimeFigureOut">
               <a:rPr lang="zh-CN" altLang="en-US" smtClean="0"/>
+              <a:t>2024/7/10</a:t>
             </a:fld>
             <a:endParaRPr lang="zh-CN" altLang="en-US"/>
           </a:p>
@@ -2000,7 +1978,7 @@
           <p:nvPr>
             <p:ph type="ftr" sz="quarter" idx="11"/>
             <p:custDataLst>
-              <p:tags r:id="rId3"/>
+              <p:tags r:id="rId2"/>
             </p:custDataLst>
           </p:nvPr>
         </p:nvSpPr>
@@ -2022,7 +2000,7 @@
           <p:nvPr>
             <p:ph type="sldNum" sz="quarter" idx="12"/>
             <p:custDataLst>
-              <p:tags r:id="rId4"/>
+              <p:tags r:id="rId3"/>
             </p:custDataLst>
           </p:nvPr>
         </p:nvSpPr>
@@ -2033,6 +2011,7 @@
           <a:p>
             <a:fld id="{49AE70B2-8BF9-45C0-BB95-33D1B9D3A854}" type="slidenum">
               <a:rPr lang="zh-CN" altLang="en-US" smtClean="0"/>
+              <a:t>‹#›</a:t>
             </a:fld>
             <a:endParaRPr lang="zh-CN" altLang="en-US"/>
           </a:p>
@@ -2072,7 +2051,7 @@
           <p:nvPr>
             <p:ph type="pic" idx="1"/>
             <p:custDataLst>
-              <p:tags r:id="rId2"/>
+              <p:tags r:id="rId1"/>
             </p:custDataLst>
           </p:nvPr>
         </p:nvSpPr>
@@ -2107,7 +2086,7 @@
           <p:nvPr>
             <p:ph type="body" sz="half" idx="2"/>
             <p:custDataLst>
-              <p:tags r:id="rId3"/>
+              <p:tags r:id="rId2"/>
             </p:custDataLst>
           </p:nvPr>
         </p:nvSpPr>
@@ -2130,10 +2109,9 @@
           <a:p>
             <a:pPr lvl="0"/>
             <a:r>
-              <a:rPr lang="zh-CN" altLang="en-US" smtClean="0"/>
+              <a:rPr lang="zh-CN" altLang="en-US"/>
               <a:t>单击此处编辑母版文本样式</a:t>
             </a:r>
-            <a:endParaRPr lang="zh-CN" altLang="en-US"/>
           </a:p>
         </p:txBody>
       </p:sp>
@@ -2146,7 +2124,7 @@
           <p:nvPr>
             <p:ph type="dt" sz="half" idx="10"/>
             <p:custDataLst>
-              <p:tags r:id="rId4"/>
+              <p:tags r:id="rId3"/>
             </p:custDataLst>
           </p:nvPr>
         </p:nvSpPr>
@@ -2157,6 +2135,7 @@
           <a:p>
             <a:fld id="{9EFD9D74-47D9-4702-A33C-335B63B48DBF}" type="datetimeFigureOut">
               <a:rPr lang="zh-CN" altLang="en-US" smtClean="0"/>
+              <a:t>2024/7/10</a:t>
             </a:fld>
             <a:endParaRPr lang="zh-CN" altLang="en-US" dirty="0"/>
           </a:p>
@@ -2171,7 +2150,7 @@
           <p:nvPr>
             <p:ph type="ftr" sz="quarter" idx="11"/>
             <p:custDataLst>
-              <p:tags r:id="rId5"/>
+              <p:tags r:id="rId4"/>
             </p:custDataLst>
           </p:nvPr>
         </p:nvSpPr>
@@ -2193,7 +2172,7 @@
           <p:nvPr>
             <p:ph type="sldNum" sz="quarter" idx="12"/>
             <p:custDataLst>
-              <p:tags r:id="rId6"/>
+              <p:tags r:id="rId5"/>
             </p:custDataLst>
           </p:nvPr>
         </p:nvSpPr>
@@ -2204,6 +2183,7 @@
           <a:p>
             <a:fld id="{FABC47A4-756D-490B-A52F-7D9E2C9FC05F}" type="slidenum">
               <a:rPr lang="zh-CN" altLang="en-US" smtClean="0"/>
+              <a:t>‹#›</a:t>
             </a:fld>
             <a:endParaRPr lang="zh-CN" altLang="en-US"/>
           </a:p>
@@ -2218,19 +2198,19 @@
           <p:nvPr>
             <p:ph type="title"/>
             <p:custDataLst>
-              <p:tags r:id="rId7"/>
+              <p:tags r:id="rId6"/>
             </p:custDataLst>
           </p:nvPr>
         </p:nvSpPr>
         <p:spPr/>
         <p:txBody>
           <a:bodyPr/>
+          <a:lstStyle/>
           <a:p>
             <a:r>
               <a:rPr lang="zh-CN" altLang="en-US"/>
               <a:t>单击此处编辑母版标题样式</a:t>
             </a:r>
-            <a:endParaRPr lang="zh-CN" altLang="en-US"/>
           </a:p>
         </p:txBody>
       </p:sp>
@@ -2268,7 +2248,7 @@
           <p:nvPr>
             <p:ph type="title" orient="vert" hasCustomPrompt="1"/>
             <p:custDataLst>
-              <p:tags r:id="rId2"/>
+              <p:tags r:id="rId1"/>
             </p:custDataLst>
           </p:nvPr>
         </p:nvSpPr>
@@ -2291,10 +2271,9 @@
           <a:p>
             <a:pPr lvl="0"/>
             <a:r>
-              <a:rPr lang="zh-CN" altLang="en-US" smtClean="0"/>
+              <a:rPr lang="zh-CN" altLang="en-US"/>
               <a:t>单击此处编辑标题</a:t>
             </a:r>
-            <a:endParaRPr lang="zh-CN" altLang="en-US"/>
           </a:p>
         </p:txBody>
       </p:sp>
@@ -2307,7 +2286,7 @@
           <p:nvPr>
             <p:ph type="body" orient="vert" idx="1"/>
             <p:custDataLst>
-              <p:tags r:id="rId3"/>
+              <p:tags r:id="rId2"/>
             </p:custDataLst>
           </p:nvPr>
         </p:nvSpPr>
@@ -2345,7 +2324,6 @@
               <a:rPr lang="zh-CN" altLang="en-US" dirty="0"/>
               <a:t>单击此处编辑母版文本样式</a:t>
             </a:r>
-            <a:endParaRPr lang="zh-CN" altLang="en-US" dirty="0"/>
           </a:p>
           <a:p>
             <a:pPr lvl="1"/>
@@ -2353,7 +2331,6 @@
               <a:rPr lang="zh-CN" altLang="en-US" dirty="0"/>
               <a:t>第二级</a:t>
             </a:r>
-            <a:endParaRPr lang="zh-CN" altLang="en-US" dirty="0"/>
           </a:p>
           <a:p>
             <a:pPr lvl="2"/>
@@ -2361,7 +2338,6 @@
               <a:rPr lang="zh-CN" altLang="en-US" dirty="0"/>
               <a:t>第三级</a:t>
             </a:r>
-            <a:endParaRPr lang="zh-CN" altLang="en-US" dirty="0"/>
           </a:p>
           <a:p>
             <a:pPr lvl="3"/>
@@ -2369,7 +2345,6 @@
               <a:rPr lang="zh-CN" altLang="en-US" dirty="0"/>
               <a:t>第四级</a:t>
             </a:r>
-            <a:endParaRPr lang="zh-CN" altLang="en-US" dirty="0"/>
           </a:p>
           <a:p>
             <a:pPr lvl="4"/>
@@ -2377,7 +2352,6 @@
               <a:rPr lang="zh-CN" altLang="en-US" dirty="0"/>
               <a:t>第五级</a:t>
             </a:r>
-            <a:endParaRPr lang="zh-CN" altLang="en-US" dirty="0"/>
           </a:p>
         </p:txBody>
       </p:sp>
@@ -2390,7 +2364,7 @@
           <p:nvPr>
             <p:ph type="dt" sz="half" idx="10"/>
             <p:custDataLst>
-              <p:tags r:id="rId4"/>
+              <p:tags r:id="rId3"/>
             </p:custDataLst>
           </p:nvPr>
         </p:nvSpPr>
@@ -2401,6 +2375,7 @@
           <a:p>
             <a:fld id="{760FBDFE-C587-4B4C-A407-44438C67B59E}" type="datetimeFigureOut">
               <a:rPr lang="zh-CN" altLang="en-US" smtClean="0"/>
+              <a:t>2024/7/10</a:t>
             </a:fld>
             <a:endParaRPr lang="zh-CN" altLang="en-US"/>
           </a:p>
@@ -2415,7 +2390,7 @@
           <p:nvPr>
             <p:ph type="ftr" sz="quarter" idx="11"/>
             <p:custDataLst>
-              <p:tags r:id="rId5"/>
+              <p:tags r:id="rId4"/>
             </p:custDataLst>
           </p:nvPr>
         </p:nvSpPr>
@@ -2437,7 +2412,7 @@
           <p:nvPr>
             <p:ph type="sldNum" sz="quarter" idx="12"/>
             <p:custDataLst>
-              <p:tags r:id="rId6"/>
+              <p:tags r:id="rId5"/>
             </p:custDataLst>
           </p:nvPr>
         </p:nvSpPr>
@@ -2448,6 +2423,7 @@
           <a:p>
             <a:fld id="{49AE70B2-8BF9-45C0-BB95-33D1B9D3A854}" type="slidenum">
               <a:rPr lang="zh-CN" altLang="en-US" smtClean="0"/>
+              <a:t>‹#›</a:t>
             </a:fld>
             <a:endParaRPr lang="zh-CN" altLang="en-US"/>
           </a:p>
@@ -2492,7 +2468,7 @@
           <p:nvPr>
             <p:ph type="title"/>
             <p:custDataLst>
-              <p:tags r:id="rId12"/>
+              <p:tags r:id="rId14"/>
             </p:custDataLst>
           </p:nvPr>
         </p:nvSpPr>
@@ -2515,7 +2491,6 @@
               <a:rPr lang="zh-CN" altLang="en-US" dirty="0"/>
               <a:t>单击此处编辑母版标题样式</a:t>
             </a:r>
-            <a:endParaRPr lang="zh-CN" altLang="en-US" dirty="0"/>
           </a:p>
         </p:txBody>
       </p:sp>
@@ -2528,7 +2503,7 @@
           <p:nvPr>
             <p:ph type="body" idx="1"/>
             <p:custDataLst>
-              <p:tags r:id="rId13"/>
+              <p:tags r:id="rId15"/>
             </p:custDataLst>
           </p:nvPr>
         </p:nvSpPr>
@@ -2552,7 +2527,6 @@
               <a:rPr lang="zh-CN" altLang="en-US" dirty="0"/>
               <a:t>单击此处编辑母版文本样式</a:t>
             </a:r>
-            <a:endParaRPr lang="zh-CN" altLang="en-US" dirty="0"/>
           </a:p>
           <a:p>
             <a:pPr lvl="1"/>
@@ -2560,7 +2534,6 @@
               <a:rPr lang="zh-CN" altLang="en-US" dirty="0"/>
               <a:t>第二级</a:t>
             </a:r>
-            <a:endParaRPr lang="zh-CN" altLang="en-US" dirty="0"/>
           </a:p>
           <a:p>
             <a:pPr lvl="2"/>
@@ -2568,7 +2541,6 @@
               <a:rPr lang="zh-CN" altLang="en-US" dirty="0"/>
               <a:t>第三级</a:t>
             </a:r>
-            <a:endParaRPr lang="zh-CN" altLang="en-US" dirty="0"/>
           </a:p>
           <a:p>
             <a:pPr lvl="3"/>
@@ -2576,7 +2548,6 @@
               <a:rPr lang="zh-CN" altLang="en-US" dirty="0"/>
               <a:t>第四级</a:t>
             </a:r>
-            <a:endParaRPr lang="zh-CN" altLang="en-US" dirty="0"/>
           </a:p>
           <a:p>
             <a:pPr lvl="4"/>
@@ -2584,7 +2555,6 @@
               <a:rPr lang="zh-CN" altLang="en-US" dirty="0"/>
               <a:t>第五级</a:t>
             </a:r>
-            <a:endParaRPr lang="zh-CN" altLang="en-US" dirty="0"/>
           </a:p>
         </p:txBody>
       </p:sp>
@@ -2597,7 +2567,7 @@
           <p:nvPr>
             <p:ph type="dt" sz="half" idx="2"/>
             <p:custDataLst>
-              <p:tags r:id="rId14"/>
+              <p:tags r:id="rId16"/>
             </p:custDataLst>
           </p:nvPr>
         </p:nvSpPr>
@@ -2628,6 +2598,7 @@
           <a:p>
             <a:fld id="{760FBDFE-C587-4B4C-A407-44438C67B59E}" type="datetimeFigureOut">
               <a:rPr lang="zh-CN" altLang="en-US" smtClean="0"/>
+              <a:t>2024/7/10</a:t>
             </a:fld>
             <a:endParaRPr lang="zh-CN" altLang="en-US"/>
           </a:p>
@@ -2642,7 +2613,7 @@
           <p:nvPr>
             <p:ph type="ftr" sz="quarter" idx="3"/>
             <p:custDataLst>
-              <p:tags r:id="rId15"/>
+              <p:tags r:id="rId17"/>
             </p:custDataLst>
           </p:nvPr>
         </p:nvSpPr>
@@ -2684,7 +2655,7 @@
           <p:nvPr>
             <p:ph type="sldNum" sz="quarter" idx="4"/>
             <p:custDataLst>
-              <p:tags r:id="rId16"/>
+              <p:tags r:id="rId18"/>
             </p:custDataLst>
           </p:nvPr>
         </p:nvSpPr>
@@ -2715,6 +2686,7 @@
           <a:p>
             <a:fld id="{49AE70B2-8BF9-45C0-BB95-33D1B9D3A854}" type="slidenum">
               <a:rPr lang="zh-CN" altLang="en-US" smtClean="0"/>
+              <a:t>‹#›</a:t>
             </a:fld>
             <a:endParaRPr lang="zh-CN" altLang="en-US" dirty="0"/>
           </a:p>
@@ -2722,7 +2694,7 @@
       </p:sp>
     </p:spTree>
     <p:custDataLst>
-      <p:tags r:id="rId17"/>
+      <p:tags r:id="rId13"/>
     </p:custDataLst>
   </p:cSld>
   <p:clrMap bg1="lt1" tx1="dk1" bg2="lt2" tx2="dk2" accent1="accent1" accent2="accent2" accent3="accent3" accent4="accent4" accent5="accent5" accent6="accent6" hlink="hlink" folHlink="folHlink"/>
@@ -3093,7 +3065,7 @@
           <p:nvPr/>
         </p:nvPicPr>
         <p:blipFill>
-          <a:blip r:embed="rId1"/>
+          <a:blip r:embed="rId3"/>
           <a:srcRect l="9644" t="16589" r="8633" b="21140"/>
           <a:stretch>
             <a:fillRect/>
@@ -3150,6 +3122,7 @@
           <a:bodyPr vertOverflow="overflow" horzOverflow="overflow" vert="horz" wrap="square" numCol="1" spcCol="0" rtlCol="0" fromWordArt="0" anchor="ctr" anchorCtr="0" forceAA="0" compatLnSpc="1">
             <a:noAutofit/>
           </a:bodyPr>
+          <a:lstStyle/>
           <a:p>
             <a:pPr lvl="0" algn="ctr">
               <a:buClrTx/>
@@ -3171,12 +3144,6 @@
               </a:rPr>
               <a:t>B9</a:t>
             </a:r>
-            <a:endParaRPr lang="en-US" altLang="zh-CN" sz="1000">
-              <a:solidFill>
-                <a:srgbClr val="FF0000"/>
-              </a:solidFill>
-              <a:sym typeface="+mn-ea"/>
-            </a:endParaRPr>
           </a:p>
         </p:txBody>
       </p:sp>
@@ -3221,6 +3188,7 @@
           <a:bodyPr vertOverflow="overflow" horzOverflow="overflow" vert="horz" wrap="square" numCol="1" spcCol="0" rtlCol="0" fromWordArt="0" anchor="ctr" anchorCtr="0" forceAA="0" compatLnSpc="1">
             <a:noAutofit/>
           </a:bodyPr>
+          <a:lstStyle/>
           <a:p>
             <a:pPr lvl="0" algn="ctr">
               <a:buClrTx/>
@@ -3289,6 +3257,7 @@
           <a:bodyPr vertOverflow="overflow" horzOverflow="overflow" vert="horz" wrap="square" numCol="1" spcCol="0" rtlCol="0" fromWordArt="0" anchor="ctr" anchorCtr="0" forceAA="0" compatLnSpc="1">
             <a:noAutofit/>
           </a:bodyPr>
+          <a:lstStyle/>
           <a:p>
             <a:pPr lvl="0" algn="ctr">
               <a:buClrTx/>
@@ -3357,6 +3326,7 @@
           <a:bodyPr vertOverflow="overflow" horzOverflow="overflow" vert="horz" wrap="square" numCol="1" spcCol="0" rtlCol="0" fromWordArt="0" anchor="ctr" anchorCtr="0" forceAA="0" compatLnSpc="1">
             <a:noAutofit/>
           </a:bodyPr>
+          <a:lstStyle/>
           <a:p>
             <a:pPr lvl="0" algn="ctr">
               <a:buClrTx/>
@@ -3425,6 +3395,7 @@
           <a:bodyPr vertOverflow="overflow" horzOverflow="overflow" vert="horz" wrap="square" numCol="1" spcCol="0" rtlCol="0" fromWordArt="0" anchor="ctr" anchorCtr="0" forceAA="0" compatLnSpc="1">
             <a:noAutofit/>
           </a:bodyPr>
+          <a:lstStyle/>
           <a:p>
             <a:pPr lvl="0" algn="ctr">
               <a:buClrTx/>
@@ -3493,6 +3464,7 @@
           <a:bodyPr vertOverflow="overflow" horzOverflow="overflow" vert="horz" wrap="square" numCol="1" spcCol="0" rtlCol="0" fromWordArt="0" anchor="ctr" anchorCtr="0" forceAA="0" compatLnSpc="1">
             <a:noAutofit/>
           </a:bodyPr>
+          <a:lstStyle/>
           <a:p>
             <a:pPr lvl="0" algn="ctr">
               <a:buClrTx/>
@@ -3561,6 +3533,7 @@
           <a:bodyPr vertOverflow="overflow" horzOverflow="overflow" vert="horz" wrap="square" numCol="1" spcCol="0" rtlCol="0" fromWordArt="0" anchor="ctr" anchorCtr="0" forceAA="0" compatLnSpc="1">
             <a:noAutofit/>
           </a:bodyPr>
+          <a:lstStyle/>
           <a:p>
             <a:pPr lvl="0" algn="ctr">
               <a:buClrTx/>
@@ -3629,6 +3602,7 @@
           <a:bodyPr vertOverflow="overflow" horzOverflow="overflow" vert="horz" wrap="square" numCol="1" spcCol="0" rtlCol="0" fromWordArt="0" anchor="ctr" anchorCtr="0" forceAA="0" compatLnSpc="1">
             <a:noAutofit/>
           </a:bodyPr>
+          <a:lstStyle/>
           <a:p>
             <a:pPr lvl="0" algn="ctr">
               <a:buClrTx/>
@@ -3697,6 +3671,7 @@
           <a:bodyPr vertOverflow="overflow" horzOverflow="overflow" vert="horz" wrap="square" numCol="1" spcCol="0" rtlCol="0" fromWordArt="0" anchor="ctr" anchorCtr="0" forceAA="0" compatLnSpc="1">
             <a:noAutofit/>
           </a:bodyPr>
+          <a:lstStyle/>
           <a:p>
             <a:pPr lvl="0" algn="ctr">
               <a:buClrTx/>
@@ -3765,6 +3740,7 @@
           <a:bodyPr vertOverflow="overflow" horzOverflow="overflow" vert="horz" wrap="square" numCol="1" spcCol="0" rtlCol="0" fromWordArt="0" anchor="ctr" anchorCtr="0" forceAA="0" compatLnSpc="1">
             <a:noAutofit/>
           </a:bodyPr>
+          <a:lstStyle/>
           <a:p>
             <a:pPr lvl="0" algn="ctr">
               <a:buClrTx/>
@@ -3833,6 +3809,7 @@
           <a:bodyPr vertOverflow="overflow" horzOverflow="overflow" vert="horz" wrap="square" numCol="1" spcCol="0" rtlCol="0" fromWordArt="0" anchor="ctr" anchorCtr="0" forceAA="0" compatLnSpc="1">
             <a:noAutofit/>
           </a:bodyPr>
+          <a:lstStyle/>
           <a:p>
             <a:pPr lvl="0" algn="ctr">
               <a:buClrTx/>
@@ -3901,6 +3878,7 @@
           <a:bodyPr vertOverflow="overflow" horzOverflow="overflow" vert="horz" wrap="square" numCol="1" spcCol="0" rtlCol="0" fromWordArt="0" anchor="ctr" anchorCtr="0" forceAA="0" compatLnSpc="1">
             <a:noAutofit/>
           </a:bodyPr>
+          <a:lstStyle/>
           <a:p>
             <a:pPr lvl="0" algn="ctr">
               <a:buClrTx/>
@@ -3969,6 +3947,7 @@
           <a:bodyPr vertOverflow="overflow" horzOverflow="overflow" vert="horz" wrap="square" numCol="1" spcCol="0" rtlCol="0" fromWordArt="0" anchor="ctr" anchorCtr="0" forceAA="0" compatLnSpc="1">
             <a:noAutofit/>
           </a:bodyPr>
+          <a:lstStyle/>
           <a:p>
             <a:pPr lvl="0" algn="ctr">
               <a:buClrTx/>
@@ -4037,6 +4016,7 @@
           <a:bodyPr vertOverflow="overflow" horzOverflow="overflow" vert="horz" wrap="square" numCol="1" spcCol="0" rtlCol="0" fromWordArt="0" anchor="ctr" anchorCtr="0" forceAA="0" compatLnSpc="1">
             <a:noAutofit/>
           </a:bodyPr>
+          <a:lstStyle/>
           <a:p>
             <a:pPr lvl="0" algn="ctr">
               <a:buClrTx/>
@@ -4105,6 +4085,7 @@
           <a:bodyPr vertOverflow="overflow" horzOverflow="overflow" vert="horz" wrap="square" numCol="1" spcCol="0" rtlCol="0" fromWordArt="0" anchor="ctr" anchorCtr="0" forceAA="0" compatLnSpc="1">
             <a:noAutofit/>
           </a:bodyPr>
+          <a:lstStyle/>
           <a:p>
             <a:pPr lvl="0" algn="ctr">
               <a:buClrTx/>
@@ -4173,6 +4154,7 @@
           <a:bodyPr vertOverflow="overflow" horzOverflow="overflow" vert="horz" wrap="square" numCol="1" spcCol="0" rtlCol="0" fromWordArt="0" anchor="ctr" anchorCtr="0" forceAA="0" compatLnSpc="1">
             <a:noAutofit/>
           </a:bodyPr>
+          <a:lstStyle/>
           <a:p>
             <a:pPr lvl="0" algn="ctr">
               <a:buClrTx/>
@@ -4241,6 +4223,7 @@
           <a:bodyPr vertOverflow="overflow" horzOverflow="overflow" vert="horz" wrap="square" numCol="1" spcCol="0" rtlCol="0" fromWordArt="0" anchor="ctr" anchorCtr="0" forceAA="0" compatLnSpc="1">
             <a:noAutofit/>
           </a:bodyPr>
+          <a:lstStyle/>
           <a:p>
             <a:pPr lvl="0" algn="ctr">
               <a:buClrTx/>
@@ -4260,7 +4243,67 @@
                 </a:solidFill>
                 <a:sym typeface="+mn-ea"/>
               </a:rPr>
-              <a:t>B</a:t>
+              <a:t>B15</a:t>
+            </a:r>
+            <a:endParaRPr lang="en-US" altLang="zh-CN" sz="1000">
+              <a:sym typeface="+mn-ea"/>
+            </a:endParaRPr>
+          </a:p>
+        </p:txBody>
+      </p:sp>
+      <p:sp>
+        <p:nvSpPr>
+          <p:cNvPr id="169" name="圆角矩形 168"/>
+          <p:cNvSpPr/>
+          <p:nvPr/>
+        </p:nvSpPr>
+        <p:spPr>
+          <a:xfrm>
+            <a:off x="7123430" y="5679440"/>
+            <a:ext cx="882650" cy="233680"/>
+          </a:xfrm>
+          <a:prstGeom prst="roundRect">
+            <a:avLst/>
+          </a:prstGeom>
+          <a:solidFill>
+            <a:schemeClr val="accent1"/>
+          </a:solidFill>
+          <a:ln>
+            <a:noFill/>
+          </a:ln>
+        </p:spPr>
+        <p:style>
+          <a:lnRef idx="2">
+            <a:schemeClr val="accent1">
+              <a:lumMod val="75000"/>
+            </a:schemeClr>
+          </a:lnRef>
+          <a:fillRef idx="1">
+            <a:schemeClr val="accent1"/>
+          </a:fillRef>
+          <a:effectRef idx="0">
+            <a:srgbClr val="FFFFFF"/>
+          </a:effectRef>
+          <a:fontRef idx="minor">
+            <a:schemeClr val="lt1"/>
+          </a:fontRef>
+        </p:style>
+        <p:txBody>
+          <a:bodyPr vertOverflow="overflow" horzOverflow="overflow" vert="horz" wrap="square" numCol="1" spcCol="0" rtlCol="0" fromWordArt="0" anchor="ctr" anchorCtr="0" forceAA="0" compatLnSpc="1">
+            <a:noAutofit/>
+          </a:bodyPr>
+          <a:lstStyle/>
+          <a:p>
+            <a:pPr lvl="0" algn="ctr">
+              <a:buClrTx/>
+              <a:buSzTx/>
+              <a:buFontTx/>
+            </a:pPr>
+            <a:r>
+              <a:rPr lang="en-US" altLang="zh-CN" sz="1000">
+                <a:sym typeface="+mn-ea"/>
+              </a:rPr>
+              <a:t>GPIO</a:t>
             </a:r>
             <a:r>
               <a:rPr lang="en-US" altLang="zh-CN" sz="1000">
@@ -4269,7 +4312,7 @@
                 </a:solidFill>
                 <a:sym typeface="+mn-ea"/>
               </a:rPr>
-              <a:t>15</a:t>
+              <a:t>B14</a:t>
             </a:r>
             <a:endParaRPr lang="en-US" altLang="zh-CN" sz="1000">
               <a:sym typeface="+mn-ea"/>
@@ -4279,45 +4322,46 @@
       </p:sp>
       <p:sp>
         <p:nvSpPr>
-          <p:cNvPr id="169" name="圆角矩形 168"/>
-          <p:cNvSpPr/>
-          <p:nvPr/>
-        </p:nvSpPr>
-        <p:spPr>
-          <a:xfrm>
-            <a:off x="7123430" y="5679440"/>
-            <a:ext cx="882650" cy="233680"/>
-          </a:xfrm>
-          <a:prstGeom prst="roundRect">
-            <a:avLst/>
-          </a:prstGeom>
-          <a:solidFill>
-            <a:schemeClr val="accent1"/>
-          </a:solidFill>
-          <a:ln>
-            <a:noFill/>
-          </a:ln>
-        </p:spPr>
-        <p:style>
-          <a:lnRef idx="2">
-            <a:schemeClr val="accent1">
-              <a:lumMod val="75000"/>
-            </a:schemeClr>
-          </a:lnRef>
-          <a:fillRef idx="1">
-            <a:schemeClr val="accent1"/>
-          </a:fillRef>
-          <a:effectRef idx="0">
-            <a:srgbClr val="FFFFFF"/>
-          </a:effectRef>
-          <a:fontRef idx="minor">
-            <a:schemeClr val="lt1"/>
-          </a:fontRef>
-        </p:style>
-        <p:txBody>
-          <a:bodyPr vertOverflow="overflow" horzOverflow="overflow" vert="horz" wrap="square" numCol="1" spcCol="0" rtlCol="0" fromWordArt="0" anchor="ctr" anchorCtr="0" forceAA="0" compatLnSpc="1">
-            <a:noAutofit/>
-          </a:bodyPr>
+          <p:cNvPr id="173" name="圆角矩形 172"/>
+          <p:cNvSpPr/>
+          <p:nvPr/>
+        </p:nvSpPr>
+        <p:spPr>
+          <a:xfrm>
+            <a:off x="4175760" y="1645920"/>
+            <a:ext cx="884555" cy="233680"/>
+          </a:xfrm>
+          <a:prstGeom prst="roundRect">
+            <a:avLst/>
+          </a:prstGeom>
+          <a:solidFill>
+            <a:schemeClr val="accent1"/>
+          </a:solidFill>
+          <a:ln>
+            <a:noFill/>
+          </a:ln>
+        </p:spPr>
+        <p:style>
+          <a:lnRef idx="2">
+            <a:schemeClr val="accent1">
+              <a:lumMod val="75000"/>
+            </a:schemeClr>
+          </a:lnRef>
+          <a:fillRef idx="1">
+            <a:schemeClr val="accent1"/>
+          </a:fillRef>
+          <a:effectRef idx="0">
+            <a:srgbClr val="FFFFFF"/>
+          </a:effectRef>
+          <a:fontRef idx="minor">
+            <a:schemeClr val="lt1"/>
+          </a:fontRef>
+        </p:style>
+        <p:txBody>
+          <a:bodyPr vertOverflow="overflow" horzOverflow="overflow" vert="horz" wrap="square" numCol="1" spcCol="0" rtlCol="0" fromWordArt="0" anchor="ctr" anchorCtr="0" forceAA="0" compatLnSpc="1">
+            <a:noAutofit/>
+          </a:bodyPr>
+          <a:lstStyle/>
           <a:p>
             <a:pPr lvl="0" algn="ctr">
               <a:buClrTx/>
@@ -4337,7 +4381,7 @@
                 </a:solidFill>
                 <a:sym typeface="+mn-ea"/>
               </a:rPr>
-              <a:t>B14</a:t>
+              <a:t>C13</a:t>
             </a:r>
             <a:endParaRPr lang="en-US" altLang="zh-CN" sz="1000">
               <a:sym typeface="+mn-ea"/>
@@ -4347,13 +4391,13 @@
       </p:sp>
       <p:sp>
         <p:nvSpPr>
-          <p:cNvPr id="173" name="圆角矩形 172"/>
-          <p:cNvSpPr/>
-          <p:nvPr/>
-        </p:nvSpPr>
-        <p:spPr>
-          <a:xfrm>
-            <a:off x="4175760" y="1645920"/>
+          <p:cNvPr id="174" name="圆角矩形 173"/>
+          <p:cNvSpPr/>
+          <p:nvPr/>
+        </p:nvSpPr>
+        <p:spPr>
+          <a:xfrm>
+            <a:off x="4175760" y="1898015"/>
             <a:ext cx="884555" cy="233680"/>
           </a:xfrm>
           <a:prstGeom prst="roundRect">
@@ -4386,6 +4430,7 @@
           <a:bodyPr vertOverflow="overflow" horzOverflow="overflow" vert="horz" wrap="square" numCol="1" spcCol="0" rtlCol="0" fromWordArt="0" anchor="ctr" anchorCtr="0" forceAA="0" compatLnSpc="1">
             <a:noAutofit/>
           </a:bodyPr>
+          <a:lstStyle/>
           <a:p>
             <a:pPr lvl="0" algn="ctr">
               <a:buClrTx/>
@@ -4405,7 +4450,7 @@
                 </a:solidFill>
                 <a:sym typeface="+mn-ea"/>
               </a:rPr>
-              <a:t>C13</a:t>
+              <a:t>A0</a:t>
             </a:r>
             <a:endParaRPr lang="en-US" altLang="zh-CN" sz="1000">
               <a:sym typeface="+mn-ea"/>
@@ -4415,13 +4460,13 @@
       </p:sp>
       <p:sp>
         <p:nvSpPr>
-          <p:cNvPr id="174" name="圆角矩形 173"/>
-          <p:cNvSpPr/>
-          <p:nvPr/>
-        </p:nvSpPr>
-        <p:spPr>
-          <a:xfrm>
-            <a:off x="4175760" y="1898015"/>
+          <p:cNvPr id="175" name="圆角矩形 174"/>
+          <p:cNvSpPr/>
+          <p:nvPr/>
+        </p:nvSpPr>
+        <p:spPr>
+          <a:xfrm>
+            <a:off x="4175760" y="2150110"/>
             <a:ext cx="884555" cy="233680"/>
           </a:xfrm>
           <a:prstGeom prst="roundRect">
@@ -4454,6 +4499,7 @@
           <a:bodyPr vertOverflow="overflow" horzOverflow="overflow" vert="horz" wrap="square" numCol="1" spcCol="0" rtlCol="0" fromWordArt="0" anchor="ctr" anchorCtr="0" forceAA="0" compatLnSpc="1">
             <a:noAutofit/>
           </a:bodyPr>
+          <a:lstStyle/>
           <a:p>
             <a:pPr lvl="0" algn="ctr">
               <a:buClrTx/>
@@ -4473,7 +4519,7 @@
                 </a:solidFill>
                 <a:sym typeface="+mn-ea"/>
               </a:rPr>
-              <a:t>A0</a:t>
+              <a:t>A1</a:t>
             </a:r>
             <a:endParaRPr lang="en-US" altLang="zh-CN" sz="1000">
               <a:sym typeface="+mn-ea"/>
@@ -4483,13 +4529,13 @@
       </p:sp>
       <p:sp>
         <p:nvSpPr>
-          <p:cNvPr id="175" name="圆角矩形 174"/>
-          <p:cNvSpPr/>
-          <p:nvPr/>
-        </p:nvSpPr>
-        <p:spPr>
-          <a:xfrm>
-            <a:off x="4175760" y="2150110"/>
+          <p:cNvPr id="176" name="圆角矩形 175"/>
+          <p:cNvSpPr/>
+          <p:nvPr/>
+        </p:nvSpPr>
+        <p:spPr>
+          <a:xfrm>
+            <a:off x="4175760" y="2402205"/>
             <a:ext cx="884555" cy="233680"/>
           </a:xfrm>
           <a:prstGeom prst="roundRect">
@@ -4522,6 +4568,7 @@
           <a:bodyPr vertOverflow="overflow" horzOverflow="overflow" vert="horz" wrap="square" numCol="1" spcCol="0" rtlCol="0" fromWordArt="0" anchor="ctr" anchorCtr="0" forceAA="0" compatLnSpc="1">
             <a:noAutofit/>
           </a:bodyPr>
+          <a:lstStyle/>
           <a:p>
             <a:pPr lvl="0" algn="ctr">
               <a:buClrTx/>
@@ -4541,7 +4588,7 @@
                 </a:solidFill>
                 <a:sym typeface="+mn-ea"/>
               </a:rPr>
-              <a:t>A1</a:t>
+              <a:t>A2</a:t>
             </a:r>
             <a:endParaRPr lang="en-US" altLang="zh-CN" sz="1000">
               <a:sym typeface="+mn-ea"/>
@@ -4551,13 +4598,13 @@
       </p:sp>
       <p:sp>
         <p:nvSpPr>
-          <p:cNvPr id="176" name="圆角矩形 175"/>
-          <p:cNvSpPr/>
-          <p:nvPr/>
-        </p:nvSpPr>
-        <p:spPr>
-          <a:xfrm>
-            <a:off x="4175760" y="2402205"/>
+          <p:cNvPr id="177" name="圆角矩形 176"/>
+          <p:cNvSpPr/>
+          <p:nvPr/>
+        </p:nvSpPr>
+        <p:spPr>
+          <a:xfrm>
+            <a:off x="4175760" y="2654300"/>
             <a:ext cx="884555" cy="233680"/>
           </a:xfrm>
           <a:prstGeom prst="roundRect">
@@ -4590,6 +4637,7 @@
           <a:bodyPr vertOverflow="overflow" horzOverflow="overflow" vert="horz" wrap="square" numCol="1" spcCol="0" rtlCol="0" fromWordArt="0" anchor="ctr" anchorCtr="0" forceAA="0" compatLnSpc="1">
             <a:noAutofit/>
           </a:bodyPr>
+          <a:lstStyle/>
           <a:p>
             <a:pPr lvl="0" algn="ctr">
               <a:buClrTx/>
@@ -4609,7 +4657,7 @@
                 </a:solidFill>
                 <a:sym typeface="+mn-ea"/>
               </a:rPr>
-              <a:t>A2</a:t>
+              <a:t>A3</a:t>
             </a:r>
             <a:endParaRPr lang="en-US" altLang="zh-CN" sz="1000">
               <a:sym typeface="+mn-ea"/>
@@ -4619,13 +4667,13 @@
       </p:sp>
       <p:sp>
         <p:nvSpPr>
-          <p:cNvPr id="177" name="圆角矩形 176"/>
-          <p:cNvSpPr/>
-          <p:nvPr/>
-        </p:nvSpPr>
-        <p:spPr>
-          <a:xfrm>
-            <a:off x="4175760" y="2654300"/>
+          <p:cNvPr id="178" name="圆角矩形 177"/>
+          <p:cNvSpPr/>
+          <p:nvPr/>
+        </p:nvSpPr>
+        <p:spPr>
+          <a:xfrm>
+            <a:off x="4175760" y="2906395"/>
             <a:ext cx="884555" cy="233680"/>
           </a:xfrm>
           <a:prstGeom prst="roundRect">
@@ -4658,6 +4706,7 @@
           <a:bodyPr vertOverflow="overflow" horzOverflow="overflow" vert="horz" wrap="square" numCol="1" spcCol="0" rtlCol="0" fromWordArt="0" anchor="ctr" anchorCtr="0" forceAA="0" compatLnSpc="1">
             <a:noAutofit/>
           </a:bodyPr>
+          <a:lstStyle/>
           <a:p>
             <a:pPr lvl="0" algn="ctr">
               <a:buClrTx/>
@@ -4677,7 +4726,7 @@
                 </a:solidFill>
                 <a:sym typeface="+mn-ea"/>
               </a:rPr>
-              <a:t>A3</a:t>
+              <a:t>A4</a:t>
             </a:r>
             <a:endParaRPr lang="en-US" altLang="zh-CN" sz="1000">
               <a:sym typeface="+mn-ea"/>
@@ -4687,13 +4736,13 @@
       </p:sp>
       <p:sp>
         <p:nvSpPr>
-          <p:cNvPr id="178" name="圆角矩形 177"/>
-          <p:cNvSpPr/>
-          <p:nvPr/>
-        </p:nvSpPr>
-        <p:spPr>
-          <a:xfrm>
-            <a:off x="4175760" y="2906395"/>
+          <p:cNvPr id="179" name="圆角矩形 178"/>
+          <p:cNvSpPr/>
+          <p:nvPr/>
+        </p:nvSpPr>
+        <p:spPr>
+          <a:xfrm>
+            <a:off x="4175760" y="3158490"/>
             <a:ext cx="884555" cy="233680"/>
           </a:xfrm>
           <a:prstGeom prst="roundRect">
@@ -4726,6 +4775,7 @@
           <a:bodyPr vertOverflow="overflow" horzOverflow="overflow" vert="horz" wrap="square" numCol="1" spcCol="0" rtlCol="0" fromWordArt="0" anchor="ctr" anchorCtr="0" forceAA="0" compatLnSpc="1">
             <a:noAutofit/>
           </a:bodyPr>
+          <a:lstStyle/>
           <a:p>
             <a:pPr lvl="0" algn="ctr">
               <a:buClrTx/>
@@ -4745,7 +4795,7 @@
                 </a:solidFill>
                 <a:sym typeface="+mn-ea"/>
               </a:rPr>
-              <a:t>A4</a:t>
+              <a:t>A5</a:t>
             </a:r>
             <a:endParaRPr lang="en-US" altLang="zh-CN" sz="1000">
               <a:sym typeface="+mn-ea"/>
@@ -4755,13 +4805,13 @@
       </p:sp>
       <p:sp>
         <p:nvSpPr>
-          <p:cNvPr id="179" name="圆角矩形 178"/>
-          <p:cNvSpPr/>
-          <p:nvPr/>
-        </p:nvSpPr>
-        <p:spPr>
-          <a:xfrm>
-            <a:off x="4175760" y="3158490"/>
+          <p:cNvPr id="180" name="圆角矩形 179"/>
+          <p:cNvSpPr/>
+          <p:nvPr/>
+        </p:nvSpPr>
+        <p:spPr>
+          <a:xfrm>
+            <a:off x="4182745" y="3410585"/>
             <a:ext cx="884555" cy="233680"/>
           </a:xfrm>
           <a:prstGeom prst="roundRect">
@@ -4794,6 +4844,7 @@
           <a:bodyPr vertOverflow="overflow" horzOverflow="overflow" vert="horz" wrap="square" numCol="1" spcCol="0" rtlCol="0" fromWordArt="0" anchor="ctr" anchorCtr="0" forceAA="0" compatLnSpc="1">
             <a:noAutofit/>
           </a:bodyPr>
+          <a:lstStyle/>
           <a:p>
             <a:pPr lvl="0" algn="ctr">
               <a:buClrTx/>
@@ -4813,7 +4864,7 @@
                 </a:solidFill>
                 <a:sym typeface="+mn-ea"/>
               </a:rPr>
-              <a:t>A5</a:t>
+              <a:t>A6</a:t>
             </a:r>
             <a:endParaRPr lang="en-US" altLang="zh-CN" sz="1000">
               <a:sym typeface="+mn-ea"/>
@@ -4823,13 +4874,13 @@
       </p:sp>
       <p:sp>
         <p:nvSpPr>
-          <p:cNvPr id="180" name="圆角矩形 179"/>
-          <p:cNvSpPr/>
-          <p:nvPr/>
-        </p:nvSpPr>
-        <p:spPr>
-          <a:xfrm>
-            <a:off x="4182745" y="3410585"/>
+          <p:cNvPr id="181" name="圆角矩形 180"/>
+          <p:cNvSpPr/>
+          <p:nvPr/>
+        </p:nvSpPr>
+        <p:spPr>
+          <a:xfrm>
+            <a:off x="4182745" y="3662680"/>
             <a:ext cx="884555" cy="233680"/>
           </a:xfrm>
           <a:prstGeom prst="roundRect">
@@ -4862,6 +4913,7 @@
           <a:bodyPr vertOverflow="overflow" horzOverflow="overflow" vert="horz" wrap="square" numCol="1" spcCol="0" rtlCol="0" fromWordArt="0" anchor="ctr" anchorCtr="0" forceAA="0" compatLnSpc="1">
             <a:noAutofit/>
           </a:bodyPr>
+          <a:lstStyle/>
           <a:p>
             <a:pPr lvl="0" algn="ctr">
               <a:buClrTx/>
@@ -4881,7 +4933,7 @@
                 </a:solidFill>
                 <a:sym typeface="+mn-ea"/>
               </a:rPr>
-              <a:t>A6</a:t>
+              <a:t>A7</a:t>
             </a:r>
             <a:endParaRPr lang="en-US" altLang="zh-CN" sz="1000">
               <a:sym typeface="+mn-ea"/>
@@ -4891,13 +4943,13 @@
       </p:sp>
       <p:sp>
         <p:nvSpPr>
-          <p:cNvPr id="181" name="圆角矩形 180"/>
-          <p:cNvSpPr/>
-          <p:nvPr/>
-        </p:nvSpPr>
-        <p:spPr>
-          <a:xfrm>
-            <a:off x="4182745" y="3662680"/>
+          <p:cNvPr id="182" name="圆角矩形 181"/>
+          <p:cNvSpPr/>
+          <p:nvPr/>
+        </p:nvSpPr>
+        <p:spPr>
+          <a:xfrm>
+            <a:off x="4182745" y="3914775"/>
             <a:ext cx="884555" cy="233680"/>
           </a:xfrm>
           <a:prstGeom prst="roundRect">
@@ -4930,6 +4982,7 @@
           <a:bodyPr vertOverflow="overflow" horzOverflow="overflow" vert="horz" wrap="square" numCol="1" spcCol="0" rtlCol="0" fromWordArt="0" anchor="ctr" anchorCtr="0" forceAA="0" compatLnSpc="1">
             <a:noAutofit/>
           </a:bodyPr>
+          <a:lstStyle/>
           <a:p>
             <a:pPr lvl="0" algn="ctr">
               <a:buClrTx/>
@@ -4949,7 +5002,7 @@
                 </a:solidFill>
                 <a:sym typeface="+mn-ea"/>
               </a:rPr>
-              <a:t>A7</a:t>
+              <a:t>C4</a:t>
             </a:r>
             <a:endParaRPr lang="en-US" altLang="zh-CN" sz="1000">
               <a:sym typeface="+mn-ea"/>
@@ -4959,13 +5012,13 @@
       </p:sp>
       <p:sp>
         <p:nvSpPr>
-          <p:cNvPr id="182" name="圆角矩形 181"/>
-          <p:cNvSpPr/>
-          <p:nvPr/>
-        </p:nvSpPr>
-        <p:spPr>
-          <a:xfrm>
-            <a:off x="4182745" y="3914775"/>
+          <p:cNvPr id="183" name="圆角矩形 182"/>
+          <p:cNvSpPr/>
+          <p:nvPr/>
+        </p:nvSpPr>
+        <p:spPr>
+          <a:xfrm>
+            <a:off x="4182745" y="4166870"/>
             <a:ext cx="884555" cy="233680"/>
           </a:xfrm>
           <a:prstGeom prst="roundRect">
@@ -4998,6 +5051,7 @@
           <a:bodyPr vertOverflow="overflow" horzOverflow="overflow" vert="horz" wrap="square" numCol="1" spcCol="0" rtlCol="0" fromWordArt="0" anchor="ctr" anchorCtr="0" forceAA="0" compatLnSpc="1">
             <a:noAutofit/>
           </a:bodyPr>
+          <a:lstStyle/>
           <a:p>
             <a:pPr lvl="0" algn="ctr">
               <a:buClrTx/>
@@ -5017,7 +5071,7 @@
                 </a:solidFill>
                 <a:sym typeface="+mn-ea"/>
               </a:rPr>
-              <a:t>C4</a:t>
+              <a:t>B0</a:t>
             </a:r>
             <a:endParaRPr lang="en-US" altLang="zh-CN" sz="1000">
               <a:sym typeface="+mn-ea"/>
@@ -5027,13 +5081,13 @@
       </p:sp>
       <p:sp>
         <p:nvSpPr>
-          <p:cNvPr id="183" name="圆角矩形 182"/>
-          <p:cNvSpPr/>
-          <p:nvPr/>
-        </p:nvSpPr>
-        <p:spPr>
-          <a:xfrm>
-            <a:off x="4182745" y="4166870"/>
+          <p:cNvPr id="184" name="圆角矩形 183"/>
+          <p:cNvSpPr/>
+          <p:nvPr/>
+        </p:nvSpPr>
+        <p:spPr>
+          <a:xfrm>
+            <a:off x="4182745" y="4418965"/>
             <a:ext cx="884555" cy="233680"/>
           </a:xfrm>
           <a:prstGeom prst="roundRect">
@@ -5066,6 +5120,7 @@
           <a:bodyPr vertOverflow="overflow" horzOverflow="overflow" vert="horz" wrap="square" numCol="1" spcCol="0" rtlCol="0" fromWordArt="0" anchor="ctr" anchorCtr="0" forceAA="0" compatLnSpc="1">
             <a:noAutofit/>
           </a:bodyPr>
+          <a:lstStyle/>
           <a:p>
             <a:pPr lvl="0" algn="ctr">
               <a:buClrTx/>
@@ -5085,7 +5140,7 @@
                 </a:solidFill>
                 <a:sym typeface="+mn-ea"/>
               </a:rPr>
-              <a:t>B0</a:t>
+              <a:t>B1</a:t>
             </a:r>
             <a:endParaRPr lang="en-US" altLang="zh-CN" sz="1000">
               <a:sym typeface="+mn-ea"/>
@@ -5095,13 +5150,13 @@
       </p:sp>
       <p:sp>
         <p:nvSpPr>
-          <p:cNvPr id="184" name="圆角矩形 183"/>
-          <p:cNvSpPr/>
-          <p:nvPr/>
-        </p:nvSpPr>
-        <p:spPr>
-          <a:xfrm>
-            <a:off x="4182745" y="4418965"/>
+          <p:cNvPr id="185" name="圆角矩形 184"/>
+          <p:cNvSpPr/>
+          <p:nvPr/>
+        </p:nvSpPr>
+        <p:spPr>
+          <a:xfrm>
+            <a:off x="4175760" y="4671060"/>
             <a:ext cx="884555" cy="233680"/>
           </a:xfrm>
           <a:prstGeom prst="roundRect">
@@ -5134,6 +5189,7 @@
           <a:bodyPr vertOverflow="overflow" horzOverflow="overflow" vert="horz" wrap="square" numCol="1" spcCol="0" rtlCol="0" fromWordArt="0" anchor="ctr" anchorCtr="0" forceAA="0" compatLnSpc="1">
             <a:noAutofit/>
           </a:bodyPr>
+          <a:lstStyle/>
           <a:p>
             <a:pPr lvl="0" algn="ctr">
               <a:buClrTx/>
@@ -5153,7 +5209,7 @@
                 </a:solidFill>
                 <a:sym typeface="+mn-ea"/>
               </a:rPr>
-              <a:t>B1</a:t>
+              <a:t>B2</a:t>
             </a:r>
             <a:endParaRPr lang="en-US" altLang="zh-CN" sz="1000">
               <a:sym typeface="+mn-ea"/>
@@ -5163,13 +5219,13 @@
       </p:sp>
       <p:sp>
         <p:nvSpPr>
-          <p:cNvPr id="185" name="圆角矩形 184"/>
-          <p:cNvSpPr/>
-          <p:nvPr/>
-        </p:nvSpPr>
-        <p:spPr>
-          <a:xfrm>
-            <a:off x="4175760" y="4671060"/>
+          <p:cNvPr id="186" name="圆角矩形 185"/>
+          <p:cNvSpPr/>
+          <p:nvPr/>
+        </p:nvSpPr>
+        <p:spPr>
+          <a:xfrm>
+            <a:off x="4175760" y="4923155"/>
             <a:ext cx="884555" cy="233680"/>
           </a:xfrm>
           <a:prstGeom prst="roundRect">
@@ -5202,6 +5258,7 @@
           <a:bodyPr vertOverflow="overflow" horzOverflow="overflow" vert="horz" wrap="square" numCol="1" spcCol="0" rtlCol="0" fromWordArt="0" anchor="ctr" anchorCtr="0" forceAA="0" compatLnSpc="1">
             <a:noAutofit/>
           </a:bodyPr>
+          <a:lstStyle/>
           <a:p>
             <a:pPr lvl="0" algn="ctr">
               <a:buClrTx/>
@@ -5221,7 +5278,7 @@
                 </a:solidFill>
                 <a:sym typeface="+mn-ea"/>
               </a:rPr>
-              <a:t>B2</a:t>
+              <a:t>B10</a:t>
             </a:r>
             <a:endParaRPr lang="en-US" altLang="zh-CN" sz="1000">
               <a:sym typeface="+mn-ea"/>
@@ -5231,13 +5288,13 @@
       </p:sp>
       <p:sp>
         <p:nvSpPr>
-          <p:cNvPr id="186" name="圆角矩形 185"/>
-          <p:cNvSpPr/>
-          <p:nvPr/>
-        </p:nvSpPr>
-        <p:spPr>
-          <a:xfrm>
-            <a:off x="4175760" y="4923155"/>
+          <p:cNvPr id="187" name="圆角矩形 186"/>
+          <p:cNvSpPr/>
+          <p:nvPr/>
+        </p:nvSpPr>
+        <p:spPr>
+          <a:xfrm>
+            <a:off x="4175760" y="5175250"/>
             <a:ext cx="884555" cy="233680"/>
           </a:xfrm>
           <a:prstGeom prst="roundRect">
@@ -5270,6 +5327,7 @@
           <a:bodyPr vertOverflow="overflow" horzOverflow="overflow" vert="horz" wrap="square" numCol="1" spcCol="0" rtlCol="0" fromWordArt="0" anchor="ctr" anchorCtr="0" forceAA="0" compatLnSpc="1">
             <a:noAutofit/>
           </a:bodyPr>
+          <a:lstStyle/>
           <a:p>
             <a:pPr lvl="0" algn="ctr">
               <a:buClrTx/>
@@ -5289,7 +5347,7 @@
                 </a:solidFill>
                 <a:sym typeface="+mn-ea"/>
               </a:rPr>
-              <a:t>B10</a:t>
+              <a:t>B11</a:t>
             </a:r>
             <a:endParaRPr lang="en-US" altLang="zh-CN" sz="1000">
               <a:sym typeface="+mn-ea"/>
@@ -5299,13 +5357,13 @@
       </p:sp>
       <p:sp>
         <p:nvSpPr>
-          <p:cNvPr id="187" name="圆角矩形 186"/>
-          <p:cNvSpPr/>
-          <p:nvPr/>
-        </p:nvSpPr>
-        <p:spPr>
-          <a:xfrm>
-            <a:off x="4175760" y="5175250"/>
+          <p:cNvPr id="188" name="圆角矩形 187"/>
+          <p:cNvSpPr/>
+          <p:nvPr/>
+        </p:nvSpPr>
+        <p:spPr>
+          <a:xfrm>
+            <a:off x="4182745" y="5427345"/>
             <a:ext cx="884555" cy="233680"/>
           </a:xfrm>
           <a:prstGeom prst="roundRect">
@@ -5338,6 +5396,7 @@
           <a:bodyPr vertOverflow="overflow" horzOverflow="overflow" vert="horz" wrap="square" numCol="1" spcCol="0" rtlCol="0" fromWordArt="0" anchor="ctr" anchorCtr="0" forceAA="0" compatLnSpc="1">
             <a:noAutofit/>
           </a:bodyPr>
+          <a:lstStyle/>
           <a:p>
             <a:pPr lvl="0" algn="ctr">
               <a:buClrTx/>
@@ -5357,7 +5416,7 @@
                 </a:solidFill>
                 <a:sym typeface="+mn-ea"/>
               </a:rPr>
-              <a:t>B11</a:t>
+              <a:t>B12</a:t>
             </a:r>
             <a:endParaRPr lang="en-US" altLang="zh-CN" sz="1000">
               <a:sym typeface="+mn-ea"/>
@@ -5367,13 +5426,13 @@
       </p:sp>
       <p:sp>
         <p:nvSpPr>
-          <p:cNvPr id="188" name="圆角矩形 187"/>
-          <p:cNvSpPr/>
-          <p:nvPr/>
-        </p:nvSpPr>
-        <p:spPr>
-          <a:xfrm>
-            <a:off x="4182745" y="5427345"/>
+          <p:cNvPr id="189" name="圆角矩形 188"/>
+          <p:cNvSpPr/>
+          <p:nvPr/>
+        </p:nvSpPr>
+        <p:spPr>
+          <a:xfrm>
+            <a:off x="4182745" y="5679440"/>
             <a:ext cx="884555" cy="233680"/>
           </a:xfrm>
           <a:prstGeom prst="roundRect">
@@ -5406,6 +5465,7 @@
           <a:bodyPr vertOverflow="overflow" horzOverflow="overflow" vert="horz" wrap="square" numCol="1" spcCol="0" rtlCol="0" fromWordArt="0" anchor="ctr" anchorCtr="0" forceAA="0" compatLnSpc="1">
             <a:noAutofit/>
           </a:bodyPr>
+          <a:lstStyle/>
           <a:p>
             <a:pPr lvl="0" algn="ctr">
               <a:buClrTx/>
@@ -5425,16 +5485,7 @@
                 </a:solidFill>
                 <a:sym typeface="+mn-ea"/>
               </a:rPr>
-              <a:t>B</a:t>
-            </a:r>
-            <a:r>
-              <a:rPr lang="en-US" altLang="zh-CN" sz="1000">
-                <a:solidFill>
-                  <a:srgbClr val="FF0000"/>
-                </a:solidFill>
-                <a:sym typeface="+mn-ea"/>
-              </a:rPr>
-              <a:t>12</a:t>
+              <a:t>B13</a:t>
             </a:r>
             <a:endParaRPr lang="en-US" altLang="zh-CN" sz="1000">
               <a:sym typeface="+mn-ea"/>
@@ -5444,74 +5495,6 @@
       </p:sp>
       <p:sp>
         <p:nvSpPr>
-          <p:cNvPr id="189" name="圆角矩形 188"/>
-          <p:cNvSpPr/>
-          <p:nvPr/>
-        </p:nvSpPr>
-        <p:spPr>
-          <a:xfrm>
-            <a:off x="4182745" y="5679440"/>
-            <a:ext cx="884555" cy="233680"/>
-          </a:xfrm>
-          <a:prstGeom prst="roundRect">
-            <a:avLst/>
-          </a:prstGeom>
-          <a:solidFill>
-            <a:schemeClr val="accent1"/>
-          </a:solidFill>
-          <a:ln>
-            <a:noFill/>
-          </a:ln>
-        </p:spPr>
-        <p:style>
-          <a:lnRef idx="2">
-            <a:schemeClr val="accent1">
-              <a:lumMod val="75000"/>
-            </a:schemeClr>
-          </a:lnRef>
-          <a:fillRef idx="1">
-            <a:schemeClr val="accent1"/>
-          </a:fillRef>
-          <a:effectRef idx="0">
-            <a:srgbClr val="FFFFFF"/>
-          </a:effectRef>
-          <a:fontRef idx="minor">
-            <a:schemeClr val="lt1"/>
-          </a:fontRef>
-        </p:style>
-        <p:txBody>
-          <a:bodyPr vertOverflow="overflow" horzOverflow="overflow" vert="horz" wrap="square" numCol="1" spcCol="0" rtlCol="0" fromWordArt="0" anchor="ctr" anchorCtr="0" forceAA="0" compatLnSpc="1">
-            <a:noAutofit/>
-          </a:bodyPr>
-          <a:p>
-            <a:pPr lvl="0" algn="ctr">
-              <a:buClrTx/>
-              <a:buSzTx/>
-              <a:buFontTx/>
-            </a:pPr>
-            <a:r>
-              <a:rPr lang="en-US" altLang="zh-CN" sz="1000">
-                <a:sym typeface="+mn-ea"/>
-              </a:rPr>
-              <a:t>GPIO</a:t>
-            </a:r>
-            <a:r>
-              <a:rPr lang="en-US" altLang="zh-CN" sz="1000">
-                <a:solidFill>
-                  <a:srgbClr val="FF0000"/>
-                </a:solidFill>
-                <a:sym typeface="+mn-ea"/>
-              </a:rPr>
-              <a:t>B13</a:t>
-            </a:r>
-            <a:endParaRPr lang="en-US" altLang="zh-CN" sz="1000">
-              <a:sym typeface="+mn-ea"/>
-            </a:endParaRPr>
-          </a:p>
-        </p:txBody>
-      </p:sp>
-      <p:sp>
-        <p:nvSpPr>
           <p:cNvPr id="190" name="圆角矩形 189"/>
           <p:cNvSpPr/>
           <p:nvPr/>
@@ -5551,6 +5534,7 @@
           <a:bodyPr vertOverflow="overflow" horzOverflow="overflow" vert="horz" wrap="square" numCol="1" spcCol="0" rtlCol="0" fromWordArt="0" anchor="ctr" anchorCtr="0" forceAA="0" compatLnSpc="1">
             <a:noAutofit/>
           </a:bodyPr>
+          <a:lstStyle/>
           <a:p>
             <a:pPr lvl="0" algn="ctr">
               <a:buClrTx/>
@@ -5563,9 +5547,6 @@
               </a:rPr>
               <a:t>USART3_TX</a:t>
             </a:r>
-            <a:endParaRPr lang="en-US" altLang="zh-CN" sz="1000">
-              <a:sym typeface="+mn-ea"/>
-            </a:endParaRPr>
           </a:p>
         </p:txBody>
       </p:sp>
@@ -5610,6 +5591,7 @@
           <a:bodyPr vertOverflow="overflow" horzOverflow="overflow" vert="horz" wrap="square" numCol="1" spcCol="0" rtlCol="0" fromWordArt="0" anchor="ctr" anchorCtr="0" forceAA="0" compatLnSpc="1">
             <a:noAutofit/>
           </a:bodyPr>
+          <a:lstStyle/>
           <a:p>
             <a:pPr lvl="0" algn="ctr">
               <a:buClrTx/>
@@ -5622,9 +5604,6 @@
               </a:rPr>
               <a:t>USART3_RX</a:t>
             </a:r>
-            <a:endParaRPr lang="en-US" altLang="zh-CN" sz="1000">
-              <a:sym typeface="+mn-ea"/>
-            </a:endParaRPr>
           </a:p>
         </p:txBody>
       </p:sp>
@@ -5669,6 +5648,7 @@
           <a:bodyPr vertOverflow="overflow" horzOverflow="overflow" vert="horz" wrap="square" numCol="1" spcCol="0" rtlCol="0" fromWordArt="0" anchor="ctr" anchorCtr="0" forceAA="0" compatLnSpc="1">
             <a:noAutofit/>
           </a:bodyPr>
+          <a:lstStyle/>
           <a:p>
             <a:pPr lvl="0" algn="ctr">
               <a:buClrTx/>
@@ -5681,9 +5661,6 @@
               </a:rPr>
               <a:t>USART1_RX</a:t>
             </a:r>
-            <a:endParaRPr lang="en-US" altLang="zh-CN" sz="1000">
-              <a:sym typeface="+mn-ea"/>
-            </a:endParaRPr>
           </a:p>
         </p:txBody>
       </p:sp>
@@ -5728,6 +5705,7 @@
           <a:bodyPr vertOverflow="overflow" horzOverflow="overflow" vert="horz" wrap="square" numCol="1" spcCol="0" rtlCol="0" fromWordArt="0" anchor="ctr" anchorCtr="0" forceAA="0" compatLnSpc="1">
             <a:noAutofit/>
           </a:bodyPr>
+          <a:lstStyle/>
           <a:p>
             <a:pPr lvl="0" algn="ctr">
               <a:buClrTx/>
@@ -5740,9 +5718,6 @@
               </a:rPr>
               <a:t>USART1_TX</a:t>
             </a:r>
-            <a:endParaRPr lang="en-US" altLang="zh-CN" sz="1000">
-              <a:sym typeface="+mn-ea"/>
-            </a:endParaRPr>
           </a:p>
         </p:txBody>
       </p:sp>
@@ -5787,6 +5762,7 @@
           <a:bodyPr vertOverflow="overflow" horzOverflow="overflow" vert="horz" wrap="square" numCol="1" spcCol="0" rtlCol="0" fromWordArt="0" anchor="ctr" anchorCtr="0" forceAA="0" compatLnSpc="1">
             <a:noAutofit/>
           </a:bodyPr>
+          <a:lstStyle/>
           <a:p>
             <a:pPr lvl="0" algn="ctr">
               <a:buClrTx/>
@@ -5799,9 +5775,6 @@
               </a:rPr>
               <a:t>USART2_RX</a:t>
             </a:r>
-            <a:endParaRPr lang="en-US" altLang="zh-CN" sz="1000">
-              <a:sym typeface="+mn-ea"/>
-            </a:endParaRPr>
           </a:p>
         </p:txBody>
       </p:sp>
@@ -5846,6 +5819,7 @@
           <a:bodyPr vertOverflow="overflow" horzOverflow="overflow" vert="horz" wrap="square" numCol="1" spcCol="0" rtlCol="0" fromWordArt="0" anchor="ctr" anchorCtr="0" forceAA="0" compatLnSpc="1">
             <a:noAutofit/>
           </a:bodyPr>
+          <a:lstStyle/>
           <a:p>
             <a:pPr lvl="0" algn="ctr">
               <a:buClrTx/>
@@ -5858,9 +5832,6 @@
               </a:rPr>
               <a:t>USART2_TX</a:t>
             </a:r>
-            <a:endParaRPr lang="en-US" altLang="zh-CN" sz="1000">
-              <a:sym typeface="+mn-ea"/>
-            </a:endParaRPr>
           </a:p>
         </p:txBody>
       </p:sp>
@@ -5905,6 +5876,7 @@
           <a:bodyPr vertOverflow="overflow" horzOverflow="overflow" vert="horz" wrap="square" numCol="1" spcCol="0" rtlCol="0" fromWordArt="0" anchor="ctr" anchorCtr="0" forceAA="0" compatLnSpc="1">
             <a:noAutofit/>
           </a:bodyPr>
+          <a:lstStyle/>
           <a:p>
             <a:pPr lvl="0" algn="ctr">
               <a:buClrTx/>
@@ -5917,9 +5889,6 @@
               </a:rPr>
               <a:t>USART3_RX</a:t>
             </a:r>
-            <a:endParaRPr lang="en-US" altLang="zh-CN" sz="1000">
-              <a:sym typeface="+mn-ea"/>
-            </a:endParaRPr>
           </a:p>
         </p:txBody>
       </p:sp>
@@ -5964,6 +5933,7 @@
           <a:bodyPr vertOverflow="overflow" horzOverflow="overflow" vert="horz" wrap="square" numCol="1" spcCol="0" rtlCol="0" fromWordArt="0" anchor="ctr" anchorCtr="0" forceAA="0" compatLnSpc="1">
             <a:noAutofit/>
           </a:bodyPr>
+          <a:lstStyle/>
           <a:p>
             <a:pPr lvl="0" algn="ctr">
               <a:buClrTx/>
@@ -5976,9 +5946,6 @@
               </a:rPr>
               <a:t>USART3_TX</a:t>
             </a:r>
-            <a:endParaRPr lang="en-US" altLang="zh-CN" sz="1000">
-              <a:sym typeface="+mn-ea"/>
-            </a:endParaRPr>
           </a:p>
         </p:txBody>
       </p:sp>
@@ -6023,6 +5990,7 @@
           <a:bodyPr vertOverflow="overflow" horzOverflow="overflow" vert="horz" wrap="square" numCol="1" spcCol="0" rtlCol="0" fromWordArt="0" anchor="ctr" anchorCtr="0" forceAA="0" compatLnSpc="1">
             <a:noAutofit/>
           </a:bodyPr>
+          <a:lstStyle/>
           <a:p>
             <a:pPr lvl="0" algn="ctr">
               <a:buClrTx/>
@@ -6035,9 +6003,6 @@
               </a:rPr>
               <a:t>USART2_RX</a:t>
             </a:r>
-            <a:endParaRPr lang="en-US" altLang="zh-CN" sz="1000">
-              <a:sym typeface="+mn-ea"/>
-            </a:endParaRPr>
           </a:p>
         </p:txBody>
       </p:sp>
@@ -6082,6 +6047,7 @@
           <a:bodyPr vertOverflow="overflow" horzOverflow="overflow" vert="horz" wrap="square" numCol="1" spcCol="0" rtlCol="0" fromWordArt="0" anchor="ctr" anchorCtr="0" forceAA="0" compatLnSpc="1">
             <a:noAutofit/>
           </a:bodyPr>
+          <a:lstStyle/>
           <a:p>
             <a:pPr lvl="0" algn="ctr">
               <a:buClrTx/>
@@ -6094,9 +6060,6 @@
               </a:rPr>
               <a:t>USART1_RX</a:t>
             </a:r>
-            <a:endParaRPr lang="en-US" altLang="zh-CN" sz="1000">
-              <a:sym typeface="+mn-ea"/>
-            </a:endParaRPr>
           </a:p>
         </p:txBody>
       </p:sp>
@@ -6141,6 +6104,7 @@
           <a:bodyPr vertOverflow="overflow" horzOverflow="overflow" vert="horz" wrap="square" numCol="1" spcCol="0" rtlCol="0" fromWordArt="0" anchor="ctr" anchorCtr="0" forceAA="0" compatLnSpc="1">
             <a:noAutofit/>
           </a:bodyPr>
+          <a:lstStyle/>
           <a:p>
             <a:pPr lvl="0" algn="ctr">
               <a:buClrTx/>
@@ -6153,9 +6117,6 @@
               </a:rPr>
               <a:t>USART1_TX</a:t>
             </a:r>
-            <a:endParaRPr lang="en-US" altLang="zh-CN" sz="1000">
-              <a:sym typeface="+mn-ea"/>
-            </a:endParaRPr>
           </a:p>
         </p:txBody>
       </p:sp>
@@ -6200,6 +6161,7 @@
           <a:bodyPr vertOverflow="overflow" horzOverflow="overflow" vert="horz" wrap="square" numCol="1" spcCol="0" rtlCol="0" fromWordArt="0" anchor="ctr" anchorCtr="0" forceAA="0" compatLnSpc="1">
             <a:noAutofit/>
           </a:bodyPr>
+          <a:lstStyle/>
           <a:p>
             <a:pPr lvl="0" algn="ctr">
               <a:buClrTx/>
@@ -6212,9 +6174,6 @@
               </a:rPr>
               <a:t>USART3_RX</a:t>
             </a:r>
-            <a:endParaRPr lang="en-US" altLang="zh-CN" sz="1000">
-              <a:sym typeface="+mn-ea"/>
-            </a:endParaRPr>
           </a:p>
         </p:txBody>
       </p:sp>
@@ -6259,6 +6218,7 @@
           <a:bodyPr vertOverflow="overflow" horzOverflow="overflow" vert="horz" wrap="square" numCol="1" spcCol="0" rtlCol="0" fromWordArt="0" anchor="ctr" anchorCtr="0" forceAA="0" compatLnSpc="1">
             <a:noAutofit/>
           </a:bodyPr>
+          <a:lstStyle/>
           <a:p>
             <a:pPr lvl="0" algn="ctr">
               <a:buClrTx/>
@@ -6271,9 +6231,6 @@
               </a:rPr>
               <a:t>USART3_TX</a:t>
             </a:r>
-            <a:endParaRPr lang="en-US" altLang="zh-CN" sz="1000">
-              <a:sym typeface="+mn-ea"/>
-            </a:endParaRPr>
           </a:p>
         </p:txBody>
       </p:sp>
@@ -6318,6 +6275,7 @@
           <a:bodyPr vertOverflow="overflow" horzOverflow="overflow" vert="horz" wrap="square" numCol="1" spcCol="0" rtlCol="0" fromWordArt="0" anchor="ctr" anchorCtr="0" forceAA="0" compatLnSpc="1">
             <a:noAutofit/>
           </a:bodyPr>
+          <a:lstStyle/>
           <a:p>
             <a:pPr lvl="0" algn="ctr">
               <a:buClrTx/>
@@ -6330,9 +6288,6 @@
               </a:rPr>
               <a:t>USART1_TX</a:t>
             </a:r>
-            <a:endParaRPr lang="en-US" altLang="zh-CN" sz="1000">
-              <a:sym typeface="+mn-ea"/>
-            </a:endParaRPr>
           </a:p>
         </p:txBody>
       </p:sp>
@@ -6377,6 +6332,7 @@
           <a:bodyPr vertOverflow="overflow" horzOverflow="overflow" vert="horz" wrap="square" numCol="1" spcCol="0" rtlCol="0" fromWordArt="0" anchor="ctr" anchorCtr="0" forceAA="0" compatLnSpc="1">
             <a:noAutofit/>
           </a:bodyPr>
+          <a:lstStyle/>
           <a:p>
             <a:pPr lvl="0" algn="ctr">
               <a:buClrTx/>
@@ -6389,9 +6345,6 @@
               </a:rPr>
               <a:t>USART2_RX</a:t>
             </a:r>
-            <a:endParaRPr lang="en-US" altLang="zh-CN" sz="1000">
-              <a:sym typeface="+mn-ea"/>
-            </a:endParaRPr>
           </a:p>
         </p:txBody>
       </p:sp>
@@ -6436,6 +6389,7 @@
           <a:bodyPr vertOverflow="overflow" horzOverflow="overflow" vert="horz" wrap="square" numCol="1" spcCol="0" rtlCol="0" fromWordArt="0" anchor="ctr" anchorCtr="0" forceAA="0" compatLnSpc="1">
             <a:noAutofit/>
           </a:bodyPr>
+          <a:lstStyle/>
           <a:p>
             <a:pPr lvl="0" algn="ctr">
               <a:buClrTx/>
@@ -6448,9 +6402,6 @@
               </a:rPr>
               <a:t>USART2_TX</a:t>
             </a:r>
-            <a:endParaRPr lang="en-US" altLang="zh-CN" sz="1000">
-              <a:sym typeface="+mn-ea"/>
-            </a:endParaRPr>
           </a:p>
         </p:txBody>
       </p:sp>
@@ -6495,6 +6446,7 @@
           <a:bodyPr vertOverflow="overflow" horzOverflow="overflow" vert="horz" wrap="square" numCol="1" spcCol="0" rtlCol="0" fromWordArt="0" anchor="ctr" anchorCtr="0" forceAA="0" compatLnSpc="1">
             <a:noAutofit/>
           </a:bodyPr>
+          <a:lstStyle/>
           <a:p>
             <a:pPr lvl="0" algn="ctr">
               <a:buClrTx/>
@@ -6507,9 +6459,6 @@
               </a:rPr>
               <a:t>I2C1_SDA</a:t>
             </a:r>
-            <a:endParaRPr lang="en-US" altLang="zh-CN" sz="1000">
-              <a:sym typeface="+mn-ea"/>
-            </a:endParaRPr>
           </a:p>
         </p:txBody>
       </p:sp>
@@ -6554,6 +6503,7 @@
           <a:bodyPr vertOverflow="overflow" horzOverflow="overflow" vert="horz" wrap="square" numCol="1" spcCol="0" rtlCol="0" fromWordArt="0" anchor="ctr" anchorCtr="0" forceAA="0" compatLnSpc="1">
             <a:noAutofit/>
           </a:bodyPr>
+          <a:lstStyle/>
           <a:p>
             <a:pPr lvl="0" algn="ctr">
               <a:buClrTx/>
@@ -6566,9 +6516,6 @@
               </a:rPr>
               <a:t>I2C1_SCL</a:t>
             </a:r>
-            <a:endParaRPr lang="en-US" altLang="zh-CN" sz="1000">
-              <a:sym typeface="+mn-ea"/>
-            </a:endParaRPr>
           </a:p>
         </p:txBody>
       </p:sp>
@@ -6613,6 +6560,7 @@
           <a:bodyPr vertOverflow="overflow" horzOverflow="overflow" vert="horz" wrap="square" numCol="1" spcCol="0" rtlCol="0" fromWordArt="0" anchor="ctr" anchorCtr="0" forceAA="0" compatLnSpc="1">
             <a:noAutofit/>
           </a:bodyPr>
+          <a:lstStyle/>
           <a:p>
             <a:pPr lvl="0" algn="ctr">
               <a:buClrTx/>
@@ -6625,9 +6573,6 @@
               </a:rPr>
               <a:t>I2C1_SDA</a:t>
             </a:r>
-            <a:endParaRPr lang="en-US" altLang="zh-CN" sz="1000">
-              <a:sym typeface="+mn-ea"/>
-            </a:endParaRPr>
           </a:p>
         </p:txBody>
       </p:sp>
@@ -6672,6 +6617,7 @@
           <a:bodyPr vertOverflow="overflow" horzOverflow="overflow" vert="horz" wrap="square" numCol="1" spcCol="0" rtlCol="0" fromWordArt="0" anchor="ctr" anchorCtr="0" forceAA="0" compatLnSpc="1">
             <a:noAutofit/>
           </a:bodyPr>
+          <a:lstStyle/>
           <a:p>
             <a:pPr lvl="0" algn="ctr">
               <a:buClrTx/>
@@ -6684,9 +6630,6 @@
               </a:rPr>
               <a:t>I2C3_SDA</a:t>
             </a:r>
-            <a:endParaRPr lang="en-US" altLang="zh-CN" sz="1000">
-              <a:sym typeface="+mn-ea"/>
-            </a:endParaRPr>
           </a:p>
         </p:txBody>
       </p:sp>
@@ -6731,6 +6674,7 @@
           <a:bodyPr vertOverflow="overflow" horzOverflow="overflow" vert="horz" wrap="square" numCol="1" spcCol="0" rtlCol="0" fromWordArt="0" anchor="ctr" anchorCtr="0" forceAA="0" compatLnSpc="1">
             <a:noAutofit/>
           </a:bodyPr>
+          <a:lstStyle/>
           <a:p>
             <a:pPr lvl="0" algn="ctr">
               <a:buClrTx/>
@@ -6743,9 +6687,6 @@
               </a:rPr>
               <a:t>I2C3_SDA</a:t>
             </a:r>
-            <a:endParaRPr lang="en-US" altLang="zh-CN" sz="1000">
-              <a:sym typeface="+mn-ea"/>
-            </a:endParaRPr>
           </a:p>
         </p:txBody>
       </p:sp>
@@ -6790,6 +6731,7 @@
           <a:bodyPr vertOverflow="overflow" horzOverflow="overflow" vert="horz" wrap="square" numCol="1" spcCol="0" rtlCol="0" fromWordArt="0" anchor="ctr" anchorCtr="0" forceAA="0" compatLnSpc="1">
             <a:noAutofit/>
           </a:bodyPr>
+          <a:lstStyle/>
           <a:p>
             <a:pPr lvl="0" algn="ctr">
               <a:buClrTx/>
@@ -6802,9 +6744,6 @@
               </a:rPr>
               <a:t>I2C1_SCL</a:t>
             </a:r>
-            <a:endParaRPr lang="en-US" altLang="zh-CN" sz="1000">
-              <a:sym typeface="+mn-ea"/>
-            </a:endParaRPr>
           </a:p>
         </p:txBody>
       </p:sp>
@@ -6849,6 +6788,7 @@
           <a:bodyPr vertOverflow="overflow" horzOverflow="overflow" vert="horz" wrap="square" numCol="1" spcCol="0" rtlCol="0" fromWordArt="0" anchor="ctr" anchorCtr="0" forceAA="0" compatLnSpc="1">
             <a:noAutofit/>
           </a:bodyPr>
+          <a:lstStyle/>
           <a:p>
             <a:pPr lvl="0" algn="ctr">
               <a:buClrTx/>
@@ -6861,9 +6801,6 @@
               </a:rPr>
               <a:t>I2C2_SCL</a:t>
             </a:r>
-            <a:endParaRPr lang="en-US" altLang="zh-CN" sz="1000">
-              <a:sym typeface="+mn-ea"/>
-            </a:endParaRPr>
           </a:p>
         </p:txBody>
       </p:sp>
@@ -6908,6 +6845,7 @@
           <a:bodyPr vertOverflow="overflow" horzOverflow="overflow" vert="horz" wrap="square" numCol="1" spcCol="0" rtlCol="0" fromWordArt="0" anchor="ctr" anchorCtr="0" forceAA="0" compatLnSpc="1">
             <a:noAutofit/>
           </a:bodyPr>
+          <a:lstStyle/>
           <a:p>
             <a:pPr lvl="0" algn="ctr">
               <a:buClrTx/>
@@ -6920,9 +6858,6 @@
               </a:rPr>
               <a:t>I2C2_SDA</a:t>
             </a:r>
-            <a:endParaRPr lang="en-US" altLang="zh-CN" sz="1000">
-              <a:sym typeface="+mn-ea"/>
-            </a:endParaRPr>
           </a:p>
         </p:txBody>
       </p:sp>
@@ -6967,6 +6902,7 @@
           <a:bodyPr vertOverflow="overflow" horzOverflow="overflow" vert="horz" wrap="square" numCol="1" spcCol="0" rtlCol="0" fromWordArt="0" anchor="ctr" anchorCtr="0" forceAA="0" compatLnSpc="1">
             <a:noAutofit/>
           </a:bodyPr>
+          <a:lstStyle/>
           <a:p>
             <a:pPr lvl="0" algn="ctr">
               <a:buClrTx/>
@@ -6979,9 +6915,6 @@
               </a:rPr>
               <a:t>I2C3_SCL</a:t>
             </a:r>
-            <a:endParaRPr lang="en-US" altLang="zh-CN" sz="1000">
-              <a:sym typeface="+mn-ea"/>
-            </a:endParaRPr>
           </a:p>
         </p:txBody>
       </p:sp>
@@ -7026,6 +6959,7 @@
           <a:bodyPr vertOverflow="overflow" horzOverflow="overflow" vert="horz" wrap="square" numCol="1" spcCol="0" rtlCol="0" fromWordArt="0" anchor="ctr" anchorCtr="0" forceAA="0" compatLnSpc="1">
             <a:noAutofit/>
           </a:bodyPr>
+          <a:lstStyle/>
           <a:p>
             <a:pPr lvl="0" algn="ctr">
               <a:buClrTx/>
@@ -7038,9 +6972,6 @@
               </a:rPr>
               <a:t>I2C2_SCL</a:t>
             </a:r>
-            <a:endParaRPr lang="en-US" altLang="zh-CN" sz="1000">
-              <a:sym typeface="+mn-ea"/>
-            </a:endParaRPr>
           </a:p>
         </p:txBody>
       </p:sp>
@@ -7085,6 +7016,7 @@
           <a:bodyPr vertOverflow="overflow" horzOverflow="overflow" vert="horz" wrap="square" numCol="1" spcCol="0" rtlCol="0" fromWordArt="0" anchor="ctr" anchorCtr="0" forceAA="0" compatLnSpc="1">
             <a:noAutofit/>
           </a:bodyPr>
+          <a:lstStyle/>
           <a:p>
             <a:pPr lvl="0" algn="ctr">
               <a:buClrTx/>
@@ -7097,9 +7029,6 @@
               </a:rPr>
               <a:t>SPI1_MOSI</a:t>
             </a:r>
-            <a:endParaRPr lang="en-US" altLang="zh-CN" sz="1000">
-              <a:sym typeface="+mn-ea"/>
-            </a:endParaRPr>
           </a:p>
         </p:txBody>
       </p:sp>
@@ -7144,6 +7073,7 @@
           <a:bodyPr vertOverflow="overflow" horzOverflow="overflow" vert="horz" wrap="square" numCol="1" spcCol="0" rtlCol="0" fromWordArt="0" anchor="ctr" anchorCtr="0" forceAA="0" compatLnSpc="1">
             <a:noAutofit/>
           </a:bodyPr>
+          <a:lstStyle/>
           <a:p>
             <a:pPr lvl="0" algn="ctr">
               <a:buClrTx/>
@@ -7156,9 +7086,6 @@
               </a:rPr>
               <a:t>SPI3_MOSI</a:t>
             </a:r>
-            <a:endParaRPr lang="en-US" altLang="zh-CN" sz="1000">
-              <a:sym typeface="+mn-ea"/>
-            </a:endParaRPr>
           </a:p>
         </p:txBody>
       </p:sp>
@@ -7203,6 +7130,7 @@
           <a:bodyPr vertOverflow="overflow" horzOverflow="overflow" vert="horz" wrap="square" numCol="1" spcCol="0" rtlCol="0" fromWordArt="0" anchor="ctr" anchorCtr="0" forceAA="0" compatLnSpc="1">
             <a:noAutofit/>
           </a:bodyPr>
+          <a:lstStyle/>
           <a:p>
             <a:pPr lvl="0" algn="ctr">
               <a:buClrTx/>
@@ -7215,9 +7143,6 @@
               </a:rPr>
               <a:t>SPI1_MISO</a:t>
             </a:r>
-            <a:endParaRPr lang="en-US" altLang="zh-CN" sz="1000">
-              <a:sym typeface="+mn-ea"/>
-            </a:endParaRPr>
           </a:p>
         </p:txBody>
       </p:sp>
@@ -7262,6 +7187,7 @@
           <a:bodyPr vertOverflow="overflow" horzOverflow="overflow" vert="horz" wrap="square" numCol="1" spcCol="0" rtlCol="0" fromWordArt="0" anchor="ctr" anchorCtr="0" forceAA="0" compatLnSpc="1">
             <a:noAutofit/>
           </a:bodyPr>
+          <a:lstStyle/>
           <a:p>
             <a:pPr lvl="0" algn="ctr">
               <a:buClrTx/>
@@ -7274,9 +7200,6 @@
               </a:rPr>
               <a:t>SPI3_MISO</a:t>
             </a:r>
-            <a:endParaRPr lang="en-US" altLang="zh-CN" sz="1000">
-              <a:sym typeface="+mn-ea"/>
-            </a:endParaRPr>
           </a:p>
         </p:txBody>
       </p:sp>
@@ -7321,6 +7244,7 @@
           <a:bodyPr vertOverflow="overflow" horzOverflow="overflow" vert="horz" wrap="square" numCol="1" spcCol="0" rtlCol="0" fromWordArt="0" anchor="ctr" anchorCtr="0" forceAA="0" compatLnSpc="1">
             <a:noAutofit/>
           </a:bodyPr>
+          <a:lstStyle/>
           <a:p>
             <a:pPr lvl="0" algn="ctr">
               <a:buClrTx/>
@@ -7333,9 +7257,6 @@
               </a:rPr>
               <a:t>SPI1_SCK</a:t>
             </a:r>
-            <a:endParaRPr lang="en-US" altLang="zh-CN" sz="1000">
-              <a:sym typeface="+mn-ea"/>
-            </a:endParaRPr>
           </a:p>
         </p:txBody>
       </p:sp>
@@ -7380,6 +7301,7 @@
           <a:bodyPr vertOverflow="overflow" horzOverflow="overflow" vert="horz" wrap="square" numCol="1" spcCol="0" rtlCol="0" fromWordArt="0" anchor="ctr" anchorCtr="0" forceAA="0" compatLnSpc="1">
             <a:noAutofit/>
           </a:bodyPr>
+          <a:lstStyle/>
           <a:p>
             <a:pPr lvl="0" algn="ctr">
               <a:buClrTx/>
@@ -7392,9 +7314,6 @@
               </a:rPr>
               <a:t>SPI3_SCK</a:t>
             </a:r>
-            <a:endParaRPr lang="en-US" altLang="zh-CN" sz="1000">
-              <a:sym typeface="+mn-ea"/>
-            </a:endParaRPr>
           </a:p>
         </p:txBody>
       </p:sp>
@@ -7439,6 +7358,7 @@
           <a:bodyPr vertOverflow="overflow" horzOverflow="overflow" vert="horz" wrap="square" numCol="1" spcCol="0" rtlCol="0" fromWordArt="0" anchor="ctr" anchorCtr="0" forceAA="0" compatLnSpc="1">
             <a:noAutofit/>
           </a:bodyPr>
+          <a:lstStyle/>
           <a:p>
             <a:pPr lvl="0" algn="ctr">
               <a:buClrTx/>
@@ -7451,9 +7371,6 @@
               </a:rPr>
               <a:t>SPI3_MISO</a:t>
             </a:r>
-            <a:endParaRPr lang="en-US" altLang="zh-CN" sz="1000">
-              <a:sym typeface="+mn-ea"/>
-            </a:endParaRPr>
           </a:p>
         </p:txBody>
       </p:sp>
@@ -7498,6 +7415,7 @@
           <a:bodyPr vertOverflow="overflow" horzOverflow="overflow" vert="horz" wrap="square" numCol="1" spcCol="0" rtlCol="0" fromWordArt="0" anchor="ctr" anchorCtr="0" forceAA="0" compatLnSpc="1">
             <a:noAutofit/>
           </a:bodyPr>
+          <a:lstStyle/>
           <a:p>
             <a:pPr lvl="0" algn="ctr">
               <a:buClrTx/>
@@ -7510,9 +7428,6 @@
               </a:rPr>
               <a:t>SPI3_SCK</a:t>
             </a:r>
-            <a:endParaRPr lang="en-US" altLang="zh-CN" sz="1000">
-              <a:sym typeface="+mn-ea"/>
-            </a:endParaRPr>
           </a:p>
         </p:txBody>
       </p:sp>
@@ -7557,6 +7472,7 @@
           <a:bodyPr vertOverflow="overflow" horzOverflow="overflow" vert="horz" wrap="square" numCol="1" spcCol="0" rtlCol="0" fromWordArt="0" anchor="ctr" anchorCtr="0" forceAA="0" compatLnSpc="1">
             <a:noAutofit/>
           </a:bodyPr>
+          <a:lstStyle/>
           <a:p>
             <a:pPr lvl="0" algn="ctr">
               <a:buClrTx/>
@@ -7569,9 +7485,6 @@
               </a:rPr>
               <a:t>SPI2_MOSI</a:t>
             </a:r>
-            <a:endParaRPr lang="en-US" altLang="zh-CN" sz="1000">
-              <a:sym typeface="+mn-ea"/>
-            </a:endParaRPr>
           </a:p>
         </p:txBody>
       </p:sp>
@@ -7616,6 +7529,7 @@
           <a:bodyPr vertOverflow="overflow" horzOverflow="overflow" vert="horz" wrap="square" numCol="1" spcCol="0" rtlCol="0" fromWordArt="0" anchor="ctr" anchorCtr="0" forceAA="0" compatLnSpc="1">
             <a:noAutofit/>
           </a:bodyPr>
+          <a:lstStyle/>
           <a:p>
             <a:pPr lvl="0" algn="ctr">
               <a:buClrTx/>
@@ -7628,9 +7542,6 @@
               </a:rPr>
               <a:t>SPI2_MISO</a:t>
             </a:r>
-            <a:endParaRPr lang="en-US" altLang="zh-CN" sz="1000">
-              <a:sym typeface="+mn-ea"/>
-            </a:endParaRPr>
           </a:p>
         </p:txBody>
       </p:sp>
@@ -7675,6 +7586,7 @@
           <a:bodyPr vertOverflow="overflow" horzOverflow="overflow" vert="horz" wrap="square" numCol="1" spcCol="0" rtlCol="0" fromWordArt="0" anchor="ctr" anchorCtr="0" forceAA="0" compatLnSpc="1">
             <a:noAutofit/>
           </a:bodyPr>
+          <a:lstStyle/>
           <a:p>
             <a:pPr lvl="0" algn="ctr">
               <a:buClrTx/>
@@ -7687,9 +7599,6 @@
               </a:rPr>
               <a:t>SPI2_MOSI</a:t>
             </a:r>
-            <a:endParaRPr lang="en-US" altLang="zh-CN" sz="1000">
-              <a:sym typeface="+mn-ea"/>
-            </a:endParaRPr>
           </a:p>
         </p:txBody>
       </p:sp>
@@ -7734,6 +7643,7 @@
           <a:bodyPr vertOverflow="overflow" horzOverflow="overflow" vert="horz" wrap="square" numCol="1" spcCol="0" rtlCol="0" fromWordArt="0" anchor="ctr" anchorCtr="0" forceAA="0" compatLnSpc="1">
             <a:noAutofit/>
           </a:bodyPr>
+          <a:lstStyle/>
           <a:p>
             <a:pPr lvl="0" algn="ctr">
               <a:buClrTx/>
@@ -7746,9 +7656,6 @@
               </a:rPr>
               <a:t>SPI2_MISO</a:t>
             </a:r>
-            <a:endParaRPr lang="en-US" altLang="zh-CN" sz="1000">
-              <a:sym typeface="+mn-ea"/>
-            </a:endParaRPr>
           </a:p>
         </p:txBody>
       </p:sp>
@@ -7793,6 +7700,7 @@
           <a:bodyPr vertOverflow="overflow" horzOverflow="overflow" vert="horz" wrap="square" numCol="1" spcCol="0" rtlCol="0" fromWordArt="0" anchor="ctr" anchorCtr="0" forceAA="0" compatLnSpc="1">
             <a:noAutofit/>
           </a:bodyPr>
+          <a:lstStyle/>
           <a:p>
             <a:pPr lvl="0" algn="ctr">
               <a:buClrTx/>
@@ -7805,9 +7713,6 @@
               </a:rPr>
               <a:t>SPI2_SCK</a:t>
             </a:r>
-            <a:endParaRPr lang="en-US" altLang="zh-CN" sz="1000">
-              <a:sym typeface="+mn-ea"/>
-            </a:endParaRPr>
           </a:p>
         </p:txBody>
       </p:sp>
@@ -7852,6 +7757,7 @@
           <a:bodyPr vertOverflow="overflow" horzOverflow="overflow" vert="horz" wrap="square" numCol="1" spcCol="0" rtlCol="0" fromWordArt="0" anchor="ctr" anchorCtr="0" forceAA="0" compatLnSpc="1">
             <a:noAutofit/>
           </a:bodyPr>
+          <a:lstStyle/>
           <a:p>
             <a:pPr lvl="0" algn="ctr">
               <a:buClrTx/>
@@ -7864,9 +7770,6 @@
               </a:rPr>
               <a:t>SPI1_MOSI</a:t>
             </a:r>
-            <a:endParaRPr lang="en-US" altLang="zh-CN" sz="1000">
-              <a:sym typeface="+mn-ea"/>
-            </a:endParaRPr>
           </a:p>
         </p:txBody>
       </p:sp>
@@ -7911,6 +7814,7 @@
           <a:bodyPr vertOverflow="overflow" horzOverflow="overflow" vert="horz" wrap="square" numCol="1" spcCol="0" rtlCol="0" fromWordArt="0" anchor="ctr" anchorCtr="0" forceAA="0" compatLnSpc="1">
             <a:noAutofit/>
           </a:bodyPr>
+          <a:lstStyle/>
           <a:p>
             <a:pPr lvl="0" algn="ctr">
               <a:buClrTx/>
@@ -7923,9 +7827,6 @@
               </a:rPr>
               <a:t>SPI1_MISO</a:t>
             </a:r>
-            <a:endParaRPr lang="en-US" altLang="zh-CN" sz="1000">
-              <a:sym typeface="+mn-ea"/>
-            </a:endParaRPr>
           </a:p>
         </p:txBody>
       </p:sp>
@@ -7970,6 +7871,7 @@
           <a:bodyPr vertOverflow="overflow" horzOverflow="overflow" vert="horz" wrap="square" numCol="1" spcCol="0" rtlCol="0" fromWordArt="0" anchor="ctr" anchorCtr="0" forceAA="0" compatLnSpc="1">
             <a:noAutofit/>
           </a:bodyPr>
+          <a:lstStyle/>
           <a:p>
             <a:pPr lvl="0" algn="ctr">
               <a:buClrTx/>
@@ -7982,9 +7884,6 @@
               </a:rPr>
               <a:t>SPI1_SCK</a:t>
             </a:r>
-            <a:endParaRPr lang="en-US" altLang="zh-CN" sz="1000">
-              <a:sym typeface="+mn-ea"/>
-            </a:endParaRPr>
           </a:p>
         </p:txBody>
       </p:sp>
@@ -8011,6 +7910,7 @@
           <a:bodyPr wrap="none" rtlCol="0" anchor="t">
             <a:spAutoFit/>
           </a:bodyPr>
+          <a:lstStyle/>
           <a:p>
             <a:pPr algn="ctr"/>
             <a:r>
@@ -8061,19 +7961,6 @@
               </a:rPr>
               <a:t>串行接口</a:t>
             </a:r>
-            <a:endParaRPr lang="zh-CN" altLang="en-US" sz="2800" b="1">
-              <a:ln/>
-              <a:solidFill>
-                <a:schemeClr val="tx1"/>
-              </a:solidFill>
-              <a:effectLst>
-                <a:outerShdw blurRad="38100" dist="19050" dir="2700000" algn="tl" rotWithShape="0">
-                  <a:schemeClr val="dk1">
-                    <a:alpha val="40000"/>
-                  </a:schemeClr>
-                </a:outerShdw>
-              </a:effectLst>
-            </a:endParaRPr>
           </a:p>
         </p:txBody>
       </p:sp>
@@ -8118,6 +8005,7 @@
           <a:bodyPr vertOverflow="overflow" horzOverflow="overflow" vert="horz" wrap="square" numCol="1" spcCol="0" rtlCol="0" fromWordArt="0" anchor="ctr" anchorCtr="0" forceAA="0" compatLnSpc="1">
             <a:noAutofit/>
           </a:bodyPr>
+          <a:lstStyle/>
           <a:p>
             <a:pPr lvl="0" algn="ctr">
               <a:buClrTx/>
@@ -8130,9 +8018,6 @@
               </a:rPr>
               <a:t>SPI</a:t>
             </a:r>
-            <a:endParaRPr lang="en-US" altLang="zh-CN" sz="1000">
-              <a:sym typeface="+mn-ea"/>
-            </a:endParaRPr>
           </a:p>
         </p:txBody>
       </p:sp>
@@ -8177,6 +8062,7 @@
           <a:bodyPr vertOverflow="overflow" horzOverflow="overflow" vert="horz" wrap="square" numCol="1" spcCol="0" rtlCol="0" fromWordArt="0" anchor="ctr" anchorCtr="0" forceAA="0" compatLnSpc="1">
             <a:noAutofit/>
           </a:bodyPr>
+          <a:lstStyle/>
           <a:p>
             <a:pPr lvl="0" algn="ctr">
               <a:buClrTx/>
@@ -8189,9 +8075,6 @@
               </a:rPr>
               <a:t>GPIO</a:t>
             </a:r>
-            <a:endParaRPr lang="en-US" altLang="zh-CN" sz="1000">
-              <a:sym typeface="+mn-ea"/>
-            </a:endParaRPr>
           </a:p>
         </p:txBody>
       </p:sp>
@@ -8236,6 +8119,7 @@
           <a:bodyPr vertOverflow="overflow" horzOverflow="overflow" vert="horz" wrap="square" numCol="1" spcCol="0" rtlCol="0" fromWordArt="0" anchor="ctr" anchorCtr="0" forceAA="0" compatLnSpc="1">
             <a:noAutofit/>
           </a:bodyPr>
+          <a:lstStyle/>
           <a:p>
             <a:pPr lvl="0" algn="ctr">
               <a:buClrTx/>
@@ -8248,9 +8132,6 @@
               </a:rPr>
               <a:t>USART</a:t>
             </a:r>
-            <a:endParaRPr lang="en-US" altLang="zh-CN" sz="1000">
-              <a:sym typeface="+mn-ea"/>
-            </a:endParaRPr>
           </a:p>
         </p:txBody>
       </p:sp>
@@ -8295,6 +8176,7 @@
           <a:bodyPr vertOverflow="overflow" horzOverflow="overflow" vert="horz" wrap="square" numCol="1" spcCol="0" rtlCol="0" fromWordArt="0" anchor="ctr" anchorCtr="0" forceAA="0" compatLnSpc="1">
             <a:noAutofit/>
           </a:bodyPr>
+          <a:lstStyle/>
           <a:p>
             <a:pPr lvl="0" algn="ctr">
               <a:buClrTx/>
@@ -8307,15 +8189,12 @@
               </a:rPr>
               <a:t>I2C</a:t>
             </a:r>
-            <a:endParaRPr lang="en-US" altLang="zh-CN" sz="1000">
-              <a:sym typeface="+mn-ea"/>
-            </a:endParaRPr>
           </a:p>
         </p:txBody>
       </p:sp>
     </p:spTree>
     <p:custDataLst>
-      <p:tags r:id="rId2"/>
+      <p:tags r:id="rId1"/>
     </p:custDataLst>
   </p:cSld>
   <p:clrMapOvr>
@@ -8350,7 +8229,7 @@
           <p:nvPr/>
         </p:nvPicPr>
         <p:blipFill>
-          <a:blip r:embed="rId1"/>
+          <a:blip r:embed="rId3"/>
           <a:srcRect l="9644" t="16589" r="8633" b="21140"/>
           <a:stretch>
             <a:fillRect/>
@@ -8407,6 +8286,7 @@
           <a:bodyPr vertOverflow="overflow" horzOverflow="overflow" vert="horz" wrap="square" numCol="1" spcCol="0" rtlCol="0" fromWordArt="0" anchor="ctr" anchorCtr="0" forceAA="0" compatLnSpc="1">
             <a:noAutofit/>
           </a:bodyPr>
+          <a:lstStyle/>
           <a:p>
             <a:pPr lvl="0" algn="ctr">
               <a:buClrTx/>
@@ -8428,12 +8308,6 @@
               </a:rPr>
               <a:t>B9</a:t>
             </a:r>
-            <a:endParaRPr lang="en-US" altLang="zh-CN" sz="1000">
-              <a:solidFill>
-                <a:srgbClr val="FF0000"/>
-              </a:solidFill>
-              <a:sym typeface="+mn-ea"/>
-            </a:endParaRPr>
           </a:p>
         </p:txBody>
       </p:sp>
@@ -8478,6 +8352,7 @@
           <a:bodyPr vertOverflow="overflow" horzOverflow="overflow" vert="horz" wrap="square" numCol="1" spcCol="0" rtlCol="0" fromWordArt="0" anchor="ctr" anchorCtr="0" forceAA="0" compatLnSpc="1">
             <a:noAutofit/>
           </a:bodyPr>
+          <a:lstStyle/>
           <a:p>
             <a:pPr lvl="0" algn="ctr">
               <a:buClrTx/>
@@ -8546,6 +8421,7 @@
           <a:bodyPr vertOverflow="overflow" horzOverflow="overflow" vert="horz" wrap="square" numCol="1" spcCol="0" rtlCol="0" fromWordArt="0" anchor="ctr" anchorCtr="0" forceAA="0" compatLnSpc="1">
             <a:noAutofit/>
           </a:bodyPr>
+          <a:lstStyle/>
           <a:p>
             <a:pPr lvl="0" algn="ctr">
               <a:buClrTx/>
@@ -8614,6 +8490,7 @@
           <a:bodyPr vertOverflow="overflow" horzOverflow="overflow" vert="horz" wrap="square" numCol="1" spcCol="0" rtlCol="0" fromWordArt="0" anchor="ctr" anchorCtr="0" forceAA="0" compatLnSpc="1">
             <a:noAutofit/>
           </a:bodyPr>
+          <a:lstStyle/>
           <a:p>
             <a:pPr lvl="0" algn="ctr">
               <a:buClrTx/>
@@ -8682,6 +8559,7 @@
           <a:bodyPr vertOverflow="overflow" horzOverflow="overflow" vert="horz" wrap="square" numCol="1" spcCol="0" rtlCol="0" fromWordArt="0" anchor="ctr" anchorCtr="0" forceAA="0" compatLnSpc="1">
             <a:noAutofit/>
           </a:bodyPr>
+          <a:lstStyle/>
           <a:p>
             <a:pPr lvl="0" algn="ctr">
               <a:buClrTx/>
@@ -8750,6 +8628,7 @@
           <a:bodyPr vertOverflow="overflow" horzOverflow="overflow" vert="horz" wrap="square" numCol="1" spcCol="0" rtlCol="0" fromWordArt="0" anchor="ctr" anchorCtr="0" forceAA="0" compatLnSpc="1">
             <a:noAutofit/>
           </a:bodyPr>
+          <a:lstStyle/>
           <a:p>
             <a:pPr lvl="0" algn="ctr">
               <a:buClrTx/>
@@ -8818,6 +8697,7 @@
           <a:bodyPr vertOverflow="overflow" horzOverflow="overflow" vert="horz" wrap="square" numCol="1" spcCol="0" rtlCol="0" fromWordArt="0" anchor="ctr" anchorCtr="0" forceAA="0" compatLnSpc="1">
             <a:noAutofit/>
           </a:bodyPr>
+          <a:lstStyle/>
           <a:p>
             <a:pPr lvl="0" algn="ctr">
               <a:buClrTx/>
@@ -8886,6 +8766,7 @@
           <a:bodyPr vertOverflow="overflow" horzOverflow="overflow" vert="horz" wrap="square" numCol="1" spcCol="0" rtlCol="0" fromWordArt="0" anchor="ctr" anchorCtr="0" forceAA="0" compatLnSpc="1">
             <a:noAutofit/>
           </a:bodyPr>
+          <a:lstStyle/>
           <a:p>
             <a:pPr lvl="0" algn="ctr">
               <a:buClrTx/>
@@ -8954,6 +8835,7 @@
           <a:bodyPr vertOverflow="overflow" horzOverflow="overflow" vert="horz" wrap="square" numCol="1" spcCol="0" rtlCol="0" fromWordArt="0" anchor="ctr" anchorCtr="0" forceAA="0" compatLnSpc="1">
             <a:noAutofit/>
           </a:bodyPr>
+          <a:lstStyle/>
           <a:p>
             <a:pPr lvl="0" algn="ctr">
               <a:buClrTx/>
@@ -9022,6 +8904,7 @@
           <a:bodyPr vertOverflow="overflow" horzOverflow="overflow" vert="horz" wrap="square" numCol="1" spcCol="0" rtlCol="0" fromWordArt="0" anchor="ctr" anchorCtr="0" forceAA="0" compatLnSpc="1">
             <a:noAutofit/>
           </a:bodyPr>
+          <a:lstStyle/>
           <a:p>
             <a:pPr lvl="0" algn="ctr">
               <a:buClrTx/>
@@ -9090,6 +8973,7 @@
           <a:bodyPr vertOverflow="overflow" horzOverflow="overflow" vert="horz" wrap="square" numCol="1" spcCol="0" rtlCol="0" fromWordArt="0" anchor="ctr" anchorCtr="0" forceAA="0" compatLnSpc="1">
             <a:noAutofit/>
           </a:bodyPr>
+          <a:lstStyle/>
           <a:p>
             <a:pPr lvl="0" algn="ctr">
               <a:buClrTx/>
@@ -9158,6 +9042,7 @@
           <a:bodyPr vertOverflow="overflow" horzOverflow="overflow" vert="horz" wrap="square" numCol="1" spcCol="0" rtlCol="0" fromWordArt="0" anchor="ctr" anchorCtr="0" forceAA="0" compatLnSpc="1">
             <a:noAutofit/>
           </a:bodyPr>
+          <a:lstStyle/>
           <a:p>
             <a:pPr lvl="0" algn="ctr">
               <a:buClrTx/>
@@ -9226,6 +9111,7 @@
           <a:bodyPr vertOverflow="overflow" horzOverflow="overflow" vert="horz" wrap="square" numCol="1" spcCol="0" rtlCol="0" fromWordArt="0" anchor="ctr" anchorCtr="0" forceAA="0" compatLnSpc="1">
             <a:noAutofit/>
           </a:bodyPr>
+          <a:lstStyle/>
           <a:p>
             <a:pPr lvl="0" algn="ctr">
               <a:buClrTx/>
@@ -9294,6 +9180,7 @@
           <a:bodyPr vertOverflow="overflow" horzOverflow="overflow" vert="horz" wrap="square" numCol="1" spcCol="0" rtlCol="0" fromWordArt="0" anchor="ctr" anchorCtr="0" forceAA="0" compatLnSpc="1">
             <a:noAutofit/>
           </a:bodyPr>
+          <a:lstStyle/>
           <a:p>
             <a:pPr lvl="0" algn="ctr">
               <a:buClrTx/>
@@ -9362,6 +9249,7 @@
           <a:bodyPr vertOverflow="overflow" horzOverflow="overflow" vert="horz" wrap="square" numCol="1" spcCol="0" rtlCol="0" fromWordArt="0" anchor="ctr" anchorCtr="0" forceAA="0" compatLnSpc="1">
             <a:noAutofit/>
           </a:bodyPr>
+          <a:lstStyle/>
           <a:p>
             <a:pPr lvl="0" algn="ctr">
               <a:buClrTx/>
@@ -9430,6 +9318,7 @@
           <a:bodyPr vertOverflow="overflow" horzOverflow="overflow" vert="horz" wrap="square" numCol="1" spcCol="0" rtlCol="0" fromWordArt="0" anchor="ctr" anchorCtr="0" forceAA="0" compatLnSpc="1">
             <a:noAutofit/>
           </a:bodyPr>
+          <a:lstStyle/>
           <a:p>
             <a:pPr lvl="0" algn="ctr">
               <a:buClrTx/>
@@ -9498,6 +9387,7 @@
           <a:bodyPr vertOverflow="overflow" horzOverflow="overflow" vert="horz" wrap="square" numCol="1" spcCol="0" rtlCol="0" fromWordArt="0" anchor="ctr" anchorCtr="0" forceAA="0" compatLnSpc="1">
             <a:noAutofit/>
           </a:bodyPr>
+          <a:lstStyle/>
           <a:p>
             <a:pPr lvl="0" algn="ctr">
               <a:buClrTx/>
@@ -9517,7 +9407,67 @@
                 </a:solidFill>
                 <a:sym typeface="+mn-ea"/>
               </a:rPr>
-              <a:t>B</a:t>
+              <a:t>B15</a:t>
+            </a:r>
+            <a:endParaRPr lang="en-US" altLang="zh-CN" sz="1000">
+              <a:sym typeface="+mn-ea"/>
+            </a:endParaRPr>
+          </a:p>
+        </p:txBody>
+      </p:sp>
+      <p:sp>
+        <p:nvSpPr>
+          <p:cNvPr id="169" name="圆角矩形 168"/>
+          <p:cNvSpPr/>
+          <p:nvPr/>
+        </p:nvSpPr>
+        <p:spPr>
+          <a:xfrm>
+            <a:off x="7123430" y="5679440"/>
+            <a:ext cx="882650" cy="233680"/>
+          </a:xfrm>
+          <a:prstGeom prst="roundRect">
+            <a:avLst/>
+          </a:prstGeom>
+          <a:solidFill>
+            <a:schemeClr val="accent1"/>
+          </a:solidFill>
+          <a:ln>
+            <a:noFill/>
+          </a:ln>
+        </p:spPr>
+        <p:style>
+          <a:lnRef idx="2">
+            <a:schemeClr val="accent1">
+              <a:lumMod val="75000"/>
+            </a:schemeClr>
+          </a:lnRef>
+          <a:fillRef idx="1">
+            <a:schemeClr val="accent1"/>
+          </a:fillRef>
+          <a:effectRef idx="0">
+            <a:srgbClr val="FFFFFF"/>
+          </a:effectRef>
+          <a:fontRef idx="minor">
+            <a:schemeClr val="lt1"/>
+          </a:fontRef>
+        </p:style>
+        <p:txBody>
+          <a:bodyPr vertOverflow="overflow" horzOverflow="overflow" vert="horz" wrap="square" numCol="1" spcCol="0" rtlCol="0" fromWordArt="0" anchor="ctr" anchorCtr="0" forceAA="0" compatLnSpc="1">
+            <a:noAutofit/>
+          </a:bodyPr>
+          <a:lstStyle/>
+          <a:p>
+            <a:pPr lvl="0" algn="ctr">
+              <a:buClrTx/>
+              <a:buSzTx/>
+              <a:buFontTx/>
+            </a:pPr>
+            <a:r>
+              <a:rPr lang="en-US" altLang="zh-CN" sz="1000">
+                <a:sym typeface="+mn-ea"/>
+              </a:rPr>
+              <a:t>GPIO</a:t>
             </a:r>
             <a:r>
               <a:rPr lang="en-US" altLang="zh-CN" sz="1000">
@@ -9526,7 +9476,7 @@
                 </a:solidFill>
                 <a:sym typeface="+mn-ea"/>
               </a:rPr>
-              <a:t>15</a:t>
+              <a:t>B14</a:t>
             </a:r>
             <a:endParaRPr lang="en-US" altLang="zh-CN" sz="1000">
               <a:sym typeface="+mn-ea"/>
@@ -9536,45 +9486,46 @@
       </p:sp>
       <p:sp>
         <p:nvSpPr>
-          <p:cNvPr id="169" name="圆角矩形 168"/>
-          <p:cNvSpPr/>
-          <p:nvPr/>
-        </p:nvSpPr>
-        <p:spPr>
-          <a:xfrm>
-            <a:off x="7123430" y="5679440"/>
-            <a:ext cx="882650" cy="233680"/>
-          </a:xfrm>
-          <a:prstGeom prst="roundRect">
-            <a:avLst/>
-          </a:prstGeom>
-          <a:solidFill>
-            <a:schemeClr val="accent1"/>
-          </a:solidFill>
-          <a:ln>
-            <a:noFill/>
-          </a:ln>
-        </p:spPr>
-        <p:style>
-          <a:lnRef idx="2">
-            <a:schemeClr val="accent1">
-              <a:lumMod val="75000"/>
-            </a:schemeClr>
-          </a:lnRef>
-          <a:fillRef idx="1">
-            <a:schemeClr val="accent1"/>
-          </a:fillRef>
-          <a:effectRef idx="0">
-            <a:srgbClr val="FFFFFF"/>
-          </a:effectRef>
-          <a:fontRef idx="minor">
-            <a:schemeClr val="lt1"/>
-          </a:fontRef>
-        </p:style>
-        <p:txBody>
-          <a:bodyPr vertOverflow="overflow" horzOverflow="overflow" vert="horz" wrap="square" numCol="1" spcCol="0" rtlCol="0" fromWordArt="0" anchor="ctr" anchorCtr="0" forceAA="0" compatLnSpc="1">
-            <a:noAutofit/>
-          </a:bodyPr>
+          <p:cNvPr id="173" name="圆角矩形 172"/>
+          <p:cNvSpPr/>
+          <p:nvPr/>
+        </p:nvSpPr>
+        <p:spPr>
+          <a:xfrm>
+            <a:off x="4175760" y="1645920"/>
+            <a:ext cx="884555" cy="233680"/>
+          </a:xfrm>
+          <a:prstGeom prst="roundRect">
+            <a:avLst/>
+          </a:prstGeom>
+          <a:solidFill>
+            <a:schemeClr val="accent1"/>
+          </a:solidFill>
+          <a:ln>
+            <a:noFill/>
+          </a:ln>
+        </p:spPr>
+        <p:style>
+          <a:lnRef idx="2">
+            <a:schemeClr val="accent1">
+              <a:lumMod val="75000"/>
+            </a:schemeClr>
+          </a:lnRef>
+          <a:fillRef idx="1">
+            <a:schemeClr val="accent1"/>
+          </a:fillRef>
+          <a:effectRef idx="0">
+            <a:srgbClr val="FFFFFF"/>
+          </a:effectRef>
+          <a:fontRef idx="minor">
+            <a:schemeClr val="lt1"/>
+          </a:fontRef>
+        </p:style>
+        <p:txBody>
+          <a:bodyPr vertOverflow="overflow" horzOverflow="overflow" vert="horz" wrap="square" numCol="1" spcCol="0" rtlCol="0" fromWordArt="0" anchor="ctr" anchorCtr="0" forceAA="0" compatLnSpc="1">
+            <a:noAutofit/>
+          </a:bodyPr>
+          <a:lstStyle/>
           <a:p>
             <a:pPr lvl="0" algn="ctr">
               <a:buClrTx/>
@@ -9594,7 +9545,7 @@
                 </a:solidFill>
                 <a:sym typeface="+mn-ea"/>
               </a:rPr>
-              <a:t>B14</a:t>
+              <a:t>C13</a:t>
             </a:r>
             <a:endParaRPr lang="en-US" altLang="zh-CN" sz="1000">
               <a:sym typeface="+mn-ea"/>
@@ -9604,13 +9555,13 @@
       </p:sp>
       <p:sp>
         <p:nvSpPr>
-          <p:cNvPr id="173" name="圆角矩形 172"/>
-          <p:cNvSpPr/>
-          <p:nvPr/>
-        </p:nvSpPr>
-        <p:spPr>
-          <a:xfrm>
-            <a:off x="4175760" y="1645920"/>
+          <p:cNvPr id="174" name="圆角矩形 173"/>
+          <p:cNvSpPr/>
+          <p:nvPr/>
+        </p:nvSpPr>
+        <p:spPr>
+          <a:xfrm>
+            <a:off x="4175760" y="1898015"/>
             <a:ext cx="884555" cy="233680"/>
           </a:xfrm>
           <a:prstGeom prst="roundRect">
@@ -9643,6 +9594,7 @@
           <a:bodyPr vertOverflow="overflow" horzOverflow="overflow" vert="horz" wrap="square" numCol="1" spcCol="0" rtlCol="0" fromWordArt="0" anchor="ctr" anchorCtr="0" forceAA="0" compatLnSpc="1">
             <a:noAutofit/>
           </a:bodyPr>
+          <a:lstStyle/>
           <a:p>
             <a:pPr lvl="0" algn="ctr">
               <a:buClrTx/>
@@ -9662,7 +9614,7 @@
                 </a:solidFill>
                 <a:sym typeface="+mn-ea"/>
               </a:rPr>
-              <a:t>C13</a:t>
+              <a:t>A0</a:t>
             </a:r>
             <a:endParaRPr lang="en-US" altLang="zh-CN" sz="1000">
               <a:sym typeface="+mn-ea"/>
@@ -9672,13 +9624,13 @@
       </p:sp>
       <p:sp>
         <p:nvSpPr>
-          <p:cNvPr id="174" name="圆角矩形 173"/>
-          <p:cNvSpPr/>
-          <p:nvPr/>
-        </p:nvSpPr>
-        <p:spPr>
-          <a:xfrm>
-            <a:off x="4175760" y="1898015"/>
+          <p:cNvPr id="175" name="圆角矩形 174"/>
+          <p:cNvSpPr/>
+          <p:nvPr/>
+        </p:nvSpPr>
+        <p:spPr>
+          <a:xfrm>
+            <a:off x="4175760" y="2150110"/>
             <a:ext cx="884555" cy="233680"/>
           </a:xfrm>
           <a:prstGeom prst="roundRect">
@@ -9711,6 +9663,7 @@
           <a:bodyPr vertOverflow="overflow" horzOverflow="overflow" vert="horz" wrap="square" numCol="1" spcCol="0" rtlCol="0" fromWordArt="0" anchor="ctr" anchorCtr="0" forceAA="0" compatLnSpc="1">
             <a:noAutofit/>
           </a:bodyPr>
+          <a:lstStyle/>
           <a:p>
             <a:pPr lvl="0" algn="ctr">
               <a:buClrTx/>
@@ -9730,7 +9683,7 @@
                 </a:solidFill>
                 <a:sym typeface="+mn-ea"/>
               </a:rPr>
-              <a:t>A0</a:t>
+              <a:t>A1</a:t>
             </a:r>
             <a:endParaRPr lang="en-US" altLang="zh-CN" sz="1000">
               <a:sym typeface="+mn-ea"/>
@@ -9740,13 +9693,13 @@
       </p:sp>
       <p:sp>
         <p:nvSpPr>
-          <p:cNvPr id="175" name="圆角矩形 174"/>
-          <p:cNvSpPr/>
-          <p:nvPr/>
-        </p:nvSpPr>
-        <p:spPr>
-          <a:xfrm>
-            <a:off x="4175760" y="2150110"/>
+          <p:cNvPr id="176" name="圆角矩形 175"/>
+          <p:cNvSpPr/>
+          <p:nvPr/>
+        </p:nvSpPr>
+        <p:spPr>
+          <a:xfrm>
+            <a:off x="4175760" y="2402205"/>
             <a:ext cx="884555" cy="233680"/>
           </a:xfrm>
           <a:prstGeom prst="roundRect">
@@ -9779,6 +9732,7 @@
           <a:bodyPr vertOverflow="overflow" horzOverflow="overflow" vert="horz" wrap="square" numCol="1" spcCol="0" rtlCol="0" fromWordArt="0" anchor="ctr" anchorCtr="0" forceAA="0" compatLnSpc="1">
             <a:noAutofit/>
           </a:bodyPr>
+          <a:lstStyle/>
           <a:p>
             <a:pPr lvl="0" algn="ctr">
               <a:buClrTx/>
@@ -9798,7 +9752,7 @@
                 </a:solidFill>
                 <a:sym typeface="+mn-ea"/>
               </a:rPr>
-              <a:t>A1</a:t>
+              <a:t>A2</a:t>
             </a:r>
             <a:endParaRPr lang="en-US" altLang="zh-CN" sz="1000">
               <a:sym typeface="+mn-ea"/>
@@ -9808,13 +9762,13 @@
       </p:sp>
       <p:sp>
         <p:nvSpPr>
-          <p:cNvPr id="176" name="圆角矩形 175"/>
-          <p:cNvSpPr/>
-          <p:nvPr/>
-        </p:nvSpPr>
-        <p:spPr>
-          <a:xfrm>
-            <a:off x="4175760" y="2402205"/>
+          <p:cNvPr id="177" name="圆角矩形 176"/>
+          <p:cNvSpPr/>
+          <p:nvPr/>
+        </p:nvSpPr>
+        <p:spPr>
+          <a:xfrm>
+            <a:off x="4175760" y="2654300"/>
             <a:ext cx="884555" cy="233680"/>
           </a:xfrm>
           <a:prstGeom prst="roundRect">
@@ -9847,6 +9801,7 @@
           <a:bodyPr vertOverflow="overflow" horzOverflow="overflow" vert="horz" wrap="square" numCol="1" spcCol="0" rtlCol="0" fromWordArt="0" anchor="ctr" anchorCtr="0" forceAA="0" compatLnSpc="1">
             <a:noAutofit/>
           </a:bodyPr>
+          <a:lstStyle/>
           <a:p>
             <a:pPr lvl="0" algn="ctr">
               <a:buClrTx/>
@@ -9866,7 +9821,7 @@
                 </a:solidFill>
                 <a:sym typeface="+mn-ea"/>
               </a:rPr>
-              <a:t>A2</a:t>
+              <a:t>A3</a:t>
             </a:r>
             <a:endParaRPr lang="en-US" altLang="zh-CN" sz="1000">
               <a:sym typeface="+mn-ea"/>
@@ -9876,13 +9831,13 @@
       </p:sp>
       <p:sp>
         <p:nvSpPr>
-          <p:cNvPr id="177" name="圆角矩形 176"/>
-          <p:cNvSpPr/>
-          <p:nvPr/>
-        </p:nvSpPr>
-        <p:spPr>
-          <a:xfrm>
-            <a:off x="4175760" y="2654300"/>
+          <p:cNvPr id="178" name="圆角矩形 177"/>
+          <p:cNvSpPr/>
+          <p:nvPr/>
+        </p:nvSpPr>
+        <p:spPr>
+          <a:xfrm>
+            <a:off x="4175760" y="2906395"/>
             <a:ext cx="884555" cy="233680"/>
           </a:xfrm>
           <a:prstGeom prst="roundRect">
@@ -9915,6 +9870,7 @@
           <a:bodyPr vertOverflow="overflow" horzOverflow="overflow" vert="horz" wrap="square" numCol="1" spcCol="0" rtlCol="0" fromWordArt="0" anchor="ctr" anchorCtr="0" forceAA="0" compatLnSpc="1">
             <a:noAutofit/>
           </a:bodyPr>
+          <a:lstStyle/>
           <a:p>
             <a:pPr lvl="0" algn="ctr">
               <a:buClrTx/>
@@ -9934,7 +9890,7 @@
                 </a:solidFill>
                 <a:sym typeface="+mn-ea"/>
               </a:rPr>
-              <a:t>A3</a:t>
+              <a:t>A4</a:t>
             </a:r>
             <a:endParaRPr lang="en-US" altLang="zh-CN" sz="1000">
               <a:sym typeface="+mn-ea"/>
@@ -9944,13 +9900,13 @@
       </p:sp>
       <p:sp>
         <p:nvSpPr>
-          <p:cNvPr id="178" name="圆角矩形 177"/>
-          <p:cNvSpPr/>
-          <p:nvPr/>
-        </p:nvSpPr>
-        <p:spPr>
-          <a:xfrm>
-            <a:off x="4175760" y="2906395"/>
+          <p:cNvPr id="179" name="圆角矩形 178"/>
+          <p:cNvSpPr/>
+          <p:nvPr/>
+        </p:nvSpPr>
+        <p:spPr>
+          <a:xfrm>
+            <a:off x="4175760" y="3158490"/>
             <a:ext cx="884555" cy="233680"/>
           </a:xfrm>
           <a:prstGeom prst="roundRect">
@@ -9983,6 +9939,7 @@
           <a:bodyPr vertOverflow="overflow" horzOverflow="overflow" vert="horz" wrap="square" numCol="1" spcCol="0" rtlCol="0" fromWordArt="0" anchor="ctr" anchorCtr="0" forceAA="0" compatLnSpc="1">
             <a:noAutofit/>
           </a:bodyPr>
+          <a:lstStyle/>
           <a:p>
             <a:pPr lvl="0" algn="ctr">
               <a:buClrTx/>
@@ -10002,7 +9959,7 @@
                 </a:solidFill>
                 <a:sym typeface="+mn-ea"/>
               </a:rPr>
-              <a:t>A4</a:t>
+              <a:t>A5</a:t>
             </a:r>
             <a:endParaRPr lang="en-US" altLang="zh-CN" sz="1000">
               <a:sym typeface="+mn-ea"/>
@@ -10012,13 +9969,13 @@
       </p:sp>
       <p:sp>
         <p:nvSpPr>
-          <p:cNvPr id="179" name="圆角矩形 178"/>
-          <p:cNvSpPr/>
-          <p:nvPr/>
-        </p:nvSpPr>
-        <p:spPr>
-          <a:xfrm>
-            <a:off x="4175760" y="3158490"/>
+          <p:cNvPr id="180" name="圆角矩形 179"/>
+          <p:cNvSpPr/>
+          <p:nvPr/>
+        </p:nvSpPr>
+        <p:spPr>
+          <a:xfrm>
+            <a:off x="4182745" y="3410585"/>
             <a:ext cx="884555" cy="233680"/>
           </a:xfrm>
           <a:prstGeom prst="roundRect">
@@ -10051,6 +10008,7 @@
           <a:bodyPr vertOverflow="overflow" horzOverflow="overflow" vert="horz" wrap="square" numCol="1" spcCol="0" rtlCol="0" fromWordArt="0" anchor="ctr" anchorCtr="0" forceAA="0" compatLnSpc="1">
             <a:noAutofit/>
           </a:bodyPr>
+          <a:lstStyle/>
           <a:p>
             <a:pPr lvl="0" algn="ctr">
               <a:buClrTx/>
@@ -10070,7 +10028,7 @@
                 </a:solidFill>
                 <a:sym typeface="+mn-ea"/>
               </a:rPr>
-              <a:t>A5</a:t>
+              <a:t>A6</a:t>
             </a:r>
             <a:endParaRPr lang="en-US" altLang="zh-CN" sz="1000">
               <a:sym typeface="+mn-ea"/>
@@ -10080,13 +10038,13 @@
       </p:sp>
       <p:sp>
         <p:nvSpPr>
-          <p:cNvPr id="180" name="圆角矩形 179"/>
-          <p:cNvSpPr/>
-          <p:nvPr/>
-        </p:nvSpPr>
-        <p:spPr>
-          <a:xfrm>
-            <a:off x="4182745" y="3410585"/>
+          <p:cNvPr id="181" name="圆角矩形 180"/>
+          <p:cNvSpPr/>
+          <p:nvPr/>
+        </p:nvSpPr>
+        <p:spPr>
+          <a:xfrm>
+            <a:off x="4182745" y="3662680"/>
             <a:ext cx="884555" cy="233680"/>
           </a:xfrm>
           <a:prstGeom prst="roundRect">
@@ -10119,6 +10077,7 @@
           <a:bodyPr vertOverflow="overflow" horzOverflow="overflow" vert="horz" wrap="square" numCol="1" spcCol="0" rtlCol="0" fromWordArt="0" anchor="ctr" anchorCtr="0" forceAA="0" compatLnSpc="1">
             <a:noAutofit/>
           </a:bodyPr>
+          <a:lstStyle/>
           <a:p>
             <a:pPr lvl="0" algn="ctr">
               <a:buClrTx/>
@@ -10138,7 +10097,7 @@
                 </a:solidFill>
                 <a:sym typeface="+mn-ea"/>
               </a:rPr>
-              <a:t>A6</a:t>
+              <a:t>A7</a:t>
             </a:r>
             <a:endParaRPr lang="en-US" altLang="zh-CN" sz="1000">
               <a:sym typeface="+mn-ea"/>
@@ -10148,13 +10107,13 @@
       </p:sp>
       <p:sp>
         <p:nvSpPr>
-          <p:cNvPr id="181" name="圆角矩形 180"/>
-          <p:cNvSpPr/>
-          <p:nvPr/>
-        </p:nvSpPr>
-        <p:spPr>
-          <a:xfrm>
-            <a:off x="4182745" y="3662680"/>
+          <p:cNvPr id="182" name="圆角矩形 181"/>
+          <p:cNvSpPr/>
+          <p:nvPr/>
+        </p:nvSpPr>
+        <p:spPr>
+          <a:xfrm>
+            <a:off x="4182745" y="3914775"/>
             <a:ext cx="884555" cy="233680"/>
           </a:xfrm>
           <a:prstGeom prst="roundRect">
@@ -10187,6 +10146,7 @@
           <a:bodyPr vertOverflow="overflow" horzOverflow="overflow" vert="horz" wrap="square" numCol="1" spcCol="0" rtlCol="0" fromWordArt="0" anchor="ctr" anchorCtr="0" forceAA="0" compatLnSpc="1">
             <a:noAutofit/>
           </a:bodyPr>
+          <a:lstStyle/>
           <a:p>
             <a:pPr lvl="0" algn="ctr">
               <a:buClrTx/>
@@ -10206,7 +10166,7 @@
                 </a:solidFill>
                 <a:sym typeface="+mn-ea"/>
               </a:rPr>
-              <a:t>A7</a:t>
+              <a:t>C4</a:t>
             </a:r>
             <a:endParaRPr lang="en-US" altLang="zh-CN" sz="1000">
               <a:sym typeface="+mn-ea"/>
@@ -10216,13 +10176,13 @@
       </p:sp>
       <p:sp>
         <p:nvSpPr>
-          <p:cNvPr id="182" name="圆角矩形 181"/>
-          <p:cNvSpPr/>
-          <p:nvPr/>
-        </p:nvSpPr>
-        <p:spPr>
-          <a:xfrm>
-            <a:off x="4182745" y="3914775"/>
+          <p:cNvPr id="183" name="圆角矩形 182"/>
+          <p:cNvSpPr/>
+          <p:nvPr/>
+        </p:nvSpPr>
+        <p:spPr>
+          <a:xfrm>
+            <a:off x="4182745" y="4166870"/>
             <a:ext cx="884555" cy="233680"/>
           </a:xfrm>
           <a:prstGeom prst="roundRect">
@@ -10255,6 +10215,7 @@
           <a:bodyPr vertOverflow="overflow" horzOverflow="overflow" vert="horz" wrap="square" numCol="1" spcCol="0" rtlCol="0" fromWordArt="0" anchor="ctr" anchorCtr="0" forceAA="0" compatLnSpc="1">
             <a:noAutofit/>
           </a:bodyPr>
+          <a:lstStyle/>
           <a:p>
             <a:pPr lvl="0" algn="ctr">
               <a:buClrTx/>
@@ -10274,7 +10235,7 @@
                 </a:solidFill>
                 <a:sym typeface="+mn-ea"/>
               </a:rPr>
-              <a:t>C4</a:t>
+              <a:t>B0</a:t>
             </a:r>
             <a:endParaRPr lang="en-US" altLang="zh-CN" sz="1000">
               <a:sym typeface="+mn-ea"/>
@@ -10284,13 +10245,13 @@
       </p:sp>
       <p:sp>
         <p:nvSpPr>
-          <p:cNvPr id="183" name="圆角矩形 182"/>
-          <p:cNvSpPr/>
-          <p:nvPr/>
-        </p:nvSpPr>
-        <p:spPr>
-          <a:xfrm>
-            <a:off x="4182745" y="4166870"/>
+          <p:cNvPr id="184" name="圆角矩形 183"/>
+          <p:cNvSpPr/>
+          <p:nvPr/>
+        </p:nvSpPr>
+        <p:spPr>
+          <a:xfrm>
+            <a:off x="4182745" y="4418965"/>
             <a:ext cx="884555" cy="233680"/>
           </a:xfrm>
           <a:prstGeom prst="roundRect">
@@ -10323,6 +10284,7 @@
           <a:bodyPr vertOverflow="overflow" horzOverflow="overflow" vert="horz" wrap="square" numCol="1" spcCol="0" rtlCol="0" fromWordArt="0" anchor="ctr" anchorCtr="0" forceAA="0" compatLnSpc="1">
             <a:noAutofit/>
           </a:bodyPr>
+          <a:lstStyle/>
           <a:p>
             <a:pPr lvl="0" algn="ctr">
               <a:buClrTx/>
@@ -10342,7 +10304,7 @@
                 </a:solidFill>
                 <a:sym typeface="+mn-ea"/>
               </a:rPr>
-              <a:t>B0</a:t>
+              <a:t>B1</a:t>
             </a:r>
             <a:endParaRPr lang="en-US" altLang="zh-CN" sz="1000">
               <a:sym typeface="+mn-ea"/>
@@ -10352,13 +10314,13 @@
       </p:sp>
       <p:sp>
         <p:nvSpPr>
-          <p:cNvPr id="184" name="圆角矩形 183"/>
-          <p:cNvSpPr/>
-          <p:nvPr/>
-        </p:nvSpPr>
-        <p:spPr>
-          <a:xfrm>
-            <a:off x="4182745" y="4418965"/>
+          <p:cNvPr id="185" name="圆角矩形 184"/>
+          <p:cNvSpPr/>
+          <p:nvPr/>
+        </p:nvSpPr>
+        <p:spPr>
+          <a:xfrm>
+            <a:off x="4175760" y="4671060"/>
             <a:ext cx="884555" cy="233680"/>
           </a:xfrm>
           <a:prstGeom prst="roundRect">
@@ -10391,6 +10353,7 @@
           <a:bodyPr vertOverflow="overflow" horzOverflow="overflow" vert="horz" wrap="square" numCol="1" spcCol="0" rtlCol="0" fromWordArt="0" anchor="ctr" anchorCtr="0" forceAA="0" compatLnSpc="1">
             <a:noAutofit/>
           </a:bodyPr>
+          <a:lstStyle/>
           <a:p>
             <a:pPr lvl="0" algn="ctr">
               <a:buClrTx/>
@@ -10410,7 +10373,7 @@
                 </a:solidFill>
                 <a:sym typeface="+mn-ea"/>
               </a:rPr>
-              <a:t>B1</a:t>
+              <a:t>B2</a:t>
             </a:r>
             <a:endParaRPr lang="en-US" altLang="zh-CN" sz="1000">
               <a:sym typeface="+mn-ea"/>
@@ -10420,13 +10383,13 @@
       </p:sp>
       <p:sp>
         <p:nvSpPr>
-          <p:cNvPr id="185" name="圆角矩形 184"/>
-          <p:cNvSpPr/>
-          <p:nvPr/>
-        </p:nvSpPr>
-        <p:spPr>
-          <a:xfrm>
-            <a:off x="4175760" y="4671060"/>
+          <p:cNvPr id="186" name="圆角矩形 185"/>
+          <p:cNvSpPr/>
+          <p:nvPr/>
+        </p:nvSpPr>
+        <p:spPr>
+          <a:xfrm>
+            <a:off x="4175760" y="4923155"/>
             <a:ext cx="884555" cy="233680"/>
           </a:xfrm>
           <a:prstGeom prst="roundRect">
@@ -10459,6 +10422,7 @@
           <a:bodyPr vertOverflow="overflow" horzOverflow="overflow" vert="horz" wrap="square" numCol="1" spcCol="0" rtlCol="0" fromWordArt="0" anchor="ctr" anchorCtr="0" forceAA="0" compatLnSpc="1">
             <a:noAutofit/>
           </a:bodyPr>
+          <a:lstStyle/>
           <a:p>
             <a:pPr lvl="0" algn="ctr">
               <a:buClrTx/>
@@ -10478,7 +10442,7 @@
                 </a:solidFill>
                 <a:sym typeface="+mn-ea"/>
               </a:rPr>
-              <a:t>B2</a:t>
+              <a:t>B10</a:t>
             </a:r>
             <a:endParaRPr lang="en-US" altLang="zh-CN" sz="1000">
               <a:sym typeface="+mn-ea"/>
@@ -10488,13 +10452,13 @@
       </p:sp>
       <p:sp>
         <p:nvSpPr>
-          <p:cNvPr id="186" name="圆角矩形 185"/>
-          <p:cNvSpPr/>
-          <p:nvPr/>
-        </p:nvSpPr>
-        <p:spPr>
-          <a:xfrm>
-            <a:off x="4175760" y="4923155"/>
+          <p:cNvPr id="187" name="圆角矩形 186"/>
+          <p:cNvSpPr/>
+          <p:nvPr/>
+        </p:nvSpPr>
+        <p:spPr>
+          <a:xfrm>
+            <a:off x="4175760" y="5175250"/>
             <a:ext cx="884555" cy="233680"/>
           </a:xfrm>
           <a:prstGeom prst="roundRect">
@@ -10527,6 +10491,7 @@
           <a:bodyPr vertOverflow="overflow" horzOverflow="overflow" vert="horz" wrap="square" numCol="1" spcCol="0" rtlCol="0" fromWordArt="0" anchor="ctr" anchorCtr="0" forceAA="0" compatLnSpc="1">
             <a:noAutofit/>
           </a:bodyPr>
+          <a:lstStyle/>
           <a:p>
             <a:pPr lvl="0" algn="ctr">
               <a:buClrTx/>
@@ -10546,7 +10511,7 @@
                 </a:solidFill>
                 <a:sym typeface="+mn-ea"/>
               </a:rPr>
-              <a:t>B10</a:t>
+              <a:t>B11</a:t>
             </a:r>
             <a:endParaRPr lang="en-US" altLang="zh-CN" sz="1000">
               <a:sym typeface="+mn-ea"/>
@@ -10556,13 +10521,13 @@
       </p:sp>
       <p:sp>
         <p:nvSpPr>
-          <p:cNvPr id="187" name="圆角矩形 186"/>
-          <p:cNvSpPr/>
-          <p:nvPr/>
-        </p:nvSpPr>
-        <p:spPr>
-          <a:xfrm>
-            <a:off x="4175760" y="5175250"/>
+          <p:cNvPr id="188" name="圆角矩形 187"/>
+          <p:cNvSpPr/>
+          <p:nvPr/>
+        </p:nvSpPr>
+        <p:spPr>
+          <a:xfrm>
+            <a:off x="4182745" y="5427345"/>
             <a:ext cx="884555" cy="233680"/>
           </a:xfrm>
           <a:prstGeom prst="roundRect">
@@ -10595,6 +10560,7 @@
           <a:bodyPr vertOverflow="overflow" horzOverflow="overflow" vert="horz" wrap="square" numCol="1" spcCol="0" rtlCol="0" fromWordArt="0" anchor="ctr" anchorCtr="0" forceAA="0" compatLnSpc="1">
             <a:noAutofit/>
           </a:bodyPr>
+          <a:lstStyle/>
           <a:p>
             <a:pPr lvl="0" algn="ctr">
               <a:buClrTx/>
@@ -10614,7 +10580,7 @@
                 </a:solidFill>
                 <a:sym typeface="+mn-ea"/>
               </a:rPr>
-              <a:t>B11</a:t>
+              <a:t>B12</a:t>
             </a:r>
             <a:endParaRPr lang="en-US" altLang="zh-CN" sz="1000">
               <a:sym typeface="+mn-ea"/>
@@ -10624,13 +10590,13 @@
       </p:sp>
       <p:sp>
         <p:nvSpPr>
-          <p:cNvPr id="188" name="圆角矩形 187"/>
-          <p:cNvSpPr/>
-          <p:nvPr/>
-        </p:nvSpPr>
-        <p:spPr>
-          <a:xfrm>
-            <a:off x="4182745" y="5427345"/>
+          <p:cNvPr id="189" name="圆角矩形 188"/>
+          <p:cNvSpPr/>
+          <p:nvPr/>
+        </p:nvSpPr>
+        <p:spPr>
+          <a:xfrm>
+            <a:off x="4182745" y="5679440"/>
             <a:ext cx="884555" cy="233680"/>
           </a:xfrm>
           <a:prstGeom prst="roundRect">
@@ -10663,6 +10629,7 @@
           <a:bodyPr vertOverflow="overflow" horzOverflow="overflow" vert="horz" wrap="square" numCol="1" spcCol="0" rtlCol="0" fromWordArt="0" anchor="ctr" anchorCtr="0" forceAA="0" compatLnSpc="1">
             <a:noAutofit/>
           </a:bodyPr>
+          <a:lstStyle/>
           <a:p>
             <a:pPr lvl="0" algn="ctr">
               <a:buClrTx/>
@@ -10682,16 +10649,7 @@
                 </a:solidFill>
                 <a:sym typeface="+mn-ea"/>
               </a:rPr>
-              <a:t>B</a:t>
-            </a:r>
-            <a:r>
-              <a:rPr lang="en-US" altLang="zh-CN" sz="1000">
-                <a:solidFill>
-                  <a:srgbClr val="FF0000"/>
-                </a:solidFill>
-                <a:sym typeface="+mn-ea"/>
-              </a:rPr>
-              <a:t>12</a:t>
+              <a:t>B13</a:t>
             </a:r>
             <a:endParaRPr lang="en-US" altLang="zh-CN" sz="1000">
               <a:sym typeface="+mn-ea"/>
@@ -10701,74 +10659,6 @@
       </p:sp>
       <p:sp>
         <p:nvSpPr>
-          <p:cNvPr id="189" name="圆角矩形 188"/>
-          <p:cNvSpPr/>
-          <p:nvPr/>
-        </p:nvSpPr>
-        <p:spPr>
-          <a:xfrm>
-            <a:off x="4182745" y="5679440"/>
-            <a:ext cx="884555" cy="233680"/>
-          </a:xfrm>
-          <a:prstGeom prst="roundRect">
-            <a:avLst/>
-          </a:prstGeom>
-          <a:solidFill>
-            <a:schemeClr val="accent1"/>
-          </a:solidFill>
-          <a:ln>
-            <a:noFill/>
-          </a:ln>
-        </p:spPr>
-        <p:style>
-          <a:lnRef idx="2">
-            <a:schemeClr val="accent1">
-              <a:lumMod val="75000"/>
-            </a:schemeClr>
-          </a:lnRef>
-          <a:fillRef idx="1">
-            <a:schemeClr val="accent1"/>
-          </a:fillRef>
-          <a:effectRef idx="0">
-            <a:srgbClr val="FFFFFF"/>
-          </a:effectRef>
-          <a:fontRef idx="minor">
-            <a:schemeClr val="lt1"/>
-          </a:fontRef>
-        </p:style>
-        <p:txBody>
-          <a:bodyPr vertOverflow="overflow" horzOverflow="overflow" vert="horz" wrap="square" numCol="1" spcCol="0" rtlCol="0" fromWordArt="0" anchor="ctr" anchorCtr="0" forceAA="0" compatLnSpc="1">
-            <a:noAutofit/>
-          </a:bodyPr>
-          <a:p>
-            <a:pPr lvl="0" algn="ctr">
-              <a:buClrTx/>
-              <a:buSzTx/>
-              <a:buFontTx/>
-            </a:pPr>
-            <a:r>
-              <a:rPr lang="en-US" altLang="zh-CN" sz="1000">
-                <a:sym typeface="+mn-ea"/>
-              </a:rPr>
-              <a:t>GPIO</a:t>
-            </a:r>
-            <a:r>
-              <a:rPr lang="en-US" altLang="zh-CN" sz="1000">
-                <a:solidFill>
-                  <a:srgbClr val="FF0000"/>
-                </a:solidFill>
-                <a:sym typeface="+mn-ea"/>
-              </a:rPr>
-              <a:t>B13</a:t>
-            </a:r>
-            <a:endParaRPr lang="en-US" altLang="zh-CN" sz="1000">
-              <a:sym typeface="+mn-ea"/>
-            </a:endParaRPr>
-          </a:p>
-        </p:txBody>
-      </p:sp>
-      <p:sp>
-        <p:nvSpPr>
           <p:cNvPr id="190" name="圆角矩形 189"/>
           <p:cNvSpPr/>
           <p:nvPr/>
@@ -10808,6 +10698,7 @@
           <a:bodyPr vertOverflow="overflow" horzOverflow="overflow" vert="horz" wrap="square" numCol="1" spcCol="0" rtlCol="0" fromWordArt="0" anchor="ctr" anchorCtr="0" forceAA="0" compatLnSpc="1">
             <a:noAutofit/>
           </a:bodyPr>
+          <a:lstStyle/>
           <a:p>
             <a:pPr lvl="0" algn="ctr">
               <a:buClrTx/>
@@ -10820,9 +10711,6 @@
               </a:rPr>
               <a:t>USART3_TX</a:t>
             </a:r>
-            <a:endParaRPr lang="en-US" altLang="zh-CN" sz="1000">
-              <a:sym typeface="+mn-ea"/>
-            </a:endParaRPr>
           </a:p>
         </p:txBody>
       </p:sp>
@@ -10867,6 +10755,7 @@
           <a:bodyPr vertOverflow="overflow" horzOverflow="overflow" vert="horz" wrap="square" numCol="1" spcCol="0" rtlCol="0" fromWordArt="0" anchor="ctr" anchorCtr="0" forceAA="0" compatLnSpc="1">
             <a:noAutofit/>
           </a:bodyPr>
+          <a:lstStyle/>
           <a:p>
             <a:pPr lvl="0" algn="ctr">
               <a:buClrTx/>
@@ -10879,9 +10768,6 @@
               </a:rPr>
               <a:t>USART3_RX</a:t>
             </a:r>
-            <a:endParaRPr lang="en-US" altLang="zh-CN" sz="1000">
-              <a:sym typeface="+mn-ea"/>
-            </a:endParaRPr>
           </a:p>
         </p:txBody>
       </p:sp>
@@ -10926,6 +10812,7 @@
           <a:bodyPr vertOverflow="overflow" horzOverflow="overflow" vert="horz" wrap="square" numCol="1" spcCol="0" rtlCol="0" fromWordArt="0" anchor="ctr" anchorCtr="0" forceAA="0" compatLnSpc="1">
             <a:noAutofit/>
           </a:bodyPr>
+          <a:lstStyle/>
           <a:p>
             <a:pPr lvl="0" algn="ctr">
               <a:buClrTx/>
@@ -10938,9 +10825,6 @@
               </a:rPr>
               <a:t>USART1_RX</a:t>
             </a:r>
-            <a:endParaRPr lang="en-US" altLang="zh-CN" sz="1000">
-              <a:sym typeface="+mn-ea"/>
-            </a:endParaRPr>
           </a:p>
         </p:txBody>
       </p:sp>
@@ -10985,6 +10869,7 @@
           <a:bodyPr vertOverflow="overflow" horzOverflow="overflow" vert="horz" wrap="square" numCol="1" spcCol="0" rtlCol="0" fromWordArt="0" anchor="ctr" anchorCtr="0" forceAA="0" compatLnSpc="1">
             <a:noAutofit/>
           </a:bodyPr>
+          <a:lstStyle/>
           <a:p>
             <a:pPr lvl="0" algn="ctr">
               <a:buClrTx/>
@@ -10997,9 +10882,6 @@
               </a:rPr>
               <a:t>USART1_TX</a:t>
             </a:r>
-            <a:endParaRPr lang="en-US" altLang="zh-CN" sz="1000">
-              <a:sym typeface="+mn-ea"/>
-            </a:endParaRPr>
           </a:p>
         </p:txBody>
       </p:sp>
@@ -11044,6 +10926,7 @@
           <a:bodyPr vertOverflow="overflow" horzOverflow="overflow" vert="horz" wrap="square" numCol="1" spcCol="0" rtlCol="0" fromWordArt="0" anchor="ctr" anchorCtr="0" forceAA="0" compatLnSpc="1">
             <a:noAutofit/>
           </a:bodyPr>
+          <a:lstStyle/>
           <a:p>
             <a:pPr lvl="0" algn="ctr">
               <a:buClrTx/>
@@ -11056,9 +10939,6 @@
               </a:rPr>
               <a:t>USART2_RX</a:t>
             </a:r>
-            <a:endParaRPr lang="en-US" altLang="zh-CN" sz="1000">
-              <a:sym typeface="+mn-ea"/>
-            </a:endParaRPr>
           </a:p>
         </p:txBody>
       </p:sp>
@@ -11103,6 +10983,7 @@
           <a:bodyPr vertOverflow="overflow" horzOverflow="overflow" vert="horz" wrap="square" numCol="1" spcCol="0" rtlCol="0" fromWordArt="0" anchor="ctr" anchorCtr="0" forceAA="0" compatLnSpc="1">
             <a:noAutofit/>
           </a:bodyPr>
+          <a:lstStyle/>
           <a:p>
             <a:pPr lvl="0" algn="ctr">
               <a:buClrTx/>
@@ -11115,9 +10996,6 @@
               </a:rPr>
               <a:t>USART2_TX</a:t>
             </a:r>
-            <a:endParaRPr lang="en-US" altLang="zh-CN" sz="1000">
-              <a:sym typeface="+mn-ea"/>
-            </a:endParaRPr>
           </a:p>
         </p:txBody>
       </p:sp>
@@ -11162,6 +11040,7 @@
           <a:bodyPr vertOverflow="overflow" horzOverflow="overflow" vert="horz" wrap="square" numCol="1" spcCol="0" rtlCol="0" fromWordArt="0" anchor="ctr" anchorCtr="0" forceAA="0" compatLnSpc="1">
             <a:noAutofit/>
           </a:bodyPr>
+          <a:lstStyle/>
           <a:p>
             <a:pPr lvl="0" algn="ctr">
               <a:buClrTx/>
@@ -11174,9 +11053,6 @@
               </a:rPr>
               <a:t>USART3_RX</a:t>
             </a:r>
-            <a:endParaRPr lang="en-US" altLang="zh-CN" sz="1000">
-              <a:sym typeface="+mn-ea"/>
-            </a:endParaRPr>
           </a:p>
         </p:txBody>
       </p:sp>
@@ -11221,6 +11097,7 @@
           <a:bodyPr vertOverflow="overflow" horzOverflow="overflow" vert="horz" wrap="square" numCol="1" spcCol="0" rtlCol="0" fromWordArt="0" anchor="ctr" anchorCtr="0" forceAA="0" compatLnSpc="1">
             <a:noAutofit/>
           </a:bodyPr>
+          <a:lstStyle/>
           <a:p>
             <a:pPr lvl="0" algn="ctr">
               <a:buClrTx/>
@@ -11233,9 +11110,6 @@
               </a:rPr>
               <a:t>USART3_TX</a:t>
             </a:r>
-            <a:endParaRPr lang="en-US" altLang="zh-CN" sz="1000">
-              <a:sym typeface="+mn-ea"/>
-            </a:endParaRPr>
           </a:p>
         </p:txBody>
       </p:sp>
@@ -11280,6 +11154,7 @@
           <a:bodyPr vertOverflow="overflow" horzOverflow="overflow" vert="horz" wrap="square" numCol="1" spcCol="0" rtlCol="0" fromWordArt="0" anchor="ctr" anchorCtr="0" forceAA="0" compatLnSpc="1">
             <a:noAutofit/>
           </a:bodyPr>
+          <a:lstStyle/>
           <a:p>
             <a:pPr lvl="0" algn="ctr">
               <a:buClrTx/>
@@ -11292,9 +11167,6 @@
               </a:rPr>
               <a:t>USART2_RX</a:t>
             </a:r>
-            <a:endParaRPr lang="en-US" altLang="zh-CN" sz="1000">
-              <a:sym typeface="+mn-ea"/>
-            </a:endParaRPr>
           </a:p>
         </p:txBody>
       </p:sp>
@@ -11339,6 +11211,7 @@
           <a:bodyPr vertOverflow="overflow" horzOverflow="overflow" vert="horz" wrap="square" numCol="1" spcCol="0" rtlCol="0" fromWordArt="0" anchor="ctr" anchorCtr="0" forceAA="0" compatLnSpc="1">
             <a:noAutofit/>
           </a:bodyPr>
+          <a:lstStyle/>
           <a:p>
             <a:pPr lvl="0" algn="ctr">
               <a:buClrTx/>
@@ -11351,9 +11224,6 @@
               </a:rPr>
               <a:t>USART1_RX</a:t>
             </a:r>
-            <a:endParaRPr lang="en-US" altLang="zh-CN" sz="1000">
-              <a:sym typeface="+mn-ea"/>
-            </a:endParaRPr>
           </a:p>
         </p:txBody>
       </p:sp>
@@ -11398,6 +11268,7 @@
           <a:bodyPr vertOverflow="overflow" horzOverflow="overflow" vert="horz" wrap="square" numCol="1" spcCol="0" rtlCol="0" fromWordArt="0" anchor="ctr" anchorCtr="0" forceAA="0" compatLnSpc="1">
             <a:noAutofit/>
           </a:bodyPr>
+          <a:lstStyle/>
           <a:p>
             <a:pPr lvl="0" algn="ctr">
               <a:buClrTx/>
@@ -11410,9 +11281,6 @@
               </a:rPr>
               <a:t>USART1_TX</a:t>
             </a:r>
-            <a:endParaRPr lang="en-US" altLang="zh-CN" sz="1000">
-              <a:sym typeface="+mn-ea"/>
-            </a:endParaRPr>
           </a:p>
         </p:txBody>
       </p:sp>
@@ -11457,6 +11325,7 @@
           <a:bodyPr vertOverflow="overflow" horzOverflow="overflow" vert="horz" wrap="square" numCol="1" spcCol="0" rtlCol="0" fromWordArt="0" anchor="ctr" anchorCtr="0" forceAA="0" compatLnSpc="1">
             <a:noAutofit/>
           </a:bodyPr>
+          <a:lstStyle/>
           <a:p>
             <a:pPr lvl="0" algn="ctr">
               <a:buClrTx/>
@@ -11469,9 +11338,6 @@
               </a:rPr>
               <a:t>USART3_RX</a:t>
             </a:r>
-            <a:endParaRPr lang="en-US" altLang="zh-CN" sz="1000">
-              <a:sym typeface="+mn-ea"/>
-            </a:endParaRPr>
           </a:p>
         </p:txBody>
       </p:sp>
@@ -11516,6 +11382,7 @@
           <a:bodyPr vertOverflow="overflow" horzOverflow="overflow" vert="horz" wrap="square" numCol="1" spcCol="0" rtlCol="0" fromWordArt="0" anchor="ctr" anchorCtr="0" forceAA="0" compatLnSpc="1">
             <a:noAutofit/>
           </a:bodyPr>
+          <a:lstStyle/>
           <a:p>
             <a:pPr lvl="0" algn="ctr">
               <a:buClrTx/>
@@ -11528,9 +11395,6 @@
               </a:rPr>
               <a:t>USART3_TX</a:t>
             </a:r>
-            <a:endParaRPr lang="en-US" altLang="zh-CN" sz="1000">
-              <a:sym typeface="+mn-ea"/>
-            </a:endParaRPr>
           </a:p>
         </p:txBody>
       </p:sp>
@@ -11575,6 +11439,7 @@
           <a:bodyPr vertOverflow="overflow" horzOverflow="overflow" vert="horz" wrap="square" numCol="1" spcCol="0" rtlCol="0" fromWordArt="0" anchor="ctr" anchorCtr="0" forceAA="0" compatLnSpc="1">
             <a:noAutofit/>
           </a:bodyPr>
+          <a:lstStyle/>
           <a:p>
             <a:pPr lvl="0" algn="ctr">
               <a:buClrTx/>
@@ -11587,9 +11452,6 @@
               </a:rPr>
               <a:t>USART1_TX</a:t>
             </a:r>
-            <a:endParaRPr lang="en-US" altLang="zh-CN" sz="1000">
-              <a:sym typeface="+mn-ea"/>
-            </a:endParaRPr>
           </a:p>
         </p:txBody>
       </p:sp>
@@ -11634,6 +11496,7 @@
           <a:bodyPr vertOverflow="overflow" horzOverflow="overflow" vert="horz" wrap="square" numCol="1" spcCol="0" rtlCol="0" fromWordArt="0" anchor="ctr" anchorCtr="0" forceAA="0" compatLnSpc="1">
             <a:noAutofit/>
           </a:bodyPr>
+          <a:lstStyle/>
           <a:p>
             <a:pPr lvl="0" algn="ctr">
               <a:buClrTx/>
@@ -11646,9 +11509,6 @@
               </a:rPr>
               <a:t>USART2_RX</a:t>
             </a:r>
-            <a:endParaRPr lang="en-US" altLang="zh-CN" sz="1000">
-              <a:sym typeface="+mn-ea"/>
-            </a:endParaRPr>
           </a:p>
         </p:txBody>
       </p:sp>
@@ -11693,6 +11553,7 @@
           <a:bodyPr vertOverflow="overflow" horzOverflow="overflow" vert="horz" wrap="square" numCol="1" spcCol="0" rtlCol="0" fromWordArt="0" anchor="ctr" anchorCtr="0" forceAA="0" compatLnSpc="1">
             <a:noAutofit/>
           </a:bodyPr>
+          <a:lstStyle/>
           <a:p>
             <a:pPr lvl="0" algn="ctr">
               <a:buClrTx/>
@@ -11705,9 +11566,6 @@
               </a:rPr>
               <a:t>USART2_TX</a:t>
             </a:r>
-            <a:endParaRPr lang="en-US" altLang="zh-CN" sz="1000">
-              <a:sym typeface="+mn-ea"/>
-            </a:endParaRPr>
           </a:p>
         </p:txBody>
       </p:sp>
@@ -11752,6 +11610,7 @@
           <a:bodyPr vertOverflow="overflow" horzOverflow="overflow" vert="horz" wrap="square" numCol="1" spcCol="0" rtlCol="0" fromWordArt="0" anchor="ctr" anchorCtr="0" forceAA="0" compatLnSpc="1">
             <a:noAutofit/>
           </a:bodyPr>
+          <a:lstStyle/>
           <a:p>
             <a:pPr lvl="0" algn="ctr">
               <a:buClrTx/>
@@ -11764,9 +11623,6 @@
               </a:rPr>
               <a:t>I2C1_SDA</a:t>
             </a:r>
-            <a:endParaRPr lang="en-US" altLang="zh-CN" sz="1000">
-              <a:sym typeface="+mn-ea"/>
-            </a:endParaRPr>
           </a:p>
         </p:txBody>
       </p:sp>
@@ -11811,6 +11667,7 @@
           <a:bodyPr vertOverflow="overflow" horzOverflow="overflow" vert="horz" wrap="square" numCol="1" spcCol="0" rtlCol="0" fromWordArt="0" anchor="ctr" anchorCtr="0" forceAA="0" compatLnSpc="1">
             <a:noAutofit/>
           </a:bodyPr>
+          <a:lstStyle/>
           <a:p>
             <a:pPr lvl="0" algn="ctr">
               <a:buClrTx/>
@@ -11823,9 +11680,6 @@
               </a:rPr>
               <a:t>I2C1_SCL</a:t>
             </a:r>
-            <a:endParaRPr lang="en-US" altLang="zh-CN" sz="1000">
-              <a:sym typeface="+mn-ea"/>
-            </a:endParaRPr>
           </a:p>
         </p:txBody>
       </p:sp>
@@ -11870,6 +11724,7 @@
           <a:bodyPr vertOverflow="overflow" horzOverflow="overflow" vert="horz" wrap="square" numCol="1" spcCol="0" rtlCol="0" fromWordArt="0" anchor="ctr" anchorCtr="0" forceAA="0" compatLnSpc="1">
             <a:noAutofit/>
           </a:bodyPr>
+          <a:lstStyle/>
           <a:p>
             <a:pPr lvl="0" algn="ctr">
               <a:buClrTx/>
@@ -11882,9 +11737,6 @@
               </a:rPr>
               <a:t>I2C1_SDA</a:t>
             </a:r>
-            <a:endParaRPr lang="en-US" altLang="zh-CN" sz="1000">
-              <a:sym typeface="+mn-ea"/>
-            </a:endParaRPr>
           </a:p>
         </p:txBody>
       </p:sp>
@@ -11929,6 +11781,7 @@
           <a:bodyPr vertOverflow="overflow" horzOverflow="overflow" vert="horz" wrap="square" numCol="1" spcCol="0" rtlCol="0" fromWordArt="0" anchor="ctr" anchorCtr="0" forceAA="0" compatLnSpc="1">
             <a:noAutofit/>
           </a:bodyPr>
+          <a:lstStyle/>
           <a:p>
             <a:pPr lvl="0" algn="ctr">
               <a:buClrTx/>
@@ -11941,9 +11794,6 @@
               </a:rPr>
               <a:t>I2C3_SDA</a:t>
             </a:r>
-            <a:endParaRPr lang="en-US" altLang="zh-CN" sz="1000">
-              <a:sym typeface="+mn-ea"/>
-            </a:endParaRPr>
           </a:p>
         </p:txBody>
       </p:sp>
@@ -11988,6 +11838,7 @@
           <a:bodyPr vertOverflow="overflow" horzOverflow="overflow" vert="horz" wrap="square" numCol="1" spcCol="0" rtlCol="0" fromWordArt="0" anchor="ctr" anchorCtr="0" forceAA="0" compatLnSpc="1">
             <a:noAutofit/>
           </a:bodyPr>
+          <a:lstStyle/>
           <a:p>
             <a:pPr lvl="0" algn="ctr">
               <a:buClrTx/>
@@ -12000,9 +11851,6 @@
               </a:rPr>
               <a:t>I2C3_SDA</a:t>
             </a:r>
-            <a:endParaRPr lang="en-US" altLang="zh-CN" sz="1000">
-              <a:sym typeface="+mn-ea"/>
-            </a:endParaRPr>
           </a:p>
         </p:txBody>
       </p:sp>
@@ -12047,6 +11895,7 @@
           <a:bodyPr vertOverflow="overflow" horzOverflow="overflow" vert="horz" wrap="square" numCol="1" spcCol="0" rtlCol="0" fromWordArt="0" anchor="ctr" anchorCtr="0" forceAA="0" compatLnSpc="1">
             <a:noAutofit/>
           </a:bodyPr>
+          <a:lstStyle/>
           <a:p>
             <a:pPr lvl="0" algn="ctr">
               <a:buClrTx/>
@@ -12059,9 +11908,6 @@
               </a:rPr>
               <a:t>I2C1_SCL</a:t>
             </a:r>
-            <a:endParaRPr lang="en-US" altLang="zh-CN" sz="1000">
-              <a:sym typeface="+mn-ea"/>
-            </a:endParaRPr>
           </a:p>
         </p:txBody>
       </p:sp>
@@ -12106,6 +11952,7 @@
           <a:bodyPr vertOverflow="overflow" horzOverflow="overflow" vert="horz" wrap="square" numCol="1" spcCol="0" rtlCol="0" fromWordArt="0" anchor="ctr" anchorCtr="0" forceAA="0" compatLnSpc="1">
             <a:noAutofit/>
           </a:bodyPr>
+          <a:lstStyle/>
           <a:p>
             <a:pPr lvl="0" algn="ctr">
               <a:buClrTx/>
@@ -12118,9 +11965,6 @@
               </a:rPr>
               <a:t>I2C2_SCL</a:t>
             </a:r>
-            <a:endParaRPr lang="en-US" altLang="zh-CN" sz="1000">
-              <a:sym typeface="+mn-ea"/>
-            </a:endParaRPr>
           </a:p>
         </p:txBody>
       </p:sp>
@@ -12165,6 +12009,7 @@
           <a:bodyPr vertOverflow="overflow" horzOverflow="overflow" vert="horz" wrap="square" numCol="1" spcCol="0" rtlCol="0" fromWordArt="0" anchor="ctr" anchorCtr="0" forceAA="0" compatLnSpc="1">
             <a:noAutofit/>
           </a:bodyPr>
+          <a:lstStyle/>
           <a:p>
             <a:pPr lvl="0" algn="ctr">
               <a:buClrTx/>
@@ -12177,9 +12022,6 @@
               </a:rPr>
               <a:t>I2C2_SDA</a:t>
             </a:r>
-            <a:endParaRPr lang="en-US" altLang="zh-CN" sz="1000">
-              <a:sym typeface="+mn-ea"/>
-            </a:endParaRPr>
           </a:p>
         </p:txBody>
       </p:sp>
@@ -12224,6 +12066,7 @@
           <a:bodyPr vertOverflow="overflow" horzOverflow="overflow" vert="horz" wrap="square" numCol="1" spcCol="0" rtlCol="0" fromWordArt="0" anchor="ctr" anchorCtr="0" forceAA="0" compatLnSpc="1">
             <a:noAutofit/>
           </a:bodyPr>
+          <a:lstStyle/>
           <a:p>
             <a:pPr lvl="0" algn="ctr">
               <a:buClrTx/>
@@ -12236,9 +12079,6 @@
               </a:rPr>
               <a:t>I2C3_SCL</a:t>
             </a:r>
-            <a:endParaRPr lang="en-US" altLang="zh-CN" sz="1000">
-              <a:sym typeface="+mn-ea"/>
-            </a:endParaRPr>
           </a:p>
         </p:txBody>
       </p:sp>
@@ -12283,6 +12123,7 @@
           <a:bodyPr vertOverflow="overflow" horzOverflow="overflow" vert="horz" wrap="square" numCol="1" spcCol="0" rtlCol="0" fromWordArt="0" anchor="ctr" anchorCtr="0" forceAA="0" compatLnSpc="1">
             <a:noAutofit/>
           </a:bodyPr>
+          <a:lstStyle/>
           <a:p>
             <a:pPr lvl="0" algn="ctr">
               <a:buClrTx/>
@@ -12295,9 +12136,6 @@
               </a:rPr>
               <a:t>I2C2_SCL</a:t>
             </a:r>
-            <a:endParaRPr lang="en-US" altLang="zh-CN" sz="1000">
-              <a:sym typeface="+mn-ea"/>
-            </a:endParaRPr>
           </a:p>
         </p:txBody>
       </p:sp>
@@ -12342,6 +12180,7 @@
           <a:bodyPr vertOverflow="overflow" horzOverflow="overflow" vert="horz" wrap="square" numCol="1" spcCol="0" rtlCol="0" fromWordArt="0" anchor="ctr" anchorCtr="0" forceAA="0" compatLnSpc="1">
             <a:noAutofit/>
           </a:bodyPr>
+          <a:lstStyle/>
           <a:p>
             <a:pPr lvl="0" algn="ctr">
               <a:buClrTx/>
@@ -12354,9 +12193,6 @@
               </a:rPr>
               <a:t>SPI1_MOSI</a:t>
             </a:r>
-            <a:endParaRPr lang="en-US" altLang="zh-CN" sz="1000">
-              <a:sym typeface="+mn-ea"/>
-            </a:endParaRPr>
           </a:p>
         </p:txBody>
       </p:sp>
@@ -12401,6 +12237,7 @@
           <a:bodyPr vertOverflow="overflow" horzOverflow="overflow" vert="horz" wrap="square" numCol="1" spcCol="0" rtlCol="0" fromWordArt="0" anchor="ctr" anchorCtr="0" forceAA="0" compatLnSpc="1">
             <a:noAutofit/>
           </a:bodyPr>
+          <a:lstStyle/>
           <a:p>
             <a:pPr lvl="0" algn="ctr">
               <a:buClrTx/>
@@ -12413,9 +12250,6 @@
               </a:rPr>
               <a:t>SPI3_MOSI</a:t>
             </a:r>
-            <a:endParaRPr lang="en-US" altLang="zh-CN" sz="1000">
-              <a:sym typeface="+mn-ea"/>
-            </a:endParaRPr>
           </a:p>
         </p:txBody>
       </p:sp>
@@ -12460,6 +12294,7 @@
           <a:bodyPr vertOverflow="overflow" horzOverflow="overflow" vert="horz" wrap="square" numCol="1" spcCol="0" rtlCol="0" fromWordArt="0" anchor="ctr" anchorCtr="0" forceAA="0" compatLnSpc="1">
             <a:noAutofit/>
           </a:bodyPr>
+          <a:lstStyle/>
           <a:p>
             <a:pPr lvl="0" algn="ctr">
               <a:buClrTx/>
@@ -12472,9 +12307,6 @@
               </a:rPr>
               <a:t>SPI1_MISO</a:t>
             </a:r>
-            <a:endParaRPr lang="en-US" altLang="zh-CN" sz="1000">
-              <a:sym typeface="+mn-ea"/>
-            </a:endParaRPr>
           </a:p>
         </p:txBody>
       </p:sp>
@@ -12519,6 +12351,7 @@
           <a:bodyPr vertOverflow="overflow" horzOverflow="overflow" vert="horz" wrap="square" numCol="1" spcCol="0" rtlCol="0" fromWordArt="0" anchor="ctr" anchorCtr="0" forceAA="0" compatLnSpc="1">
             <a:noAutofit/>
           </a:bodyPr>
+          <a:lstStyle/>
           <a:p>
             <a:pPr lvl="0" algn="ctr">
               <a:buClrTx/>
@@ -12531,9 +12364,6 @@
               </a:rPr>
               <a:t>SPI3_MISO</a:t>
             </a:r>
-            <a:endParaRPr lang="en-US" altLang="zh-CN" sz="1000">
-              <a:sym typeface="+mn-ea"/>
-            </a:endParaRPr>
           </a:p>
         </p:txBody>
       </p:sp>
@@ -12578,6 +12408,7 @@
           <a:bodyPr vertOverflow="overflow" horzOverflow="overflow" vert="horz" wrap="square" numCol="1" spcCol="0" rtlCol="0" fromWordArt="0" anchor="ctr" anchorCtr="0" forceAA="0" compatLnSpc="1">
             <a:noAutofit/>
           </a:bodyPr>
+          <a:lstStyle/>
           <a:p>
             <a:pPr lvl="0" algn="ctr">
               <a:buClrTx/>
@@ -12590,9 +12421,6 @@
               </a:rPr>
               <a:t>SPI1_SCK</a:t>
             </a:r>
-            <a:endParaRPr lang="en-US" altLang="zh-CN" sz="1000">
-              <a:sym typeface="+mn-ea"/>
-            </a:endParaRPr>
           </a:p>
         </p:txBody>
       </p:sp>
@@ -12637,6 +12465,7 @@
           <a:bodyPr vertOverflow="overflow" horzOverflow="overflow" vert="horz" wrap="square" numCol="1" spcCol="0" rtlCol="0" fromWordArt="0" anchor="ctr" anchorCtr="0" forceAA="0" compatLnSpc="1">
             <a:noAutofit/>
           </a:bodyPr>
+          <a:lstStyle/>
           <a:p>
             <a:pPr lvl="0" algn="ctr">
               <a:buClrTx/>
@@ -12649,9 +12478,6 @@
               </a:rPr>
               <a:t>SPI3_SCK</a:t>
             </a:r>
-            <a:endParaRPr lang="en-US" altLang="zh-CN" sz="1000">
-              <a:sym typeface="+mn-ea"/>
-            </a:endParaRPr>
           </a:p>
         </p:txBody>
       </p:sp>
@@ -12696,6 +12522,7 @@
           <a:bodyPr vertOverflow="overflow" horzOverflow="overflow" vert="horz" wrap="square" numCol="1" spcCol="0" rtlCol="0" fromWordArt="0" anchor="ctr" anchorCtr="0" forceAA="0" compatLnSpc="1">
             <a:noAutofit/>
           </a:bodyPr>
+          <a:lstStyle/>
           <a:p>
             <a:pPr lvl="0" algn="ctr">
               <a:buClrTx/>
@@ -12708,9 +12535,6 @@
               </a:rPr>
               <a:t>SPI3_MISO</a:t>
             </a:r>
-            <a:endParaRPr lang="en-US" altLang="zh-CN" sz="1000">
-              <a:sym typeface="+mn-ea"/>
-            </a:endParaRPr>
           </a:p>
         </p:txBody>
       </p:sp>
@@ -12755,6 +12579,7 @@
           <a:bodyPr vertOverflow="overflow" horzOverflow="overflow" vert="horz" wrap="square" numCol="1" spcCol="0" rtlCol="0" fromWordArt="0" anchor="ctr" anchorCtr="0" forceAA="0" compatLnSpc="1">
             <a:noAutofit/>
           </a:bodyPr>
+          <a:lstStyle/>
           <a:p>
             <a:pPr lvl="0" algn="ctr">
               <a:buClrTx/>
@@ -12767,9 +12592,6 @@
               </a:rPr>
               <a:t>SPI3_SCK</a:t>
             </a:r>
-            <a:endParaRPr lang="en-US" altLang="zh-CN" sz="1000">
-              <a:sym typeface="+mn-ea"/>
-            </a:endParaRPr>
           </a:p>
         </p:txBody>
       </p:sp>
@@ -12814,6 +12636,7 @@
           <a:bodyPr vertOverflow="overflow" horzOverflow="overflow" vert="horz" wrap="square" numCol="1" spcCol="0" rtlCol="0" fromWordArt="0" anchor="ctr" anchorCtr="0" forceAA="0" compatLnSpc="1">
             <a:noAutofit/>
           </a:bodyPr>
+          <a:lstStyle/>
           <a:p>
             <a:pPr lvl="0" algn="ctr">
               <a:buClrTx/>
@@ -12826,9 +12649,6 @@
               </a:rPr>
               <a:t>SPI2_MOSI</a:t>
             </a:r>
-            <a:endParaRPr lang="en-US" altLang="zh-CN" sz="1000">
-              <a:sym typeface="+mn-ea"/>
-            </a:endParaRPr>
           </a:p>
         </p:txBody>
       </p:sp>
@@ -12873,6 +12693,7 @@
           <a:bodyPr vertOverflow="overflow" horzOverflow="overflow" vert="horz" wrap="square" numCol="1" spcCol="0" rtlCol="0" fromWordArt="0" anchor="ctr" anchorCtr="0" forceAA="0" compatLnSpc="1">
             <a:noAutofit/>
           </a:bodyPr>
+          <a:lstStyle/>
           <a:p>
             <a:pPr lvl="0" algn="ctr">
               <a:buClrTx/>
@@ -12885,9 +12706,6 @@
               </a:rPr>
               <a:t>SPI2_MISO</a:t>
             </a:r>
-            <a:endParaRPr lang="en-US" altLang="zh-CN" sz="1000">
-              <a:sym typeface="+mn-ea"/>
-            </a:endParaRPr>
           </a:p>
         </p:txBody>
       </p:sp>
@@ -12932,6 +12750,7 @@
           <a:bodyPr vertOverflow="overflow" horzOverflow="overflow" vert="horz" wrap="square" numCol="1" spcCol="0" rtlCol="0" fromWordArt="0" anchor="ctr" anchorCtr="0" forceAA="0" compatLnSpc="1">
             <a:noAutofit/>
           </a:bodyPr>
+          <a:lstStyle/>
           <a:p>
             <a:pPr lvl="0" algn="ctr">
               <a:buClrTx/>
@@ -12944,9 +12763,6 @@
               </a:rPr>
               <a:t>SPI2_MOSI</a:t>
             </a:r>
-            <a:endParaRPr lang="en-US" altLang="zh-CN" sz="1000">
-              <a:sym typeface="+mn-ea"/>
-            </a:endParaRPr>
           </a:p>
         </p:txBody>
       </p:sp>
@@ -12991,6 +12807,7 @@
           <a:bodyPr vertOverflow="overflow" horzOverflow="overflow" vert="horz" wrap="square" numCol="1" spcCol="0" rtlCol="0" fromWordArt="0" anchor="ctr" anchorCtr="0" forceAA="0" compatLnSpc="1">
             <a:noAutofit/>
           </a:bodyPr>
+          <a:lstStyle/>
           <a:p>
             <a:pPr lvl="0" algn="ctr">
               <a:buClrTx/>
@@ -13003,9 +12820,6 @@
               </a:rPr>
               <a:t>SPI2_MISO</a:t>
             </a:r>
-            <a:endParaRPr lang="en-US" altLang="zh-CN" sz="1000">
-              <a:sym typeface="+mn-ea"/>
-            </a:endParaRPr>
           </a:p>
         </p:txBody>
       </p:sp>
@@ -13050,6 +12864,7 @@
           <a:bodyPr vertOverflow="overflow" horzOverflow="overflow" vert="horz" wrap="square" numCol="1" spcCol="0" rtlCol="0" fromWordArt="0" anchor="ctr" anchorCtr="0" forceAA="0" compatLnSpc="1">
             <a:noAutofit/>
           </a:bodyPr>
+          <a:lstStyle/>
           <a:p>
             <a:pPr lvl="0" algn="ctr">
               <a:buClrTx/>
@@ -13062,9 +12877,6 @@
               </a:rPr>
               <a:t>SPI2_SCK</a:t>
             </a:r>
-            <a:endParaRPr lang="en-US" altLang="zh-CN" sz="1000">
-              <a:sym typeface="+mn-ea"/>
-            </a:endParaRPr>
           </a:p>
         </p:txBody>
       </p:sp>
@@ -13109,6 +12921,7 @@
           <a:bodyPr vertOverflow="overflow" horzOverflow="overflow" vert="horz" wrap="square" numCol="1" spcCol="0" rtlCol="0" fromWordArt="0" anchor="ctr" anchorCtr="0" forceAA="0" compatLnSpc="1">
             <a:noAutofit/>
           </a:bodyPr>
+          <a:lstStyle/>
           <a:p>
             <a:pPr lvl="0" algn="ctr">
               <a:buClrTx/>
@@ -13121,9 +12934,6 @@
               </a:rPr>
               <a:t>SPI1_MOSI</a:t>
             </a:r>
-            <a:endParaRPr lang="en-US" altLang="zh-CN" sz="1000">
-              <a:sym typeface="+mn-ea"/>
-            </a:endParaRPr>
           </a:p>
         </p:txBody>
       </p:sp>
@@ -13168,6 +12978,7 @@
           <a:bodyPr vertOverflow="overflow" horzOverflow="overflow" vert="horz" wrap="square" numCol="1" spcCol="0" rtlCol="0" fromWordArt="0" anchor="ctr" anchorCtr="0" forceAA="0" compatLnSpc="1">
             <a:noAutofit/>
           </a:bodyPr>
+          <a:lstStyle/>
           <a:p>
             <a:pPr lvl="0" algn="ctr">
               <a:buClrTx/>
@@ -13180,9 +12991,6 @@
               </a:rPr>
               <a:t>SPI1_MISO</a:t>
             </a:r>
-            <a:endParaRPr lang="en-US" altLang="zh-CN" sz="1000">
-              <a:sym typeface="+mn-ea"/>
-            </a:endParaRPr>
           </a:p>
         </p:txBody>
       </p:sp>
@@ -13227,6 +13035,7 @@
           <a:bodyPr vertOverflow="overflow" horzOverflow="overflow" vert="horz" wrap="square" numCol="1" spcCol="0" rtlCol="0" fromWordArt="0" anchor="ctr" anchorCtr="0" forceAA="0" compatLnSpc="1">
             <a:noAutofit/>
           </a:bodyPr>
+          <a:lstStyle/>
           <a:p>
             <a:pPr lvl="0" algn="ctr">
               <a:buClrTx/>
@@ -13239,9 +13048,6 @@
               </a:rPr>
               <a:t>SPI1_SCK</a:t>
             </a:r>
-            <a:endParaRPr lang="en-US" altLang="zh-CN" sz="1000">
-              <a:sym typeface="+mn-ea"/>
-            </a:endParaRPr>
           </a:p>
         </p:txBody>
       </p:sp>
@@ -13268,6 +13074,7 @@
           <a:bodyPr wrap="none" rtlCol="0" anchor="t">
             <a:spAutoFit/>
           </a:bodyPr>
+          <a:lstStyle/>
           <a:p>
             <a:pPr algn="ctr"/>
             <a:r>
@@ -13315,18 +13122,6 @@
               </a:rPr>
               <a:t>转换</a:t>
             </a:r>
-            <a:endParaRPr lang="zh-CN" altLang="en-US" sz="2800" b="1">
-              <a:solidFill>
-                <a:schemeClr val="tx1"/>
-              </a:solidFill>
-              <a:effectLst>
-                <a:outerShdw blurRad="38100" dist="19050" dir="2700000" algn="tl" rotWithShape="0">
-                  <a:schemeClr val="dk1">
-                    <a:alpha val="40000"/>
-                  </a:schemeClr>
-                </a:outerShdw>
-              </a:effectLst>
-            </a:endParaRPr>
           </a:p>
         </p:txBody>
       </p:sp>
@@ -13371,6 +13166,7 @@
           <a:bodyPr vertOverflow="overflow" horzOverflow="overflow" vert="horz" wrap="square" numCol="1" spcCol="0" rtlCol="0" fromWordArt="0" anchor="ctr" anchorCtr="0" forceAA="0" compatLnSpc="1">
             <a:noAutofit/>
           </a:bodyPr>
+          <a:lstStyle/>
           <a:p>
             <a:pPr lvl="0" algn="ctr">
               <a:buClrTx/>
@@ -13383,9 +13179,6 @@
               </a:rPr>
               <a:t>SPI</a:t>
             </a:r>
-            <a:endParaRPr lang="en-US" altLang="zh-CN" sz="1000">
-              <a:sym typeface="+mn-ea"/>
-            </a:endParaRPr>
           </a:p>
         </p:txBody>
       </p:sp>
@@ -13430,6 +13223,7 @@
           <a:bodyPr vertOverflow="overflow" horzOverflow="overflow" vert="horz" wrap="square" numCol="1" spcCol="0" rtlCol="0" fromWordArt="0" anchor="ctr" anchorCtr="0" forceAA="0" compatLnSpc="1">
             <a:noAutofit/>
           </a:bodyPr>
+          <a:lstStyle/>
           <a:p>
             <a:pPr lvl="0" algn="ctr">
               <a:buClrTx/>
@@ -13442,9 +13236,6 @@
               </a:rPr>
               <a:t>GPIO</a:t>
             </a:r>
-            <a:endParaRPr lang="en-US" altLang="zh-CN" sz="1000">
-              <a:sym typeface="+mn-ea"/>
-            </a:endParaRPr>
           </a:p>
         </p:txBody>
       </p:sp>
@@ -13489,6 +13280,7 @@
           <a:bodyPr vertOverflow="overflow" horzOverflow="overflow" vert="horz" wrap="square" numCol="1" spcCol="0" rtlCol="0" fromWordArt="0" anchor="ctr" anchorCtr="0" forceAA="0" compatLnSpc="1">
             <a:noAutofit/>
           </a:bodyPr>
+          <a:lstStyle/>
           <a:p>
             <a:pPr lvl="0" algn="ctr">
               <a:buClrTx/>
@@ -13501,9 +13293,6 @@
               </a:rPr>
               <a:t>USART</a:t>
             </a:r>
-            <a:endParaRPr lang="en-US" altLang="zh-CN" sz="1000">
-              <a:sym typeface="+mn-ea"/>
-            </a:endParaRPr>
           </a:p>
         </p:txBody>
       </p:sp>
@@ -13548,6 +13337,7 @@
           <a:bodyPr vertOverflow="overflow" horzOverflow="overflow" vert="horz" wrap="square" numCol="1" spcCol="0" rtlCol="0" fromWordArt="0" anchor="ctr" anchorCtr="0" forceAA="0" compatLnSpc="1">
             <a:noAutofit/>
           </a:bodyPr>
+          <a:lstStyle/>
           <a:p>
             <a:pPr lvl="0" algn="ctr">
               <a:buClrTx/>
@@ -13560,15 +13350,12 @@
               </a:rPr>
               <a:t>I2C</a:t>
             </a:r>
-            <a:endParaRPr lang="en-US" altLang="zh-CN" sz="1000">
-              <a:sym typeface="+mn-ea"/>
-            </a:endParaRPr>
           </a:p>
         </p:txBody>
       </p:sp>
     </p:spTree>
     <p:custDataLst>
-      <p:tags r:id="rId2"/>
+      <p:tags r:id="rId1"/>
     </p:custDataLst>
   </p:cSld>
   <p:clrMapOvr>
@@ -13603,7 +13390,7 @@
           <p:nvPr/>
         </p:nvPicPr>
         <p:blipFill>
-          <a:blip r:embed="rId1"/>
+          <a:blip r:embed="rId3"/>
           <a:srcRect l="9644" t="16589" r="8633" b="21140"/>
           <a:stretch>
             <a:fillRect/>
@@ -13619,9 +13406,753 @@
           </a:prstGeom>
         </p:spPr>
       </p:pic>
+      <p:sp>
+        <p:nvSpPr>
+          <p:cNvPr id="2" name="圆角矩形 172">
+            <a:extLst>
+              <a:ext uri="{FF2B5EF4-FFF2-40B4-BE49-F238E27FC236}">
+                <a16:creationId xmlns:a16="http://schemas.microsoft.com/office/drawing/2014/main" id="{73B4EAFF-6268-6828-FC60-FC7E49AD590B}"/>
+              </a:ext>
+            </a:extLst>
+          </p:cNvPr>
+          <p:cNvSpPr/>
+          <p:nvPr/>
+        </p:nvSpPr>
+        <p:spPr>
+          <a:xfrm>
+            <a:off x="7781898" y="463467"/>
+            <a:ext cx="1088969" cy="233680"/>
+          </a:xfrm>
+          <a:prstGeom prst="roundRect">
+            <a:avLst/>
+          </a:prstGeom>
+          <a:solidFill>
+            <a:schemeClr val="accent1"/>
+          </a:solidFill>
+          <a:ln>
+            <a:noFill/>
+          </a:ln>
+        </p:spPr>
+        <p:style>
+          <a:lnRef idx="2">
+            <a:schemeClr val="accent1">
+              <a:lumMod val="75000"/>
+            </a:schemeClr>
+          </a:lnRef>
+          <a:fillRef idx="1">
+            <a:schemeClr val="accent1"/>
+          </a:fillRef>
+          <a:effectRef idx="0">
+            <a:srgbClr val="FFFFFF"/>
+          </a:effectRef>
+          <a:fontRef idx="minor">
+            <a:schemeClr val="lt1"/>
+          </a:fontRef>
+        </p:style>
+        <p:txBody>
+          <a:bodyPr vertOverflow="overflow" horzOverflow="overflow" vert="horz" wrap="square" numCol="1" spcCol="0" rtlCol="0" fromWordArt="0" anchor="ctr" anchorCtr="0" forceAA="0" compatLnSpc="1">
+            <a:noAutofit/>
+          </a:bodyPr>
+          <a:lstStyle/>
+          <a:p>
+            <a:pPr lvl="0" algn="ctr">
+              <a:buClrTx/>
+              <a:buSzTx/>
+              <a:buFontTx/>
+            </a:pPr>
+            <a:r>
+              <a:rPr lang="en-US" altLang="zh-CN" sz="1000" dirty="0">
+                <a:sym typeface="+mn-ea"/>
+              </a:rPr>
+              <a:t>USB_C</a:t>
+            </a:r>
+            <a:r>
+              <a:rPr lang="zh-CN" altLang="en-US" sz="1000" dirty="0">
+                <a:sym typeface="+mn-ea"/>
+              </a:rPr>
+              <a:t>接口</a:t>
+            </a:r>
+            <a:endParaRPr lang="en-US" altLang="zh-CN" sz="1000" dirty="0">
+              <a:sym typeface="+mn-ea"/>
+            </a:endParaRPr>
+          </a:p>
+        </p:txBody>
+      </p:sp>
+      <p:sp>
+        <p:nvSpPr>
+          <p:cNvPr id="3" name="圆角矩形 172">
+            <a:extLst>
+              <a:ext uri="{FF2B5EF4-FFF2-40B4-BE49-F238E27FC236}">
+                <a16:creationId xmlns:a16="http://schemas.microsoft.com/office/drawing/2014/main" id="{B85DB457-1322-9F4B-3812-094AFC3CD0A5}"/>
+              </a:ext>
+            </a:extLst>
+          </p:cNvPr>
+          <p:cNvSpPr/>
+          <p:nvPr/>
+        </p:nvSpPr>
+        <p:spPr>
+          <a:xfrm>
+            <a:off x="3514699" y="1852683"/>
+            <a:ext cx="1088969" cy="233680"/>
+          </a:xfrm>
+          <a:prstGeom prst="roundRect">
+            <a:avLst/>
+          </a:prstGeom>
+          <a:solidFill>
+            <a:schemeClr val="accent1"/>
+          </a:solidFill>
+          <a:ln>
+            <a:noFill/>
+          </a:ln>
+        </p:spPr>
+        <p:style>
+          <a:lnRef idx="2">
+            <a:schemeClr val="accent1">
+              <a:lumMod val="75000"/>
+            </a:schemeClr>
+          </a:lnRef>
+          <a:fillRef idx="1">
+            <a:schemeClr val="accent1"/>
+          </a:fillRef>
+          <a:effectRef idx="0">
+            <a:srgbClr val="FFFFFF"/>
+          </a:effectRef>
+          <a:fontRef idx="minor">
+            <a:schemeClr val="lt1"/>
+          </a:fontRef>
+        </p:style>
+        <p:txBody>
+          <a:bodyPr vertOverflow="overflow" horzOverflow="overflow" vert="horz" wrap="square" numCol="1" spcCol="0" rtlCol="0" fromWordArt="0" anchor="ctr" anchorCtr="0" forceAA="0" compatLnSpc="1">
+            <a:noAutofit/>
+          </a:bodyPr>
+          <a:lstStyle/>
+          <a:p>
+            <a:pPr lvl="0" algn="ctr">
+              <a:buClrTx/>
+              <a:buSzTx/>
+              <a:buFontTx/>
+            </a:pPr>
+            <a:r>
+              <a:rPr lang="en-US" altLang="zh-CN" sz="1000" dirty="0">
+                <a:sym typeface="+mn-ea"/>
+              </a:rPr>
+              <a:t>LDO</a:t>
+            </a:r>
+          </a:p>
+        </p:txBody>
+      </p:sp>
+      <p:sp>
+        <p:nvSpPr>
+          <p:cNvPr id="5" name="圆角矩形 172">
+            <a:extLst>
+              <a:ext uri="{FF2B5EF4-FFF2-40B4-BE49-F238E27FC236}">
+                <a16:creationId xmlns:a16="http://schemas.microsoft.com/office/drawing/2014/main" id="{0052DF50-0725-F1F3-DFD6-435FA751CC94}"/>
+              </a:ext>
+            </a:extLst>
+          </p:cNvPr>
+          <p:cNvSpPr/>
+          <p:nvPr/>
+        </p:nvSpPr>
+        <p:spPr>
+          <a:xfrm>
+            <a:off x="7781899" y="1970512"/>
+            <a:ext cx="1088969" cy="233680"/>
+          </a:xfrm>
+          <a:prstGeom prst="roundRect">
+            <a:avLst/>
+          </a:prstGeom>
+          <a:solidFill>
+            <a:schemeClr val="accent1"/>
+          </a:solidFill>
+          <a:ln>
+            <a:noFill/>
+          </a:ln>
+        </p:spPr>
+        <p:style>
+          <a:lnRef idx="2">
+            <a:schemeClr val="accent1">
+              <a:lumMod val="75000"/>
+            </a:schemeClr>
+          </a:lnRef>
+          <a:fillRef idx="1">
+            <a:schemeClr val="accent1"/>
+          </a:fillRef>
+          <a:effectRef idx="0">
+            <a:srgbClr val="FFFFFF"/>
+          </a:effectRef>
+          <a:fontRef idx="minor">
+            <a:schemeClr val="lt1"/>
+          </a:fontRef>
+        </p:style>
+        <p:txBody>
+          <a:bodyPr vertOverflow="overflow" horzOverflow="overflow" vert="horz" wrap="square" numCol="1" spcCol="0" rtlCol="0" fromWordArt="0" anchor="ctr" anchorCtr="0" forceAA="0" compatLnSpc="1">
+            <a:noAutofit/>
+          </a:bodyPr>
+          <a:lstStyle/>
+          <a:p>
+            <a:pPr lvl="0" algn="ctr">
+              <a:buClrTx/>
+              <a:buSzTx/>
+              <a:buFontTx/>
+            </a:pPr>
+            <a:r>
+              <a:rPr lang="en-US" altLang="zh-CN" sz="1000" dirty="0">
+                <a:sym typeface="+mn-ea"/>
+              </a:rPr>
+              <a:t>POWER_LED</a:t>
+            </a:r>
+          </a:p>
+        </p:txBody>
+      </p:sp>
+      <p:sp>
+        <p:nvSpPr>
+          <p:cNvPr id="6" name="圆角矩形 172">
+            <a:extLst>
+              <a:ext uri="{FF2B5EF4-FFF2-40B4-BE49-F238E27FC236}">
+                <a16:creationId xmlns:a16="http://schemas.microsoft.com/office/drawing/2014/main" id="{C442FE30-FD28-772F-3EE7-5D56A202E6A8}"/>
+              </a:ext>
+            </a:extLst>
+          </p:cNvPr>
+          <p:cNvSpPr/>
+          <p:nvPr/>
+        </p:nvSpPr>
+        <p:spPr>
+          <a:xfrm>
+            <a:off x="7781900" y="2322813"/>
+            <a:ext cx="1088968" cy="233680"/>
+          </a:xfrm>
+          <a:prstGeom prst="roundRect">
+            <a:avLst/>
+          </a:prstGeom>
+          <a:solidFill>
+            <a:schemeClr val="accent1"/>
+          </a:solidFill>
+          <a:ln>
+            <a:noFill/>
+          </a:ln>
+        </p:spPr>
+        <p:style>
+          <a:lnRef idx="2">
+            <a:schemeClr val="accent1">
+              <a:lumMod val="75000"/>
+            </a:schemeClr>
+          </a:lnRef>
+          <a:fillRef idx="1">
+            <a:schemeClr val="accent1"/>
+          </a:fillRef>
+          <a:effectRef idx="0">
+            <a:srgbClr val="FFFFFF"/>
+          </a:effectRef>
+          <a:fontRef idx="minor">
+            <a:schemeClr val="lt1"/>
+          </a:fontRef>
+        </p:style>
+        <p:txBody>
+          <a:bodyPr vertOverflow="overflow" horzOverflow="overflow" vert="horz" wrap="square" numCol="1" spcCol="0" rtlCol="0" fromWordArt="0" anchor="ctr" anchorCtr="0" forceAA="0" compatLnSpc="1">
+            <a:noAutofit/>
+          </a:bodyPr>
+          <a:lstStyle/>
+          <a:p>
+            <a:pPr lvl="0" algn="ctr">
+              <a:buClrTx/>
+              <a:buSzTx/>
+              <a:buFontTx/>
+            </a:pPr>
+            <a:r>
+              <a:rPr lang="en-US" altLang="zh-CN" sz="1000" dirty="0">
+                <a:sym typeface="+mn-ea"/>
+              </a:rPr>
+              <a:t>USER_LED</a:t>
+            </a:r>
+          </a:p>
+        </p:txBody>
+      </p:sp>
+      <p:sp>
+        <p:nvSpPr>
+          <p:cNvPr id="7" name="圆角矩形 172">
+            <a:extLst>
+              <a:ext uri="{FF2B5EF4-FFF2-40B4-BE49-F238E27FC236}">
+                <a16:creationId xmlns:a16="http://schemas.microsoft.com/office/drawing/2014/main" id="{7D657D79-31EC-FA4A-4D8F-DC84F5604BE5}"/>
+              </a:ext>
+            </a:extLst>
+          </p:cNvPr>
+          <p:cNvSpPr/>
+          <p:nvPr/>
+        </p:nvSpPr>
+        <p:spPr>
+          <a:xfrm>
+            <a:off x="3514699" y="2708828"/>
+            <a:ext cx="1088968" cy="233680"/>
+          </a:xfrm>
+          <a:prstGeom prst="roundRect">
+            <a:avLst/>
+          </a:prstGeom>
+          <a:solidFill>
+            <a:schemeClr val="accent1"/>
+          </a:solidFill>
+          <a:ln>
+            <a:noFill/>
+          </a:ln>
+        </p:spPr>
+        <p:style>
+          <a:lnRef idx="2">
+            <a:schemeClr val="accent1">
+              <a:lumMod val="75000"/>
+            </a:schemeClr>
+          </a:lnRef>
+          <a:fillRef idx="1">
+            <a:schemeClr val="accent1"/>
+          </a:fillRef>
+          <a:effectRef idx="0">
+            <a:srgbClr val="FFFFFF"/>
+          </a:effectRef>
+          <a:fontRef idx="minor">
+            <a:schemeClr val="lt1"/>
+          </a:fontRef>
+        </p:style>
+        <p:txBody>
+          <a:bodyPr vertOverflow="overflow" horzOverflow="overflow" vert="horz" wrap="square" numCol="1" spcCol="0" rtlCol="0" fromWordArt="0" anchor="ctr" anchorCtr="0" forceAA="0" compatLnSpc="1">
+            <a:noAutofit/>
+          </a:bodyPr>
+          <a:lstStyle/>
+          <a:p>
+            <a:pPr lvl="0" algn="ctr">
+              <a:buClrTx/>
+              <a:buSzTx/>
+              <a:buFontTx/>
+            </a:pPr>
+            <a:r>
+              <a:rPr lang="en-US" altLang="zh-CN" sz="1000" dirty="0">
+                <a:sym typeface="+mn-ea"/>
+              </a:rPr>
+              <a:t>8MHz</a:t>
+            </a:r>
+            <a:r>
+              <a:rPr lang="zh-CN" altLang="en-US" sz="1000" dirty="0">
+                <a:sym typeface="+mn-ea"/>
+              </a:rPr>
+              <a:t>晶振</a:t>
+            </a:r>
+            <a:endParaRPr lang="en-US" altLang="zh-CN" sz="1000" dirty="0">
+              <a:sym typeface="+mn-ea"/>
+            </a:endParaRPr>
+          </a:p>
+        </p:txBody>
+      </p:sp>
+      <p:sp>
+        <p:nvSpPr>
+          <p:cNvPr id="8" name="圆角矩形 172">
+            <a:extLst>
+              <a:ext uri="{FF2B5EF4-FFF2-40B4-BE49-F238E27FC236}">
+                <a16:creationId xmlns:a16="http://schemas.microsoft.com/office/drawing/2014/main" id="{894FC888-A5A0-0876-F2BD-C125F760BC36}"/>
+              </a:ext>
+            </a:extLst>
+          </p:cNvPr>
+          <p:cNvSpPr/>
+          <p:nvPr/>
+        </p:nvSpPr>
+        <p:spPr>
+          <a:xfrm>
+            <a:off x="7781900" y="2708828"/>
+            <a:ext cx="1088968" cy="233680"/>
+          </a:xfrm>
+          <a:prstGeom prst="roundRect">
+            <a:avLst/>
+          </a:prstGeom>
+          <a:solidFill>
+            <a:schemeClr val="accent1"/>
+          </a:solidFill>
+          <a:ln>
+            <a:noFill/>
+          </a:ln>
+        </p:spPr>
+        <p:style>
+          <a:lnRef idx="2">
+            <a:schemeClr val="accent1">
+              <a:lumMod val="75000"/>
+            </a:schemeClr>
+          </a:lnRef>
+          <a:fillRef idx="1">
+            <a:schemeClr val="accent1"/>
+          </a:fillRef>
+          <a:effectRef idx="0">
+            <a:srgbClr val="FFFFFF"/>
+          </a:effectRef>
+          <a:fontRef idx="minor">
+            <a:schemeClr val="lt1"/>
+          </a:fontRef>
+        </p:style>
+        <p:txBody>
+          <a:bodyPr vertOverflow="overflow" horzOverflow="overflow" vert="horz" wrap="square" numCol="1" spcCol="0" rtlCol="0" fromWordArt="0" anchor="ctr" anchorCtr="0" forceAA="0" compatLnSpc="1">
+            <a:noAutofit/>
+          </a:bodyPr>
+          <a:lstStyle/>
+          <a:p>
+            <a:pPr lvl="0" algn="ctr">
+              <a:buClrTx/>
+              <a:buSzTx/>
+              <a:buFontTx/>
+            </a:pPr>
+            <a:r>
+              <a:rPr lang="en-US" altLang="zh-CN" sz="1000" dirty="0">
+                <a:sym typeface="+mn-ea"/>
+              </a:rPr>
+              <a:t>32.768KHz</a:t>
+            </a:r>
+            <a:r>
+              <a:rPr lang="zh-CN" altLang="en-US" sz="1000" dirty="0">
+                <a:sym typeface="+mn-ea"/>
+              </a:rPr>
+              <a:t>晶振</a:t>
+            </a:r>
+            <a:endParaRPr lang="en-US" altLang="zh-CN" sz="1000" dirty="0">
+              <a:sym typeface="+mn-ea"/>
+            </a:endParaRPr>
+          </a:p>
+        </p:txBody>
+      </p:sp>
+      <p:sp>
+        <p:nvSpPr>
+          <p:cNvPr id="9" name="圆角矩形 172">
+            <a:extLst>
+              <a:ext uri="{FF2B5EF4-FFF2-40B4-BE49-F238E27FC236}">
+                <a16:creationId xmlns:a16="http://schemas.microsoft.com/office/drawing/2014/main" id="{D38D82F4-BC59-3735-9F19-EB5FE30601BB}"/>
+              </a:ext>
+            </a:extLst>
+          </p:cNvPr>
+          <p:cNvSpPr/>
+          <p:nvPr/>
+        </p:nvSpPr>
+        <p:spPr>
+          <a:xfrm>
+            <a:off x="3514699" y="3681813"/>
+            <a:ext cx="1088968" cy="233680"/>
+          </a:xfrm>
+          <a:prstGeom prst="roundRect">
+            <a:avLst/>
+          </a:prstGeom>
+          <a:solidFill>
+            <a:schemeClr val="accent1"/>
+          </a:solidFill>
+          <a:ln>
+            <a:noFill/>
+          </a:ln>
+        </p:spPr>
+        <p:style>
+          <a:lnRef idx="2">
+            <a:schemeClr val="accent1">
+              <a:lumMod val="75000"/>
+            </a:schemeClr>
+          </a:lnRef>
+          <a:fillRef idx="1">
+            <a:schemeClr val="accent1"/>
+          </a:fillRef>
+          <a:effectRef idx="0">
+            <a:srgbClr val="FFFFFF"/>
+          </a:effectRef>
+          <a:fontRef idx="minor">
+            <a:schemeClr val="lt1"/>
+          </a:fontRef>
+        </p:style>
+        <p:txBody>
+          <a:bodyPr vertOverflow="overflow" horzOverflow="overflow" vert="horz" wrap="square" numCol="1" spcCol="0" rtlCol="0" fromWordArt="0" anchor="ctr" anchorCtr="0" forceAA="0" compatLnSpc="1">
+            <a:noAutofit/>
+          </a:bodyPr>
+          <a:lstStyle/>
+          <a:p>
+            <a:pPr lvl="0" algn="ctr">
+              <a:buClrTx/>
+              <a:buSzTx/>
+              <a:buFontTx/>
+            </a:pPr>
+            <a:r>
+              <a:rPr lang="en-US" altLang="zh-CN" sz="1000" dirty="0">
+                <a:sym typeface="+mn-ea"/>
+              </a:rPr>
+              <a:t>G431CBU6</a:t>
+            </a:r>
+          </a:p>
+        </p:txBody>
+      </p:sp>
+      <p:sp>
+        <p:nvSpPr>
+          <p:cNvPr id="10" name="圆角矩形 172">
+            <a:extLst>
+              <a:ext uri="{FF2B5EF4-FFF2-40B4-BE49-F238E27FC236}">
+                <a16:creationId xmlns:a16="http://schemas.microsoft.com/office/drawing/2014/main" id="{608D6D39-FA27-DA33-9932-86C5CC352054}"/>
+              </a:ext>
+            </a:extLst>
+          </p:cNvPr>
+          <p:cNvSpPr/>
+          <p:nvPr/>
+        </p:nvSpPr>
+        <p:spPr>
+          <a:xfrm>
+            <a:off x="3514699" y="4654798"/>
+            <a:ext cx="1088968" cy="233680"/>
+          </a:xfrm>
+          <a:prstGeom prst="roundRect">
+            <a:avLst/>
+          </a:prstGeom>
+          <a:solidFill>
+            <a:schemeClr val="accent1"/>
+          </a:solidFill>
+          <a:ln>
+            <a:noFill/>
+          </a:ln>
+        </p:spPr>
+        <p:style>
+          <a:lnRef idx="2">
+            <a:schemeClr val="accent1">
+              <a:lumMod val="75000"/>
+            </a:schemeClr>
+          </a:lnRef>
+          <a:fillRef idx="1">
+            <a:schemeClr val="accent1"/>
+          </a:fillRef>
+          <a:effectRef idx="0">
+            <a:srgbClr val="FFFFFF"/>
+          </a:effectRef>
+          <a:fontRef idx="minor">
+            <a:schemeClr val="lt1"/>
+          </a:fontRef>
+        </p:style>
+        <p:txBody>
+          <a:bodyPr vertOverflow="overflow" horzOverflow="overflow" vert="horz" wrap="square" numCol="1" spcCol="0" rtlCol="0" fromWordArt="0" anchor="ctr" anchorCtr="0" forceAA="0" compatLnSpc="1">
+            <a:noAutofit/>
+          </a:bodyPr>
+          <a:lstStyle/>
+          <a:p>
+            <a:pPr lvl="0" algn="ctr">
+              <a:buClrTx/>
+              <a:buSzTx/>
+              <a:buFontTx/>
+            </a:pPr>
+            <a:r>
+              <a:rPr lang="en-US" altLang="zh-CN" sz="1000" dirty="0">
+                <a:sym typeface="+mn-ea"/>
+              </a:rPr>
+              <a:t>RESET</a:t>
+            </a:r>
+            <a:r>
+              <a:rPr lang="zh-CN" altLang="en-US" sz="1000" dirty="0">
+                <a:sym typeface="+mn-ea"/>
+              </a:rPr>
+              <a:t>按键</a:t>
+            </a:r>
+            <a:endParaRPr lang="en-US" altLang="zh-CN" sz="1000" dirty="0">
+              <a:sym typeface="+mn-ea"/>
+            </a:endParaRPr>
+          </a:p>
+        </p:txBody>
+      </p:sp>
+      <p:sp>
+        <p:nvSpPr>
+          <p:cNvPr id="11" name="圆角矩形 172">
+            <a:extLst>
+              <a:ext uri="{FF2B5EF4-FFF2-40B4-BE49-F238E27FC236}">
+                <a16:creationId xmlns:a16="http://schemas.microsoft.com/office/drawing/2014/main" id="{BF4A8F8B-7850-B97A-8329-101F5FAE655E}"/>
+              </a:ext>
+            </a:extLst>
+          </p:cNvPr>
+          <p:cNvSpPr/>
+          <p:nvPr/>
+        </p:nvSpPr>
+        <p:spPr>
+          <a:xfrm>
+            <a:off x="7781898" y="4654798"/>
+            <a:ext cx="1088968" cy="233680"/>
+          </a:xfrm>
+          <a:prstGeom prst="roundRect">
+            <a:avLst/>
+          </a:prstGeom>
+          <a:solidFill>
+            <a:schemeClr val="accent1"/>
+          </a:solidFill>
+          <a:ln>
+            <a:noFill/>
+          </a:ln>
+        </p:spPr>
+        <p:style>
+          <a:lnRef idx="2">
+            <a:schemeClr val="accent1">
+              <a:lumMod val="75000"/>
+            </a:schemeClr>
+          </a:lnRef>
+          <a:fillRef idx="1">
+            <a:schemeClr val="accent1"/>
+          </a:fillRef>
+          <a:effectRef idx="0">
+            <a:srgbClr val="FFFFFF"/>
+          </a:effectRef>
+          <a:fontRef idx="minor">
+            <a:schemeClr val="lt1"/>
+          </a:fontRef>
+        </p:style>
+        <p:txBody>
+          <a:bodyPr vertOverflow="overflow" horzOverflow="overflow" vert="horz" wrap="square" numCol="1" spcCol="0" rtlCol="0" fromWordArt="0" anchor="ctr" anchorCtr="0" forceAA="0" compatLnSpc="1">
+            <a:noAutofit/>
+          </a:bodyPr>
+          <a:lstStyle/>
+          <a:p>
+            <a:pPr lvl="0" algn="ctr">
+              <a:buClrTx/>
+              <a:buSzTx/>
+              <a:buFontTx/>
+            </a:pPr>
+            <a:r>
+              <a:rPr lang="en-US" altLang="zh-CN" sz="1000" dirty="0">
+                <a:sym typeface="+mn-ea"/>
+              </a:rPr>
+              <a:t>BOOT</a:t>
+            </a:r>
+            <a:r>
+              <a:rPr lang="zh-CN" altLang="en-US" sz="1000" dirty="0">
+                <a:sym typeface="+mn-ea"/>
+              </a:rPr>
+              <a:t>按键</a:t>
+            </a:r>
+            <a:endParaRPr lang="en-US" altLang="zh-CN" sz="1000" dirty="0">
+              <a:sym typeface="+mn-ea"/>
+            </a:endParaRPr>
+          </a:p>
+        </p:txBody>
+      </p:sp>
+      <p:sp>
+        <p:nvSpPr>
+          <p:cNvPr id="12" name="圆角矩形 172">
+            <a:extLst>
+              <a:ext uri="{FF2B5EF4-FFF2-40B4-BE49-F238E27FC236}">
+                <a16:creationId xmlns:a16="http://schemas.microsoft.com/office/drawing/2014/main" id="{6F627BEC-7CCA-10F2-6F50-4B6D701228F2}"/>
+              </a:ext>
+            </a:extLst>
+          </p:cNvPr>
+          <p:cNvSpPr/>
+          <p:nvPr/>
+        </p:nvSpPr>
+        <p:spPr>
+          <a:xfrm>
+            <a:off x="3514699" y="1527233"/>
+            <a:ext cx="1088968" cy="233680"/>
+          </a:xfrm>
+          <a:prstGeom prst="roundRect">
+            <a:avLst/>
+          </a:prstGeom>
+          <a:solidFill>
+            <a:schemeClr val="accent1"/>
+          </a:solidFill>
+          <a:ln>
+            <a:noFill/>
+          </a:ln>
+        </p:spPr>
+        <p:style>
+          <a:lnRef idx="2">
+            <a:schemeClr val="accent1">
+              <a:lumMod val="75000"/>
+            </a:schemeClr>
+          </a:lnRef>
+          <a:fillRef idx="1">
+            <a:schemeClr val="accent1"/>
+          </a:fillRef>
+          <a:effectRef idx="0">
+            <a:srgbClr val="FFFFFF"/>
+          </a:effectRef>
+          <a:fontRef idx="minor">
+            <a:schemeClr val="lt1"/>
+          </a:fontRef>
+        </p:style>
+        <p:txBody>
+          <a:bodyPr vertOverflow="overflow" horzOverflow="overflow" vert="horz" wrap="square" numCol="1" spcCol="0" rtlCol="0" fromWordArt="0" anchor="ctr" anchorCtr="0" forceAA="0" compatLnSpc="1">
+            <a:noAutofit/>
+          </a:bodyPr>
+          <a:lstStyle/>
+          <a:p>
+            <a:pPr lvl="0" algn="ctr">
+              <a:buClrTx/>
+              <a:buSzTx/>
+              <a:buFontTx/>
+            </a:pPr>
+            <a:r>
+              <a:rPr lang="zh-CN" altLang="en-US" sz="1000" dirty="0">
+                <a:sym typeface="+mn-ea"/>
+              </a:rPr>
+              <a:t>自恢复保险丝</a:t>
+            </a:r>
+            <a:endParaRPr lang="en-US" altLang="zh-CN" sz="1000" dirty="0">
+              <a:sym typeface="+mn-ea"/>
+            </a:endParaRPr>
+          </a:p>
+        </p:txBody>
+      </p:sp>
+      <p:sp>
+        <p:nvSpPr>
+          <p:cNvPr id="13" name="圆角矩形 172">
+            <a:extLst>
+              <a:ext uri="{FF2B5EF4-FFF2-40B4-BE49-F238E27FC236}">
+                <a16:creationId xmlns:a16="http://schemas.microsoft.com/office/drawing/2014/main" id="{FF8DE1A9-39DC-3EFB-8DC7-E94F746EC46C}"/>
+              </a:ext>
+            </a:extLst>
+          </p:cNvPr>
+          <p:cNvSpPr/>
+          <p:nvPr/>
+        </p:nvSpPr>
+        <p:spPr>
+          <a:xfrm>
+            <a:off x="7781897" y="1410393"/>
+            <a:ext cx="1088968" cy="233680"/>
+          </a:xfrm>
+          <a:prstGeom prst="roundRect">
+            <a:avLst/>
+          </a:prstGeom>
+          <a:solidFill>
+            <a:schemeClr val="accent1"/>
+          </a:solidFill>
+          <a:ln>
+            <a:noFill/>
+          </a:ln>
+        </p:spPr>
+        <p:style>
+          <a:lnRef idx="2">
+            <a:schemeClr val="accent1">
+              <a:lumMod val="75000"/>
+            </a:schemeClr>
+          </a:lnRef>
+          <a:fillRef idx="1">
+            <a:schemeClr val="accent1"/>
+          </a:fillRef>
+          <a:effectRef idx="0">
+            <a:srgbClr val="FFFFFF"/>
+          </a:effectRef>
+          <a:fontRef idx="minor">
+            <a:schemeClr val="lt1"/>
+          </a:fontRef>
+        </p:style>
+        <p:txBody>
+          <a:bodyPr vertOverflow="overflow" horzOverflow="overflow" vert="horz" wrap="square" numCol="1" spcCol="0" rtlCol="0" fromWordArt="0" anchor="ctr" anchorCtr="0" forceAA="0" compatLnSpc="1">
+            <a:noAutofit/>
+          </a:bodyPr>
+          <a:lstStyle/>
+          <a:p>
+            <a:pPr lvl="0" algn="ctr">
+              <a:buClrTx/>
+              <a:buSzTx/>
+              <a:buFontTx/>
+            </a:pPr>
+            <a:r>
+              <a:rPr lang="zh-CN" altLang="en-US" sz="1000" dirty="0">
+                <a:sym typeface="+mn-ea"/>
+              </a:rPr>
+              <a:t>肖特基二极管</a:t>
+            </a:r>
+            <a:endParaRPr lang="en-US" altLang="zh-CN" sz="1000" dirty="0">
+              <a:sym typeface="+mn-ea"/>
+            </a:endParaRPr>
+          </a:p>
+        </p:txBody>
+      </p:sp>
     </p:spTree>
     <p:custDataLst>
-      <p:tags r:id="rId2"/>
+      <p:tags r:id="rId1"/>
     </p:custDataLst>
   </p:cSld>
   <p:clrMapOvr>
@@ -13631,7 +14162,13 @@
 </file>
 
 <file path=ppt/tags/tag1.xml><?xml version="1.0" encoding="utf-8"?>
-<p:tagLst xmlns:p="http://schemas.openxmlformats.org/presentationml/2006/main">
+<p:tagLst xmlns:a="http://schemas.openxmlformats.org/drawingml/2006/main" xmlns:r="http://schemas.openxmlformats.org/officeDocument/2006/relationships" xmlns:p="http://schemas.openxmlformats.org/presentationml/2006/main">
+  <p:tag name="COMMONDATA" val="eyJoZGlkIjoiMTIxOWRkOTg3NTlmOThjNjI1MzMwOTYyYmY5ZDg4NTcifQ=="/>
+</p:tagLst>
+</file>
+
+<file path=ppt/tags/tag10.xml><?xml version="1.0" encoding="utf-8"?>
+<p:tagLst xmlns:a="http://schemas.openxmlformats.org/drawingml/2006/main" xmlns:r="http://schemas.openxmlformats.org/officeDocument/2006/relationships" xmlns:p="http://schemas.openxmlformats.org/presentationml/2006/main">
   <p:tag name="KSO_WM_UNIT_HIGHLIGHT" val="0"/>
   <p:tag name="KSO_WM_UNIT_COMPATIBLE" val="0"/>
   <p:tag name="KSO_WM_UNIT_DIAGRAM_ISNUMVISUAL" val="0"/>
@@ -13643,8 +14180,34 @@
 </p:tagLst>
 </file>
 
-<file path=ppt/tags/tag10.xml><?xml version="1.0" encoding="utf-8"?>
-<p:tagLst xmlns:p="http://schemas.openxmlformats.org/presentationml/2006/main">
+<file path=ppt/tags/tag11.xml><?xml version="1.0" encoding="utf-8"?>
+<p:tagLst xmlns:a="http://schemas.openxmlformats.org/drawingml/2006/main" xmlns:r="http://schemas.openxmlformats.org/officeDocument/2006/relationships" xmlns:p="http://schemas.openxmlformats.org/presentationml/2006/main">
+  <p:tag name="KSO_WM_UNIT_HIGHLIGHT" val="0"/>
+  <p:tag name="KSO_WM_UNIT_COMPATIBLE" val="0"/>
+  <p:tag name="KSO_WM_UNIT_DIAGRAM_ISNUMVISUAL" val="0"/>
+  <p:tag name="KSO_WM_UNIT_DIAGRAM_ISREFERUNIT" val="0"/>
+  <p:tag name="KSO_WM_UNIT_ID" val="_1**"/>
+  <p:tag name="KSO_WM_UNIT_LAYERLEVEL" val="1"/>
+  <p:tag name="KSO_WM_TAG_VERSION" val="1.0"/>
+  <p:tag name="KSO_WM_BEAUTIFY_FLAG" val="#wm#"/>
+</p:tagLst>
+</file>
+
+<file path=ppt/tags/tag12.xml><?xml version="1.0" encoding="utf-8"?>
+<p:tagLst xmlns:a="http://schemas.openxmlformats.org/drawingml/2006/main" xmlns:r="http://schemas.openxmlformats.org/officeDocument/2006/relationships" xmlns:p="http://schemas.openxmlformats.org/presentationml/2006/main">
+  <p:tag name="KSO_WM_UNIT_HIGHLIGHT" val="0"/>
+  <p:tag name="KSO_WM_UNIT_COMPATIBLE" val="0"/>
+  <p:tag name="KSO_WM_UNIT_DIAGRAM_ISNUMVISUAL" val="0"/>
+  <p:tag name="KSO_WM_UNIT_DIAGRAM_ISREFERUNIT" val="0"/>
+  <p:tag name="KSO_WM_UNIT_ID" val="_1**"/>
+  <p:tag name="KSO_WM_UNIT_LAYERLEVEL" val="1"/>
+  <p:tag name="KSO_WM_TAG_VERSION" val="1.0"/>
+  <p:tag name="KSO_WM_BEAUTIFY_FLAG" val="#wm#"/>
+</p:tagLst>
+</file>
+
+<file path=ppt/tags/tag13.xml><?xml version="1.0" encoding="utf-8"?>
+<p:tagLst xmlns:a="http://schemas.openxmlformats.org/drawingml/2006/main" xmlns:r="http://schemas.openxmlformats.org/officeDocument/2006/relationships" xmlns:p="http://schemas.openxmlformats.org/presentationml/2006/main">
   <p:tag name="KSO_WM_UNIT_HIGHLIGHT" val="0"/>
   <p:tag name="KSO_WM_UNIT_COMPATIBLE" val="0"/>
   <p:tag name="KSO_WM_UNIT_DIAGRAM_ISNUMVISUAL" val="0"/>
@@ -13656,8 +14219,60 @@
 </p:tagLst>
 </file>
 
-<file path=ppt/tags/tag11.xml><?xml version="1.0" encoding="utf-8"?>
-<p:tagLst xmlns:p="http://schemas.openxmlformats.org/presentationml/2006/main">
+<file path=ppt/tags/tag14.xml><?xml version="1.0" encoding="utf-8"?>
+<p:tagLst xmlns:a="http://schemas.openxmlformats.org/drawingml/2006/main" xmlns:r="http://schemas.openxmlformats.org/officeDocument/2006/relationships" xmlns:p="http://schemas.openxmlformats.org/presentationml/2006/main">
+  <p:tag name="KSO_WM_UNIT_HIGHLIGHT" val="0"/>
+  <p:tag name="KSO_WM_UNIT_COMPATIBLE" val="0"/>
+  <p:tag name="KSO_WM_UNIT_DIAGRAM_ISNUMVISUAL" val="0"/>
+  <p:tag name="KSO_WM_UNIT_DIAGRAM_ISREFERUNIT" val="0"/>
+  <p:tag name="KSO_WM_UNIT_ID" val="_2**"/>
+  <p:tag name="KSO_WM_UNIT_LAYERLEVEL" val="1"/>
+  <p:tag name="KSO_WM_TAG_VERSION" val="1.0"/>
+  <p:tag name="KSO_WM_BEAUTIFY_FLAG" val="#wm#"/>
+</p:tagLst>
+</file>
+
+<file path=ppt/tags/tag15.xml><?xml version="1.0" encoding="utf-8"?>
+<p:tagLst xmlns:a="http://schemas.openxmlformats.org/drawingml/2006/main" xmlns:r="http://schemas.openxmlformats.org/officeDocument/2006/relationships" xmlns:p="http://schemas.openxmlformats.org/presentationml/2006/main">
+  <p:tag name="KSO_WM_UNIT_HIGHLIGHT" val="0"/>
+  <p:tag name="KSO_WM_UNIT_COMPATIBLE" val="0"/>
+  <p:tag name="KSO_WM_UNIT_DIAGRAM_ISNUMVISUAL" val="0"/>
+  <p:tag name="KSO_WM_UNIT_DIAGRAM_ISREFERUNIT" val="0"/>
+  <p:tag name="KSO_WM_UNIT_ID" val="_2**"/>
+  <p:tag name="KSO_WM_UNIT_LAYERLEVEL" val="1"/>
+  <p:tag name="KSO_WM_TAG_VERSION" val="1.0"/>
+  <p:tag name="KSO_WM_BEAUTIFY_FLAG" val="#wm#"/>
+</p:tagLst>
+</file>
+
+<file path=ppt/tags/tag16.xml><?xml version="1.0" encoding="utf-8"?>
+<p:tagLst xmlns:a="http://schemas.openxmlformats.org/drawingml/2006/main" xmlns:r="http://schemas.openxmlformats.org/officeDocument/2006/relationships" xmlns:p="http://schemas.openxmlformats.org/presentationml/2006/main">
+  <p:tag name="KSO_WM_UNIT_HIGHLIGHT" val="0"/>
+  <p:tag name="KSO_WM_UNIT_COMPATIBLE" val="0"/>
+  <p:tag name="KSO_WM_UNIT_DIAGRAM_ISNUMVISUAL" val="0"/>
+  <p:tag name="KSO_WM_UNIT_DIAGRAM_ISREFERUNIT" val="0"/>
+  <p:tag name="KSO_WM_UNIT_ID" val="_2**"/>
+  <p:tag name="KSO_WM_UNIT_LAYERLEVEL" val="1"/>
+  <p:tag name="KSO_WM_TAG_VERSION" val="1.0"/>
+  <p:tag name="KSO_WM_BEAUTIFY_FLAG" val="#wm#"/>
+</p:tagLst>
+</file>
+
+<file path=ppt/tags/tag17.xml><?xml version="1.0" encoding="utf-8"?>
+<p:tagLst xmlns:a="http://schemas.openxmlformats.org/drawingml/2006/main" xmlns:r="http://schemas.openxmlformats.org/officeDocument/2006/relationships" xmlns:p="http://schemas.openxmlformats.org/presentationml/2006/main">
+  <p:tag name="KSO_WM_UNIT_HIGHLIGHT" val="0"/>
+  <p:tag name="KSO_WM_UNIT_COMPATIBLE" val="0"/>
+  <p:tag name="KSO_WM_UNIT_DIAGRAM_ISNUMVISUAL" val="0"/>
+  <p:tag name="KSO_WM_UNIT_DIAGRAM_ISREFERUNIT" val="0"/>
+  <p:tag name="KSO_WM_UNIT_ID" val="_2**"/>
+  <p:tag name="KSO_WM_UNIT_LAYERLEVEL" val="1"/>
+  <p:tag name="KSO_WM_TAG_VERSION" val="1.0"/>
+  <p:tag name="KSO_WM_BEAUTIFY_FLAG" val="#wm#"/>
+</p:tagLst>
+</file>
+
+<file path=ppt/tags/tag18.xml><?xml version="1.0" encoding="utf-8"?>
+<p:tagLst xmlns:a="http://schemas.openxmlformats.org/drawingml/2006/main" xmlns:r="http://schemas.openxmlformats.org/officeDocument/2006/relationships" xmlns:p="http://schemas.openxmlformats.org/presentationml/2006/main">
   <p:tag name="KSO_WM_UNIT_HIGHLIGHT" val="0"/>
   <p:tag name="KSO_WM_UNIT_COMPATIBLE" val="0"/>
   <p:tag name="KSO_WM_UNIT_DIAGRAM_ISNUMVISUAL" val="0"/>
@@ -13669,8 +14284,8 @@
 </p:tagLst>
 </file>
 
-<file path=ppt/tags/tag12.xml><?xml version="1.0" encoding="utf-8"?>
-<p:tagLst xmlns:p="http://schemas.openxmlformats.org/presentationml/2006/main">
+<file path=ppt/tags/tag19.xml><?xml version="1.0" encoding="utf-8"?>
+<p:tagLst xmlns:a="http://schemas.openxmlformats.org/drawingml/2006/main" xmlns:r="http://schemas.openxmlformats.org/officeDocument/2006/relationships" xmlns:p="http://schemas.openxmlformats.org/presentationml/2006/main">
   <p:tag name="KSO_WM_UNIT_HIGHLIGHT" val="0"/>
   <p:tag name="KSO_WM_UNIT_COMPATIBLE" val="0"/>
   <p:tag name="KSO_WM_UNIT_DIAGRAM_ISNUMVISUAL" val="0"/>
@@ -13682,8 +14297,22 @@
 </p:tagLst>
 </file>
 
-<file path=ppt/tags/tag13.xml><?xml version="1.0" encoding="utf-8"?>
-<p:tagLst xmlns:p="http://schemas.openxmlformats.org/presentationml/2006/main">
+<file path=ppt/tags/tag2.xml><?xml version="1.0" encoding="utf-8"?>
+<p:tagLst xmlns:a="http://schemas.openxmlformats.org/drawingml/2006/main" xmlns:r="http://schemas.openxmlformats.org/officeDocument/2006/relationships" xmlns:p="http://schemas.openxmlformats.org/presentationml/2006/main">
+  <p:tag name="KSO_WM_TEMPLATE_THUMBS_INDEX" val="1、4、7、12、13、14、15、16、17、18、20、24、25、28、33、36、40、43、44"/>
+  <p:tag name="KSO_WM_TEMPLATE_SUBCATEGORY" val="19"/>
+  <p:tag name="KSO_WM_TAG_VERSION" val="1.0"/>
+  <p:tag name="KSO_WM_BEAUTIFY_FLAG" val="#wm#"/>
+  <p:tag name="KSO_WM_TEMPLATE_CATEGORY" val="custom"/>
+  <p:tag name="KSO_WM_TEMPLATE_INDEX" val="20205081"/>
+  <p:tag name="KSO_WM_TEMPLATE_MASTER_TYPE" val="0"/>
+  <p:tag name="KSO_WM_TEMPLATE_COLOR_TYPE" val="1"/>
+  <p:tag name="KSO_WM_UNIT_SHOW_EDIT_AREA_INDICATION" val="1"/>
+</p:tagLst>
+</file>
+
+<file path=ppt/tags/tag20.xml><?xml version="1.0" encoding="utf-8"?>
+<p:tagLst xmlns:a="http://schemas.openxmlformats.org/drawingml/2006/main" xmlns:r="http://schemas.openxmlformats.org/officeDocument/2006/relationships" xmlns:p="http://schemas.openxmlformats.org/presentationml/2006/main">
   <p:tag name="KSO_WM_UNIT_HIGHLIGHT" val="0"/>
   <p:tag name="KSO_WM_UNIT_COMPATIBLE" val="0"/>
   <p:tag name="KSO_WM_UNIT_DIAGRAM_ISNUMVISUAL" val="0"/>
@@ -13695,8 +14324,8 @@
 </p:tagLst>
 </file>
 
-<file path=ppt/tags/tag14.xml><?xml version="1.0" encoding="utf-8"?>
-<p:tagLst xmlns:p="http://schemas.openxmlformats.org/presentationml/2006/main">
+<file path=ppt/tags/tag21.xml><?xml version="1.0" encoding="utf-8"?>
+<p:tagLst xmlns:a="http://schemas.openxmlformats.org/drawingml/2006/main" xmlns:r="http://schemas.openxmlformats.org/officeDocument/2006/relationships" xmlns:p="http://schemas.openxmlformats.org/presentationml/2006/main">
   <p:tag name="KSO_WM_UNIT_HIGHLIGHT" val="0"/>
   <p:tag name="KSO_WM_UNIT_COMPATIBLE" val="0"/>
   <p:tag name="KSO_WM_UNIT_DIAGRAM_ISNUMVISUAL" val="0"/>
@@ -13708,8 +14337,8 @@
 </p:tagLst>
 </file>
 
-<file path=ppt/tags/tag15.xml><?xml version="1.0" encoding="utf-8"?>
-<p:tagLst xmlns:p="http://schemas.openxmlformats.org/presentationml/2006/main">
+<file path=ppt/tags/tag22.xml><?xml version="1.0" encoding="utf-8"?>
+<p:tagLst xmlns:a="http://schemas.openxmlformats.org/drawingml/2006/main" xmlns:r="http://schemas.openxmlformats.org/officeDocument/2006/relationships" xmlns:p="http://schemas.openxmlformats.org/presentationml/2006/main">
   <p:tag name="KSO_WM_UNIT_HIGHLIGHT" val="0"/>
   <p:tag name="KSO_WM_UNIT_COMPATIBLE" val="0"/>
   <p:tag name="KSO_WM_UNIT_DIAGRAM_ISNUMVISUAL" val="0"/>
@@ -13721,8 +14350,8 @@
 </p:tagLst>
 </file>
 
-<file path=ppt/tags/tag16.xml><?xml version="1.0" encoding="utf-8"?>
-<p:tagLst xmlns:p="http://schemas.openxmlformats.org/presentationml/2006/main">
+<file path=ppt/tags/tag23.xml><?xml version="1.0" encoding="utf-8"?>
+<p:tagLst xmlns:a="http://schemas.openxmlformats.org/drawingml/2006/main" xmlns:r="http://schemas.openxmlformats.org/officeDocument/2006/relationships" xmlns:p="http://schemas.openxmlformats.org/presentationml/2006/main">
   <p:tag name="KSO_WM_UNIT_HIGHLIGHT" val="0"/>
   <p:tag name="KSO_WM_UNIT_COMPATIBLE" val="0"/>
   <p:tag name="KSO_WM_UNIT_DIAGRAM_ISNUMVISUAL" val="0"/>
@@ -13734,8 +14363,8 @@
 </p:tagLst>
 </file>
 
-<file path=ppt/tags/tag17.xml><?xml version="1.0" encoding="utf-8"?>
-<p:tagLst xmlns:p="http://schemas.openxmlformats.org/presentationml/2006/main">
+<file path=ppt/tags/tag24.xml><?xml version="1.0" encoding="utf-8"?>
+<p:tagLst xmlns:a="http://schemas.openxmlformats.org/drawingml/2006/main" xmlns:r="http://schemas.openxmlformats.org/officeDocument/2006/relationships" xmlns:p="http://schemas.openxmlformats.org/presentationml/2006/main">
   <p:tag name="KSO_WM_UNIT_HIGHLIGHT" val="0"/>
   <p:tag name="KSO_WM_UNIT_COMPATIBLE" val="0"/>
   <p:tag name="KSO_WM_UNIT_DIAGRAM_ISNUMVISUAL" val="0"/>
@@ -13747,8 +14376,8 @@
 </p:tagLst>
 </file>
 
-<file path=ppt/tags/tag18.xml><?xml version="1.0" encoding="utf-8"?>
-<p:tagLst xmlns:p="http://schemas.openxmlformats.org/presentationml/2006/main">
+<file path=ppt/tags/tag25.xml><?xml version="1.0" encoding="utf-8"?>
+<p:tagLst xmlns:a="http://schemas.openxmlformats.org/drawingml/2006/main" xmlns:r="http://schemas.openxmlformats.org/officeDocument/2006/relationships" xmlns:p="http://schemas.openxmlformats.org/presentationml/2006/main">
   <p:tag name="KSO_WM_UNIT_HIGHLIGHT" val="0"/>
   <p:tag name="KSO_WM_UNIT_COMPATIBLE" val="0"/>
   <p:tag name="KSO_WM_UNIT_DIAGRAM_ISNUMVISUAL" val="0"/>
@@ -13760,8 +14389,8 @@
 </p:tagLst>
 </file>
 
-<file path=ppt/tags/tag19.xml><?xml version="1.0" encoding="utf-8"?>
-<p:tagLst xmlns:p="http://schemas.openxmlformats.org/presentationml/2006/main">
+<file path=ppt/tags/tag26.xml><?xml version="1.0" encoding="utf-8"?>
+<p:tagLst xmlns:a="http://schemas.openxmlformats.org/drawingml/2006/main" xmlns:r="http://schemas.openxmlformats.org/officeDocument/2006/relationships" xmlns:p="http://schemas.openxmlformats.org/presentationml/2006/main">
   <p:tag name="KSO_WM_UNIT_HIGHLIGHT" val="0"/>
   <p:tag name="KSO_WM_UNIT_COMPATIBLE" val="0"/>
   <p:tag name="KSO_WM_UNIT_DIAGRAM_ISNUMVISUAL" val="0"/>
@@ -13773,21 +14402,8 @@
 </p:tagLst>
 </file>
 
-<file path=ppt/tags/tag2.xml><?xml version="1.0" encoding="utf-8"?>
-<p:tagLst xmlns:p="http://schemas.openxmlformats.org/presentationml/2006/main">
-  <p:tag name="KSO_WM_UNIT_HIGHLIGHT" val="0"/>
-  <p:tag name="KSO_WM_UNIT_COMPATIBLE" val="0"/>
-  <p:tag name="KSO_WM_UNIT_DIAGRAM_ISNUMVISUAL" val="0"/>
-  <p:tag name="KSO_WM_UNIT_DIAGRAM_ISREFERUNIT" val="0"/>
-  <p:tag name="KSO_WM_UNIT_ID" val="_1**"/>
-  <p:tag name="KSO_WM_UNIT_LAYERLEVEL" val="1"/>
-  <p:tag name="KSO_WM_TAG_VERSION" val="1.0"/>
-  <p:tag name="KSO_WM_BEAUTIFY_FLAG" val="#wm#"/>
-</p:tagLst>
-</file>
-
-<file path=ppt/tags/tag20.xml><?xml version="1.0" encoding="utf-8"?>
-<p:tagLst xmlns:p="http://schemas.openxmlformats.org/presentationml/2006/main">
+<file path=ppt/tags/tag27.xml><?xml version="1.0" encoding="utf-8"?>
+<p:tagLst xmlns:a="http://schemas.openxmlformats.org/drawingml/2006/main" xmlns:r="http://schemas.openxmlformats.org/officeDocument/2006/relationships" xmlns:p="http://schemas.openxmlformats.org/presentationml/2006/main">
   <p:tag name="KSO_WM_UNIT_HIGHLIGHT" val="0"/>
   <p:tag name="KSO_WM_UNIT_COMPATIBLE" val="0"/>
   <p:tag name="KSO_WM_UNIT_DIAGRAM_ISNUMVISUAL" val="0"/>
@@ -13799,8 +14415,8 @@
 </p:tagLst>
 </file>
 
-<file path=ppt/tags/tag21.xml><?xml version="1.0" encoding="utf-8"?>
-<p:tagLst xmlns:p="http://schemas.openxmlformats.org/presentationml/2006/main">
+<file path=ppt/tags/tag28.xml><?xml version="1.0" encoding="utf-8"?>
+<p:tagLst xmlns:a="http://schemas.openxmlformats.org/drawingml/2006/main" xmlns:r="http://schemas.openxmlformats.org/officeDocument/2006/relationships" xmlns:p="http://schemas.openxmlformats.org/presentationml/2006/main">
   <p:tag name="KSO_WM_UNIT_HIGHLIGHT" val="0"/>
   <p:tag name="KSO_WM_UNIT_COMPATIBLE" val="0"/>
   <p:tag name="KSO_WM_UNIT_DIAGRAM_ISNUMVISUAL" val="0"/>
@@ -13812,99 +14428,8 @@
 </p:tagLst>
 </file>
 
-<file path=ppt/tags/tag22.xml><?xml version="1.0" encoding="utf-8"?>
-<p:tagLst xmlns:p="http://schemas.openxmlformats.org/presentationml/2006/main">
-  <p:tag name="KSO_WM_UNIT_HIGHLIGHT" val="0"/>
-  <p:tag name="KSO_WM_UNIT_COMPATIBLE" val="0"/>
-  <p:tag name="KSO_WM_UNIT_DIAGRAM_ISNUMVISUAL" val="0"/>
-  <p:tag name="KSO_WM_UNIT_DIAGRAM_ISREFERUNIT" val="0"/>
-  <p:tag name="KSO_WM_UNIT_ID" val="_5**"/>
-  <p:tag name="KSO_WM_UNIT_LAYERLEVEL" val="1"/>
-  <p:tag name="KSO_WM_TAG_VERSION" val="1.0"/>
-  <p:tag name="KSO_WM_BEAUTIFY_FLAG" val="#wm#"/>
-</p:tagLst>
-</file>
-
-<file path=ppt/tags/tag23.xml><?xml version="1.0" encoding="utf-8"?>
-<p:tagLst xmlns:p="http://schemas.openxmlformats.org/presentationml/2006/main">
-  <p:tag name="KSO_WM_UNIT_HIGHLIGHT" val="0"/>
-  <p:tag name="KSO_WM_UNIT_COMPATIBLE" val="0"/>
-  <p:tag name="KSO_WM_UNIT_DIAGRAM_ISNUMVISUAL" val="0"/>
-  <p:tag name="KSO_WM_UNIT_DIAGRAM_ISREFERUNIT" val="0"/>
-  <p:tag name="KSO_WM_UNIT_ID" val="_5**"/>
-  <p:tag name="KSO_WM_UNIT_LAYERLEVEL" val="1"/>
-  <p:tag name="KSO_WM_TAG_VERSION" val="1.0"/>
-  <p:tag name="KSO_WM_BEAUTIFY_FLAG" val="#wm#"/>
-</p:tagLst>
-</file>
-
-<file path=ppt/tags/tag24.xml><?xml version="1.0" encoding="utf-8"?>
-<p:tagLst xmlns:p="http://schemas.openxmlformats.org/presentationml/2006/main">
-  <p:tag name="KSO_WM_UNIT_HIGHLIGHT" val="0"/>
-  <p:tag name="KSO_WM_UNIT_COMPATIBLE" val="0"/>
-  <p:tag name="KSO_WM_UNIT_DIAGRAM_ISNUMVISUAL" val="0"/>
-  <p:tag name="KSO_WM_UNIT_DIAGRAM_ISREFERUNIT" val="0"/>
-  <p:tag name="KSO_WM_UNIT_ID" val="_5**"/>
-  <p:tag name="KSO_WM_UNIT_LAYERLEVEL" val="1"/>
-  <p:tag name="KSO_WM_TAG_VERSION" val="1.0"/>
-  <p:tag name="KSO_WM_BEAUTIFY_FLAG" val="#wm#"/>
-</p:tagLst>
-</file>
-
-<file path=ppt/tags/tag25.xml><?xml version="1.0" encoding="utf-8"?>
-<p:tagLst xmlns:p="http://schemas.openxmlformats.org/presentationml/2006/main">
-  <p:tag name="KSO_WM_UNIT_HIGHLIGHT" val="0"/>
-  <p:tag name="KSO_WM_UNIT_COMPATIBLE" val="0"/>
-  <p:tag name="KSO_WM_UNIT_DIAGRAM_ISNUMVISUAL" val="0"/>
-  <p:tag name="KSO_WM_UNIT_DIAGRAM_ISREFERUNIT" val="0"/>
-  <p:tag name="KSO_WM_UNIT_ID" val="_5**"/>
-  <p:tag name="KSO_WM_UNIT_LAYERLEVEL" val="1"/>
-  <p:tag name="KSO_WM_TAG_VERSION" val="1.0"/>
-  <p:tag name="KSO_WM_BEAUTIFY_FLAG" val="#wm#"/>
-</p:tagLst>
-</file>
-
-<file path=ppt/tags/tag26.xml><?xml version="1.0" encoding="utf-8"?>
-<p:tagLst xmlns:p="http://schemas.openxmlformats.org/presentationml/2006/main">
-  <p:tag name="KSO_WM_UNIT_HIGHLIGHT" val="0"/>
-  <p:tag name="KSO_WM_UNIT_COMPATIBLE" val="0"/>
-  <p:tag name="KSO_WM_UNIT_DIAGRAM_ISNUMVISUAL" val="0"/>
-  <p:tag name="KSO_WM_UNIT_DIAGRAM_ISREFERUNIT" val="0"/>
-  <p:tag name="KSO_WM_UNIT_ID" val="_5**"/>
-  <p:tag name="KSO_WM_UNIT_LAYERLEVEL" val="1"/>
-  <p:tag name="KSO_WM_TAG_VERSION" val="1.0"/>
-  <p:tag name="KSO_WM_BEAUTIFY_FLAG" val="#wm#"/>
-</p:tagLst>
-</file>
-
-<file path=ppt/tags/tag27.xml><?xml version="1.0" encoding="utf-8"?>
-<p:tagLst xmlns:p="http://schemas.openxmlformats.org/presentationml/2006/main">
-  <p:tag name="KSO_WM_UNIT_HIGHLIGHT" val="0"/>
-  <p:tag name="KSO_WM_UNIT_COMPATIBLE" val="0"/>
-  <p:tag name="KSO_WM_UNIT_DIAGRAM_ISNUMVISUAL" val="0"/>
-  <p:tag name="KSO_WM_UNIT_DIAGRAM_ISREFERUNIT" val="0"/>
-  <p:tag name="KSO_WM_UNIT_ID" val="_5**"/>
-  <p:tag name="KSO_WM_UNIT_LAYERLEVEL" val="1"/>
-  <p:tag name="KSO_WM_TAG_VERSION" val="1.0"/>
-  <p:tag name="KSO_WM_BEAUTIFY_FLAG" val="#wm#"/>
-</p:tagLst>
-</file>
-
-<file path=ppt/tags/tag28.xml><?xml version="1.0" encoding="utf-8"?>
-<p:tagLst xmlns:p="http://schemas.openxmlformats.org/presentationml/2006/main">
-  <p:tag name="KSO_WM_UNIT_HIGHLIGHT" val="0"/>
-  <p:tag name="KSO_WM_UNIT_COMPATIBLE" val="0"/>
-  <p:tag name="KSO_WM_UNIT_DIAGRAM_ISNUMVISUAL" val="0"/>
-  <p:tag name="KSO_WM_UNIT_DIAGRAM_ISREFERUNIT" val="0"/>
-  <p:tag name="KSO_WM_UNIT_ID" val="_5**"/>
-  <p:tag name="KSO_WM_UNIT_LAYERLEVEL" val="1"/>
-  <p:tag name="KSO_WM_TAG_VERSION" val="1.0"/>
-  <p:tag name="KSO_WM_BEAUTIFY_FLAG" val="#wm#"/>
-</p:tagLst>
-</file>
-
 <file path=ppt/tags/tag29.xml><?xml version="1.0" encoding="utf-8"?>
-<p:tagLst xmlns:p="http://schemas.openxmlformats.org/presentationml/2006/main">
+<p:tagLst xmlns:a="http://schemas.openxmlformats.org/drawingml/2006/main" xmlns:r="http://schemas.openxmlformats.org/officeDocument/2006/relationships" xmlns:p="http://schemas.openxmlformats.org/presentationml/2006/main">
   <p:tag name="KSO_WM_UNIT_HIGHLIGHT" val="0"/>
   <p:tag name="KSO_WM_UNIT_COMPATIBLE" val="0"/>
   <p:tag name="KSO_WM_UNIT_DIAGRAM_ISNUMVISUAL" val="0"/>
@@ -13917,397 +14442,7 @@
 </file>
 
 <file path=ppt/tags/tag3.xml><?xml version="1.0" encoding="utf-8"?>
-<p:tagLst xmlns:p="http://schemas.openxmlformats.org/presentationml/2006/main">
-  <p:tag name="KSO_WM_UNIT_HIGHLIGHT" val="0"/>
-  <p:tag name="KSO_WM_UNIT_COMPATIBLE" val="0"/>
-  <p:tag name="KSO_WM_UNIT_DIAGRAM_ISNUMVISUAL" val="0"/>
-  <p:tag name="KSO_WM_UNIT_DIAGRAM_ISREFERUNIT" val="0"/>
-  <p:tag name="KSO_WM_UNIT_ID" val="_1**"/>
-  <p:tag name="KSO_WM_UNIT_LAYERLEVEL" val="1"/>
-  <p:tag name="KSO_WM_TAG_VERSION" val="1.0"/>
-  <p:tag name="KSO_WM_BEAUTIFY_FLAG" val="#wm#"/>
-</p:tagLst>
-</file>
-
-<file path=ppt/tags/tag30.xml><?xml version="1.0" encoding="utf-8"?>
-<p:tagLst xmlns:p="http://schemas.openxmlformats.org/presentationml/2006/main">
-  <p:tag name="KSO_WM_UNIT_HIGHLIGHT" val="0"/>
-  <p:tag name="KSO_WM_UNIT_COMPATIBLE" val="0"/>
-  <p:tag name="KSO_WM_UNIT_DIAGRAM_ISNUMVISUAL" val="0"/>
-  <p:tag name="KSO_WM_UNIT_DIAGRAM_ISREFERUNIT" val="0"/>
-  <p:tag name="KSO_WM_UNIT_ID" val="_6**"/>
-  <p:tag name="KSO_WM_UNIT_LAYERLEVEL" val="1"/>
-  <p:tag name="KSO_WM_TAG_VERSION" val="1.0"/>
-  <p:tag name="KSO_WM_BEAUTIFY_FLAG" val="#wm#"/>
-</p:tagLst>
-</file>
-
-<file path=ppt/tags/tag31.xml><?xml version="1.0" encoding="utf-8"?>
-<p:tagLst xmlns:p="http://schemas.openxmlformats.org/presentationml/2006/main">
-  <p:tag name="KSO_WM_UNIT_HIGHLIGHT" val="0"/>
-  <p:tag name="KSO_WM_UNIT_COMPATIBLE" val="0"/>
-  <p:tag name="KSO_WM_UNIT_DIAGRAM_ISNUMVISUAL" val="0"/>
-  <p:tag name="KSO_WM_UNIT_DIAGRAM_ISREFERUNIT" val="0"/>
-  <p:tag name="KSO_WM_UNIT_ID" val="_6**"/>
-  <p:tag name="KSO_WM_UNIT_LAYERLEVEL" val="1"/>
-  <p:tag name="KSO_WM_TAG_VERSION" val="1.0"/>
-  <p:tag name="KSO_WM_BEAUTIFY_FLAG" val="#wm#"/>
-</p:tagLst>
-</file>
-
-<file path=ppt/tags/tag32.xml><?xml version="1.0" encoding="utf-8"?>
-<p:tagLst xmlns:p="http://schemas.openxmlformats.org/presentationml/2006/main">
-  <p:tag name="KSO_WM_UNIT_HIGHLIGHT" val="0"/>
-  <p:tag name="KSO_WM_UNIT_COMPATIBLE" val="0"/>
-  <p:tag name="KSO_WM_UNIT_DIAGRAM_ISNUMVISUAL" val="0"/>
-  <p:tag name="KSO_WM_UNIT_DIAGRAM_ISREFERUNIT" val="0"/>
-  <p:tag name="KSO_WM_UNIT_ID" val="_6**"/>
-  <p:tag name="KSO_WM_UNIT_LAYERLEVEL" val="1"/>
-  <p:tag name="KSO_WM_TAG_VERSION" val="1.0"/>
-  <p:tag name="KSO_WM_BEAUTIFY_FLAG" val="#wm#"/>
-</p:tagLst>
-</file>
-
-<file path=ppt/tags/tag33.xml><?xml version="1.0" encoding="utf-8"?>
-<p:tagLst xmlns:p="http://schemas.openxmlformats.org/presentationml/2006/main">
-  <p:tag name="KSO_WM_UNIT_HIGHLIGHT" val="0"/>
-  <p:tag name="KSO_WM_UNIT_COMPATIBLE" val="0"/>
-  <p:tag name="KSO_WM_UNIT_DIAGRAM_ISNUMVISUAL" val="0"/>
-  <p:tag name="KSO_WM_UNIT_DIAGRAM_ISREFERUNIT" val="0"/>
-  <p:tag name="KSO_WM_UNIT_ID" val="_6**"/>
-  <p:tag name="KSO_WM_UNIT_LAYERLEVEL" val="1"/>
-  <p:tag name="KSO_WM_TAG_VERSION" val="1.0"/>
-  <p:tag name="KSO_WM_BEAUTIFY_FLAG" val="#wm#"/>
-</p:tagLst>
-</file>
-
-<file path=ppt/tags/tag34.xml><?xml version="1.0" encoding="utf-8"?>
-<p:tagLst xmlns:p="http://schemas.openxmlformats.org/presentationml/2006/main">
-  <p:tag name="KSO_WM_UNIT_HIGHLIGHT" val="0"/>
-  <p:tag name="KSO_WM_UNIT_COMPATIBLE" val="0"/>
-  <p:tag name="KSO_WM_UNIT_DIAGRAM_ISNUMVISUAL" val="0"/>
-  <p:tag name="KSO_WM_UNIT_DIAGRAM_ISREFERUNIT" val="0"/>
-  <p:tag name="KSO_WM_UNIT_ID" val="_7**"/>
-  <p:tag name="KSO_WM_UNIT_LAYERLEVEL" val="1"/>
-  <p:tag name="KSO_WM_TAG_VERSION" val="1.0"/>
-  <p:tag name="KSO_WM_BEAUTIFY_FLAG" val="#wm#"/>
-</p:tagLst>
-</file>
-
-<file path=ppt/tags/tag35.xml><?xml version="1.0" encoding="utf-8"?>
-<p:tagLst xmlns:p="http://schemas.openxmlformats.org/presentationml/2006/main">
-  <p:tag name="KSO_WM_UNIT_HIGHLIGHT" val="0"/>
-  <p:tag name="KSO_WM_UNIT_COMPATIBLE" val="0"/>
-  <p:tag name="KSO_WM_UNIT_DIAGRAM_ISNUMVISUAL" val="0"/>
-  <p:tag name="KSO_WM_UNIT_DIAGRAM_ISREFERUNIT" val="0"/>
-  <p:tag name="KSO_WM_UNIT_ID" val="_7**"/>
-  <p:tag name="KSO_WM_UNIT_LAYERLEVEL" val="1"/>
-  <p:tag name="KSO_WM_TAG_VERSION" val="1.0"/>
-  <p:tag name="KSO_WM_BEAUTIFY_FLAG" val="#wm#"/>
-</p:tagLst>
-</file>
-
-<file path=ppt/tags/tag36.xml><?xml version="1.0" encoding="utf-8"?>
-<p:tagLst xmlns:p="http://schemas.openxmlformats.org/presentationml/2006/main">
-  <p:tag name="KSO_WM_UNIT_HIGHLIGHT" val="0"/>
-  <p:tag name="KSO_WM_UNIT_COMPATIBLE" val="0"/>
-  <p:tag name="KSO_WM_UNIT_DIAGRAM_ISNUMVISUAL" val="0"/>
-  <p:tag name="KSO_WM_UNIT_DIAGRAM_ISREFERUNIT" val="0"/>
-  <p:tag name="KSO_WM_UNIT_ID" val="_7**"/>
-  <p:tag name="KSO_WM_UNIT_LAYERLEVEL" val="1"/>
-  <p:tag name="KSO_WM_TAG_VERSION" val="1.0"/>
-  <p:tag name="KSO_WM_BEAUTIFY_FLAG" val="#wm#"/>
-</p:tagLst>
-</file>
-
-<file path=ppt/tags/tag37.xml><?xml version="1.0" encoding="utf-8"?>
-<p:tagLst xmlns:p="http://schemas.openxmlformats.org/presentationml/2006/main">
-  <p:tag name="KSO_WM_UNIT_HIGHLIGHT" val="0"/>
-  <p:tag name="KSO_WM_UNIT_COMPATIBLE" val="0"/>
-  <p:tag name="KSO_WM_UNIT_DIAGRAM_ISNUMVISUAL" val="0"/>
-  <p:tag name="KSO_WM_UNIT_DIAGRAM_ISREFERUNIT" val="0"/>
-  <p:tag name="KSO_WM_UNIT_ID" val="_8**"/>
-  <p:tag name="KSO_WM_UNIT_LAYERLEVEL" val="1"/>
-  <p:tag name="KSO_WM_TAG_VERSION" val="1.0"/>
-  <p:tag name="KSO_WM_BEAUTIFY_FLAG" val="#wm#"/>
-</p:tagLst>
-</file>
-
-<file path=ppt/tags/tag38.xml><?xml version="1.0" encoding="utf-8"?>
-<p:tagLst xmlns:p="http://schemas.openxmlformats.org/presentationml/2006/main">
-  <p:tag name="KSO_WM_UNIT_HIGHLIGHT" val="0"/>
-  <p:tag name="KSO_WM_UNIT_COMPATIBLE" val="0"/>
-  <p:tag name="KSO_WM_UNIT_DIAGRAM_ISNUMVISUAL" val="0"/>
-  <p:tag name="KSO_WM_UNIT_DIAGRAM_ISREFERUNIT" val="0"/>
-  <p:tag name="KSO_WM_UNIT_ID" val="_8**"/>
-  <p:tag name="KSO_WM_UNIT_LAYERLEVEL" val="1"/>
-  <p:tag name="KSO_WM_TAG_VERSION" val="1.0"/>
-  <p:tag name="KSO_WM_BEAUTIFY_FLAG" val="#wm#"/>
-</p:tagLst>
-</file>
-
-<file path=ppt/tags/tag39.xml><?xml version="1.0" encoding="utf-8"?>
-<p:tagLst xmlns:p="http://schemas.openxmlformats.org/presentationml/2006/main">
-  <p:tag name="KSO_WM_UNIT_HIGHLIGHT" val="0"/>
-  <p:tag name="KSO_WM_UNIT_COMPATIBLE" val="0"/>
-  <p:tag name="KSO_WM_UNIT_DIAGRAM_ISNUMVISUAL" val="0"/>
-  <p:tag name="KSO_WM_UNIT_DIAGRAM_ISREFERUNIT" val="0"/>
-  <p:tag name="KSO_WM_UNIT_ID" val="_8**"/>
-  <p:tag name="KSO_WM_UNIT_LAYERLEVEL" val="1"/>
-  <p:tag name="KSO_WM_TAG_VERSION" val="1.0"/>
-  <p:tag name="KSO_WM_BEAUTIFY_FLAG" val="#wm#"/>
-</p:tagLst>
-</file>
-
-<file path=ppt/tags/tag4.xml><?xml version="1.0" encoding="utf-8"?>
-<p:tagLst xmlns:p="http://schemas.openxmlformats.org/presentationml/2006/main">
-  <p:tag name="KSO_WM_UNIT_HIGHLIGHT" val="0"/>
-  <p:tag name="KSO_WM_UNIT_COMPATIBLE" val="0"/>
-  <p:tag name="KSO_WM_UNIT_DIAGRAM_ISNUMVISUAL" val="0"/>
-  <p:tag name="KSO_WM_UNIT_DIAGRAM_ISREFERUNIT" val="0"/>
-  <p:tag name="KSO_WM_UNIT_ID" val="_1**"/>
-  <p:tag name="KSO_WM_UNIT_LAYERLEVEL" val="1"/>
-  <p:tag name="KSO_WM_TAG_VERSION" val="1.0"/>
-  <p:tag name="KSO_WM_BEAUTIFY_FLAG" val="#wm#"/>
-</p:tagLst>
-</file>
-
-<file path=ppt/tags/tag40.xml><?xml version="1.0" encoding="utf-8"?>
-<p:tagLst xmlns:p="http://schemas.openxmlformats.org/presentationml/2006/main">
-  <p:tag name="KSO_WM_UNIT_HIGHLIGHT" val="0"/>
-  <p:tag name="KSO_WM_UNIT_COMPATIBLE" val="0"/>
-  <p:tag name="KSO_WM_UNIT_DIAGRAM_ISNUMVISUAL" val="0"/>
-  <p:tag name="KSO_WM_UNIT_DIAGRAM_ISREFERUNIT" val="0"/>
-  <p:tag name="KSO_WM_UNIT_ID" val="_8**"/>
-  <p:tag name="KSO_WM_UNIT_LAYERLEVEL" val="1"/>
-  <p:tag name="KSO_WM_TAG_VERSION" val="1.0"/>
-  <p:tag name="KSO_WM_BEAUTIFY_FLAG" val="#wm#"/>
-</p:tagLst>
-</file>
-
-<file path=ppt/tags/tag41.xml><?xml version="1.0" encoding="utf-8"?>
-<p:tagLst xmlns:p="http://schemas.openxmlformats.org/presentationml/2006/main">
-  <p:tag name="KSO_WM_UNIT_HIGHLIGHT" val="0"/>
-  <p:tag name="KSO_WM_UNIT_COMPATIBLE" val="0"/>
-  <p:tag name="KSO_WM_UNIT_DIAGRAM_ISNUMVISUAL" val="0"/>
-  <p:tag name="KSO_WM_UNIT_DIAGRAM_ISREFERUNIT" val="0"/>
-  <p:tag name="KSO_WM_UNIT_ID" val="_8**"/>
-  <p:tag name="KSO_WM_UNIT_LAYERLEVEL" val="1"/>
-  <p:tag name="KSO_WM_TAG_VERSION" val="1.0"/>
-  <p:tag name="KSO_WM_BEAUTIFY_FLAG" val="#wm#"/>
-</p:tagLst>
-</file>
-
-<file path=ppt/tags/tag42.xml><?xml version="1.0" encoding="utf-8"?>
-<p:tagLst xmlns:p="http://schemas.openxmlformats.org/presentationml/2006/main">
-  <p:tag name="KSO_WM_UNIT_HIGHLIGHT" val="0"/>
-  <p:tag name="KSO_WM_UNIT_COMPATIBLE" val="0"/>
-  <p:tag name="KSO_WM_UNIT_DIAGRAM_ISNUMVISUAL" val="0"/>
-  <p:tag name="KSO_WM_UNIT_DIAGRAM_ISREFERUNIT" val="0"/>
-  <p:tag name="KSO_WM_UNIT_ID" val="_8**"/>
-  <p:tag name="KSO_WM_UNIT_LAYERLEVEL" val="1"/>
-  <p:tag name="KSO_WM_TAG_VERSION" val="1.0"/>
-  <p:tag name="KSO_WM_BEAUTIFY_FLAG" val="#wm#"/>
-</p:tagLst>
-</file>
-
-<file path=ppt/tags/tag43.xml><?xml version="1.0" encoding="utf-8"?>
-<p:tagLst xmlns:p="http://schemas.openxmlformats.org/presentationml/2006/main">
-  <p:tag name="KSO_WM_UNIT_HIGHLIGHT" val="0"/>
-  <p:tag name="KSO_WM_UNIT_COMPATIBLE" val="0"/>
-  <p:tag name="KSO_WM_UNIT_DIAGRAM_ISNUMVISUAL" val="0"/>
-  <p:tag name="KSO_WM_UNIT_DIAGRAM_ISREFERUNIT" val="0"/>
-  <p:tag name="KSO_WM_UNIT_ID" val="_9**"/>
-  <p:tag name="KSO_WM_UNIT_LAYERLEVEL" val="1"/>
-  <p:tag name="KSO_WM_TAG_VERSION" val="1.0"/>
-  <p:tag name="KSO_WM_BEAUTIFY_FLAG" val="#wm#"/>
-</p:tagLst>
-</file>
-
-<file path=ppt/tags/tag44.xml><?xml version="1.0" encoding="utf-8"?>
-<p:tagLst xmlns:p="http://schemas.openxmlformats.org/presentationml/2006/main">
-  <p:tag name="KSO_WM_UNIT_HIGHLIGHT" val="0"/>
-  <p:tag name="KSO_WM_UNIT_COMPATIBLE" val="0"/>
-  <p:tag name="KSO_WM_UNIT_DIAGRAM_ISNUMVISUAL" val="0"/>
-  <p:tag name="KSO_WM_UNIT_DIAGRAM_ISREFERUNIT" val="0"/>
-  <p:tag name="KSO_WM_UNIT_ID" val="_9**"/>
-  <p:tag name="KSO_WM_UNIT_LAYERLEVEL" val="1"/>
-  <p:tag name="KSO_WM_TAG_VERSION" val="1.0"/>
-  <p:tag name="KSO_WM_BEAUTIFY_FLAG" val="#wm#"/>
-</p:tagLst>
-</file>
-
-<file path=ppt/tags/tag45.xml><?xml version="1.0" encoding="utf-8"?>
-<p:tagLst xmlns:p="http://schemas.openxmlformats.org/presentationml/2006/main">
-  <p:tag name="KSO_WM_UNIT_HIGHLIGHT" val="0"/>
-  <p:tag name="KSO_WM_UNIT_COMPATIBLE" val="0"/>
-  <p:tag name="KSO_WM_UNIT_DIAGRAM_ISNUMVISUAL" val="0"/>
-  <p:tag name="KSO_WM_UNIT_DIAGRAM_ISREFERUNIT" val="0"/>
-  <p:tag name="KSO_WM_UNIT_ID" val="_9**"/>
-  <p:tag name="KSO_WM_UNIT_LAYERLEVEL" val="1"/>
-  <p:tag name="KSO_WM_TAG_VERSION" val="1.0"/>
-  <p:tag name="KSO_WM_BEAUTIFY_FLAG" val="#wm#"/>
-</p:tagLst>
-</file>
-
-<file path=ppt/tags/tag46.xml><?xml version="1.0" encoding="utf-8"?>
-<p:tagLst xmlns:p="http://schemas.openxmlformats.org/presentationml/2006/main">
-  <p:tag name="KSO_WM_UNIT_HIGHLIGHT" val="0"/>
-  <p:tag name="KSO_WM_UNIT_COMPATIBLE" val="0"/>
-  <p:tag name="KSO_WM_UNIT_DIAGRAM_ISNUMVISUAL" val="0"/>
-  <p:tag name="KSO_WM_UNIT_DIAGRAM_ISREFERUNIT" val="0"/>
-  <p:tag name="KSO_WM_UNIT_ID" val="_9**"/>
-  <p:tag name="KSO_WM_UNIT_LAYERLEVEL" val="1"/>
-  <p:tag name="KSO_WM_TAG_VERSION" val="1.0"/>
-  <p:tag name="KSO_WM_BEAUTIFY_FLAG" val="#wm#"/>
-</p:tagLst>
-</file>
-
-<file path=ppt/tags/tag47.xml><?xml version="1.0" encoding="utf-8"?>
-<p:tagLst xmlns:p="http://schemas.openxmlformats.org/presentationml/2006/main">
-  <p:tag name="KSO_WM_UNIT_HIGHLIGHT" val="0"/>
-  <p:tag name="KSO_WM_UNIT_COMPATIBLE" val="0"/>
-  <p:tag name="KSO_WM_UNIT_DIAGRAM_ISNUMVISUAL" val="0"/>
-  <p:tag name="KSO_WM_UNIT_DIAGRAM_ISREFERUNIT" val="0"/>
-  <p:tag name="KSO_WM_UNIT_ID" val="_9**"/>
-  <p:tag name="KSO_WM_UNIT_LAYERLEVEL" val="1"/>
-  <p:tag name="KSO_WM_TAG_VERSION" val="1.0"/>
-  <p:tag name="KSO_WM_BEAUTIFY_FLAG" val="#wm#"/>
-</p:tagLst>
-</file>
-
-<file path=ppt/tags/tag48.xml><?xml version="1.0" encoding="utf-8"?>
-<p:tagLst xmlns:p="http://schemas.openxmlformats.org/presentationml/2006/main">
-  <p:tag name="KSO_WM_UNIT_HIGHLIGHT" val="0"/>
-  <p:tag name="KSO_WM_UNIT_COMPATIBLE" val="0"/>
-  <p:tag name="KSO_WM_UNIT_DIAGRAM_ISNUMVISUAL" val="0"/>
-  <p:tag name="KSO_WM_UNIT_DIAGRAM_ISREFERUNIT" val="0"/>
-  <p:tag name="KSO_WM_UNIT_ID" val="_10**"/>
-  <p:tag name="KSO_WM_UNIT_LAYERLEVEL" val="1"/>
-  <p:tag name="KSO_WM_TAG_VERSION" val="1.0"/>
-  <p:tag name="KSO_WM_BEAUTIFY_FLAG" val="#wm#"/>
-</p:tagLst>
-</file>
-
-<file path=ppt/tags/tag49.xml><?xml version="1.0" encoding="utf-8"?>
-<p:tagLst xmlns:p="http://schemas.openxmlformats.org/presentationml/2006/main">
-  <p:tag name="KSO_WM_UNIT_HIGHLIGHT" val="0"/>
-  <p:tag name="KSO_WM_UNIT_COMPATIBLE" val="0"/>
-  <p:tag name="KSO_WM_UNIT_DIAGRAM_ISNUMVISUAL" val="0"/>
-  <p:tag name="KSO_WM_UNIT_DIAGRAM_ISREFERUNIT" val="0"/>
-  <p:tag name="KSO_WM_UNIT_ID" val="_10**"/>
-  <p:tag name="KSO_WM_UNIT_LAYERLEVEL" val="1"/>
-  <p:tag name="KSO_WM_TAG_VERSION" val="1.0"/>
-  <p:tag name="KSO_WM_BEAUTIFY_FLAG" val="#wm#"/>
-</p:tagLst>
-</file>
-
-<file path=ppt/tags/tag5.xml><?xml version="1.0" encoding="utf-8"?>
-<p:tagLst xmlns:p="http://schemas.openxmlformats.org/presentationml/2006/main">
-  <p:tag name="KSO_WM_UNIT_HIGHLIGHT" val="0"/>
-  <p:tag name="KSO_WM_UNIT_COMPATIBLE" val="0"/>
-  <p:tag name="KSO_WM_UNIT_DIAGRAM_ISNUMVISUAL" val="0"/>
-  <p:tag name="KSO_WM_UNIT_DIAGRAM_ISREFERUNIT" val="0"/>
-  <p:tag name="KSO_WM_UNIT_ID" val="_1**"/>
-  <p:tag name="KSO_WM_UNIT_LAYERLEVEL" val="1"/>
-  <p:tag name="KSO_WM_TAG_VERSION" val="1.0"/>
-  <p:tag name="KSO_WM_BEAUTIFY_FLAG" val="#wm#"/>
-</p:tagLst>
-</file>
-
-<file path=ppt/tags/tag50.xml><?xml version="1.0" encoding="utf-8"?>
-<p:tagLst xmlns:p="http://schemas.openxmlformats.org/presentationml/2006/main">
-  <p:tag name="KSO_WM_UNIT_HIGHLIGHT" val="0"/>
-  <p:tag name="KSO_WM_UNIT_COMPATIBLE" val="0"/>
-  <p:tag name="KSO_WM_UNIT_DIAGRAM_ISNUMVISUAL" val="0"/>
-  <p:tag name="KSO_WM_UNIT_DIAGRAM_ISREFERUNIT" val="0"/>
-  <p:tag name="KSO_WM_UNIT_ID" val="_10**"/>
-  <p:tag name="KSO_WM_UNIT_LAYERLEVEL" val="1"/>
-  <p:tag name="KSO_WM_TAG_VERSION" val="1.0"/>
-  <p:tag name="KSO_WM_BEAUTIFY_FLAG" val="#wm#"/>
-</p:tagLst>
-</file>
-
-<file path=ppt/tags/tag51.xml><?xml version="1.0" encoding="utf-8"?>
-<p:tagLst xmlns:p="http://schemas.openxmlformats.org/presentationml/2006/main">
-  <p:tag name="KSO_WM_UNIT_HIGHLIGHT" val="0"/>
-  <p:tag name="KSO_WM_UNIT_COMPATIBLE" val="0"/>
-  <p:tag name="KSO_WM_UNIT_DIAGRAM_ISNUMVISUAL" val="0"/>
-  <p:tag name="KSO_WM_UNIT_DIAGRAM_ISREFERUNIT" val="0"/>
-  <p:tag name="KSO_WM_UNIT_ID" val="_10**"/>
-  <p:tag name="KSO_WM_UNIT_LAYERLEVEL" val="1"/>
-  <p:tag name="KSO_WM_TAG_VERSION" val="1.0"/>
-  <p:tag name="KSO_WM_BEAUTIFY_FLAG" val="#wm#"/>
-</p:tagLst>
-</file>
-
-<file path=ppt/tags/tag52.xml><?xml version="1.0" encoding="utf-8"?>
-<p:tagLst xmlns:p="http://schemas.openxmlformats.org/presentationml/2006/main">
-  <p:tag name="KSO_WM_UNIT_HIGHLIGHT" val="0"/>
-  <p:tag name="KSO_WM_UNIT_COMPATIBLE" val="0"/>
-  <p:tag name="KSO_WM_UNIT_DIAGRAM_ISNUMVISUAL" val="0"/>
-  <p:tag name="KSO_WM_UNIT_DIAGRAM_ISREFERUNIT" val="0"/>
-  <p:tag name="KSO_WM_UNIT_ID" val="_11**"/>
-  <p:tag name="KSO_WM_UNIT_LAYERLEVEL" val="1"/>
-  <p:tag name="KSO_WM_TAG_VERSION" val="1.0"/>
-  <p:tag name="KSO_WM_BEAUTIFY_FLAG" val="#wm#"/>
-</p:tagLst>
-</file>
-
-<file path=ppt/tags/tag53.xml><?xml version="1.0" encoding="utf-8"?>
-<p:tagLst xmlns:p="http://schemas.openxmlformats.org/presentationml/2006/main">
-  <p:tag name="KSO_WM_UNIT_HIGHLIGHT" val="0"/>
-  <p:tag name="KSO_WM_UNIT_COMPATIBLE" val="0"/>
-  <p:tag name="KSO_WM_UNIT_DIAGRAM_ISNUMVISUAL" val="0"/>
-  <p:tag name="KSO_WM_UNIT_DIAGRAM_ISREFERUNIT" val="0"/>
-  <p:tag name="KSO_WM_UNIT_ID" val="_11**"/>
-  <p:tag name="KSO_WM_UNIT_LAYERLEVEL" val="1"/>
-  <p:tag name="KSO_WM_TAG_VERSION" val="1.0"/>
-  <p:tag name="KSO_WM_BEAUTIFY_FLAG" val="#wm#"/>
-</p:tagLst>
-</file>
-
-<file path=ppt/tags/tag54.xml><?xml version="1.0" encoding="utf-8"?>
-<p:tagLst xmlns:p="http://schemas.openxmlformats.org/presentationml/2006/main">
-  <p:tag name="KSO_WM_UNIT_HIGHLIGHT" val="0"/>
-  <p:tag name="KSO_WM_UNIT_COMPATIBLE" val="0"/>
-  <p:tag name="KSO_WM_UNIT_DIAGRAM_ISNUMVISUAL" val="0"/>
-  <p:tag name="KSO_WM_UNIT_DIAGRAM_ISREFERUNIT" val="0"/>
-  <p:tag name="KSO_WM_UNIT_ID" val="_11**"/>
-  <p:tag name="KSO_WM_UNIT_LAYERLEVEL" val="1"/>
-  <p:tag name="KSO_WM_TAG_VERSION" val="1.0"/>
-  <p:tag name="KSO_WM_BEAUTIFY_FLAG" val="#wm#"/>
-</p:tagLst>
-</file>
-
-<file path=ppt/tags/tag55.xml><?xml version="1.0" encoding="utf-8"?>
-<p:tagLst xmlns:p="http://schemas.openxmlformats.org/presentationml/2006/main">
-  <p:tag name="KSO_WM_UNIT_HIGHLIGHT" val="0"/>
-  <p:tag name="KSO_WM_UNIT_COMPATIBLE" val="0"/>
-  <p:tag name="KSO_WM_UNIT_DIAGRAM_ISNUMVISUAL" val="0"/>
-  <p:tag name="KSO_WM_UNIT_DIAGRAM_ISREFERUNIT" val="0"/>
-  <p:tag name="KSO_WM_UNIT_ID" val="_11**"/>
-  <p:tag name="KSO_WM_UNIT_LAYERLEVEL" val="1"/>
-  <p:tag name="KSO_WM_TAG_VERSION" val="1.0"/>
-  <p:tag name="KSO_WM_BEAUTIFY_FLAG" val="#wm#"/>
-</p:tagLst>
-</file>
-
-<file path=ppt/tags/tag56.xml><?xml version="1.0" encoding="utf-8"?>
-<p:tagLst xmlns:p="http://schemas.openxmlformats.org/presentationml/2006/main">
-  <p:tag name="KSO_WM_UNIT_HIGHLIGHT" val="0"/>
-  <p:tag name="KSO_WM_UNIT_COMPATIBLE" val="0"/>
-  <p:tag name="KSO_WM_UNIT_DIAGRAM_ISNUMVISUAL" val="0"/>
-  <p:tag name="KSO_WM_UNIT_DIAGRAM_ISREFERUNIT" val="0"/>
-  <p:tag name="KSO_WM_UNIT_ID" val="_11**"/>
-  <p:tag name="KSO_WM_UNIT_LAYERLEVEL" val="1"/>
-  <p:tag name="KSO_WM_TAG_VERSION" val="1.0"/>
-  <p:tag name="KSO_WM_BEAUTIFY_FLAG" val="#wm#"/>
-</p:tagLst>
-</file>
-
-<file path=ppt/tags/tag57.xml><?xml version="1.0" encoding="utf-8"?>
-<p:tagLst xmlns:p="http://schemas.openxmlformats.org/presentationml/2006/main">
+<p:tagLst xmlns:a="http://schemas.openxmlformats.org/drawingml/2006/main" xmlns:r="http://schemas.openxmlformats.org/officeDocument/2006/relationships" xmlns:p="http://schemas.openxmlformats.org/presentationml/2006/main">
   <p:tag name="KSO_WM_UNIT_HIGHLIGHT" val="0"/>
   <p:tag name="KSO_WM_UNIT_COMPATIBLE" val="0"/>
   <p:tag name="KSO_WM_UNIT_DIAGRAM_ISNUMVISUAL" val="0"/>
@@ -14321,8 +14456,138 @@
 </p:tagLst>
 </file>
 
-<file path=ppt/tags/tag58.xml><?xml version="1.0" encoding="utf-8"?>
-<p:tagLst xmlns:p="http://schemas.openxmlformats.org/presentationml/2006/main">
+<file path=ppt/tags/tag30.xml><?xml version="1.0" encoding="utf-8"?>
+<p:tagLst xmlns:a="http://schemas.openxmlformats.org/drawingml/2006/main" xmlns:r="http://schemas.openxmlformats.org/officeDocument/2006/relationships" xmlns:p="http://schemas.openxmlformats.org/presentationml/2006/main">
+  <p:tag name="KSO_WM_UNIT_HIGHLIGHT" val="0"/>
+  <p:tag name="KSO_WM_UNIT_COMPATIBLE" val="0"/>
+  <p:tag name="KSO_WM_UNIT_DIAGRAM_ISNUMVISUAL" val="0"/>
+  <p:tag name="KSO_WM_UNIT_DIAGRAM_ISREFERUNIT" val="0"/>
+  <p:tag name="KSO_WM_UNIT_ID" val="_5**"/>
+  <p:tag name="KSO_WM_UNIT_LAYERLEVEL" val="1"/>
+  <p:tag name="KSO_WM_TAG_VERSION" val="1.0"/>
+  <p:tag name="KSO_WM_BEAUTIFY_FLAG" val="#wm#"/>
+</p:tagLst>
+</file>
+
+<file path=ppt/tags/tag31.xml><?xml version="1.0" encoding="utf-8"?>
+<p:tagLst xmlns:a="http://schemas.openxmlformats.org/drawingml/2006/main" xmlns:r="http://schemas.openxmlformats.org/officeDocument/2006/relationships" xmlns:p="http://schemas.openxmlformats.org/presentationml/2006/main">
+  <p:tag name="KSO_WM_UNIT_HIGHLIGHT" val="0"/>
+  <p:tag name="KSO_WM_UNIT_COMPATIBLE" val="0"/>
+  <p:tag name="KSO_WM_UNIT_DIAGRAM_ISNUMVISUAL" val="0"/>
+  <p:tag name="KSO_WM_UNIT_DIAGRAM_ISREFERUNIT" val="0"/>
+  <p:tag name="KSO_WM_UNIT_ID" val="_5**"/>
+  <p:tag name="KSO_WM_UNIT_LAYERLEVEL" val="1"/>
+  <p:tag name="KSO_WM_TAG_VERSION" val="1.0"/>
+  <p:tag name="KSO_WM_BEAUTIFY_FLAG" val="#wm#"/>
+</p:tagLst>
+</file>
+
+<file path=ppt/tags/tag32.xml><?xml version="1.0" encoding="utf-8"?>
+<p:tagLst xmlns:a="http://schemas.openxmlformats.org/drawingml/2006/main" xmlns:r="http://schemas.openxmlformats.org/officeDocument/2006/relationships" xmlns:p="http://schemas.openxmlformats.org/presentationml/2006/main">
+  <p:tag name="KSO_WM_UNIT_HIGHLIGHT" val="0"/>
+  <p:tag name="KSO_WM_UNIT_COMPATIBLE" val="0"/>
+  <p:tag name="KSO_WM_UNIT_DIAGRAM_ISNUMVISUAL" val="0"/>
+  <p:tag name="KSO_WM_UNIT_DIAGRAM_ISREFERUNIT" val="0"/>
+  <p:tag name="KSO_WM_UNIT_ID" val="_5**"/>
+  <p:tag name="KSO_WM_UNIT_LAYERLEVEL" val="1"/>
+  <p:tag name="KSO_WM_TAG_VERSION" val="1.0"/>
+  <p:tag name="KSO_WM_BEAUTIFY_FLAG" val="#wm#"/>
+</p:tagLst>
+</file>
+
+<file path=ppt/tags/tag33.xml><?xml version="1.0" encoding="utf-8"?>
+<p:tagLst xmlns:a="http://schemas.openxmlformats.org/drawingml/2006/main" xmlns:r="http://schemas.openxmlformats.org/officeDocument/2006/relationships" xmlns:p="http://schemas.openxmlformats.org/presentationml/2006/main">
+  <p:tag name="KSO_WM_UNIT_HIGHLIGHT" val="0"/>
+  <p:tag name="KSO_WM_UNIT_COMPATIBLE" val="0"/>
+  <p:tag name="KSO_WM_UNIT_DIAGRAM_ISNUMVISUAL" val="0"/>
+  <p:tag name="KSO_WM_UNIT_DIAGRAM_ISREFERUNIT" val="0"/>
+  <p:tag name="KSO_WM_UNIT_ID" val="_5**"/>
+  <p:tag name="KSO_WM_UNIT_LAYERLEVEL" val="1"/>
+  <p:tag name="KSO_WM_TAG_VERSION" val="1.0"/>
+  <p:tag name="KSO_WM_BEAUTIFY_FLAG" val="#wm#"/>
+</p:tagLst>
+</file>
+
+<file path=ppt/tags/tag34.xml><?xml version="1.0" encoding="utf-8"?>
+<p:tagLst xmlns:a="http://schemas.openxmlformats.org/drawingml/2006/main" xmlns:r="http://schemas.openxmlformats.org/officeDocument/2006/relationships" xmlns:p="http://schemas.openxmlformats.org/presentationml/2006/main">
+  <p:tag name="KSO_WM_UNIT_HIGHLIGHT" val="0"/>
+  <p:tag name="KSO_WM_UNIT_COMPATIBLE" val="0"/>
+  <p:tag name="KSO_WM_UNIT_DIAGRAM_ISNUMVISUAL" val="0"/>
+  <p:tag name="KSO_WM_UNIT_DIAGRAM_ISREFERUNIT" val="0"/>
+  <p:tag name="KSO_WM_UNIT_ID" val="_5**"/>
+  <p:tag name="KSO_WM_UNIT_LAYERLEVEL" val="1"/>
+  <p:tag name="KSO_WM_TAG_VERSION" val="1.0"/>
+  <p:tag name="KSO_WM_BEAUTIFY_FLAG" val="#wm#"/>
+</p:tagLst>
+</file>
+
+<file path=ppt/tags/tag35.xml><?xml version="1.0" encoding="utf-8"?>
+<p:tagLst xmlns:a="http://schemas.openxmlformats.org/drawingml/2006/main" xmlns:r="http://schemas.openxmlformats.org/officeDocument/2006/relationships" xmlns:p="http://schemas.openxmlformats.org/presentationml/2006/main">
+  <p:tag name="KSO_WM_UNIT_HIGHLIGHT" val="0"/>
+  <p:tag name="KSO_WM_UNIT_COMPATIBLE" val="0"/>
+  <p:tag name="KSO_WM_UNIT_DIAGRAM_ISNUMVISUAL" val="0"/>
+  <p:tag name="KSO_WM_UNIT_DIAGRAM_ISREFERUNIT" val="0"/>
+  <p:tag name="KSO_WM_UNIT_ID" val="_5**"/>
+  <p:tag name="KSO_WM_UNIT_LAYERLEVEL" val="1"/>
+  <p:tag name="KSO_WM_TAG_VERSION" val="1.0"/>
+  <p:tag name="KSO_WM_BEAUTIFY_FLAG" val="#wm#"/>
+</p:tagLst>
+</file>
+
+<file path=ppt/tags/tag36.xml><?xml version="1.0" encoding="utf-8"?>
+<p:tagLst xmlns:a="http://schemas.openxmlformats.org/drawingml/2006/main" xmlns:r="http://schemas.openxmlformats.org/officeDocument/2006/relationships" xmlns:p="http://schemas.openxmlformats.org/presentationml/2006/main">
+  <p:tag name="KSO_WM_UNIT_HIGHLIGHT" val="0"/>
+  <p:tag name="KSO_WM_UNIT_COMPATIBLE" val="0"/>
+  <p:tag name="KSO_WM_UNIT_DIAGRAM_ISNUMVISUAL" val="0"/>
+  <p:tag name="KSO_WM_UNIT_DIAGRAM_ISREFERUNIT" val="0"/>
+  <p:tag name="KSO_WM_UNIT_ID" val="_5**"/>
+  <p:tag name="KSO_WM_UNIT_LAYERLEVEL" val="1"/>
+  <p:tag name="KSO_WM_TAG_VERSION" val="1.0"/>
+  <p:tag name="KSO_WM_BEAUTIFY_FLAG" val="#wm#"/>
+</p:tagLst>
+</file>
+
+<file path=ppt/tags/tag37.xml><?xml version="1.0" encoding="utf-8"?>
+<p:tagLst xmlns:a="http://schemas.openxmlformats.org/drawingml/2006/main" xmlns:r="http://schemas.openxmlformats.org/officeDocument/2006/relationships" xmlns:p="http://schemas.openxmlformats.org/presentationml/2006/main">
+  <p:tag name="KSO_WM_UNIT_HIGHLIGHT" val="0"/>
+  <p:tag name="KSO_WM_UNIT_COMPATIBLE" val="0"/>
+  <p:tag name="KSO_WM_UNIT_DIAGRAM_ISNUMVISUAL" val="0"/>
+  <p:tag name="KSO_WM_UNIT_DIAGRAM_ISREFERUNIT" val="0"/>
+  <p:tag name="KSO_WM_UNIT_ID" val="_6**"/>
+  <p:tag name="KSO_WM_UNIT_LAYERLEVEL" val="1"/>
+  <p:tag name="KSO_WM_TAG_VERSION" val="1.0"/>
+  <p:tag name="KSO_WM_BEAUTIFY_FLAG" val="#wm#"/>
+</p:tagLst>
+</file>
+
+<file path=ppt/tags/tag38.xml><?xml version="1.0" encoding="utf-8"?>
+<p:tagLst xmlns:a="http://schemas.openxmlformats.org/drawingml/2006/main" xmlns:r="http://schemas.openxmlformats.org/officeDocument/2006/relationships" xmlns:p="http://schemas.openxmlformats.org/presentationml/2006/main">
+  <p:tag name="KSO_WM_UNIT_HIGHLIGHT" val="0"/>
+  <p:tag name="KSO_WM_UNIT_COMPATIBLE" val="0"/>
+  <p:tag name="KSO_WM_UNIT_DIAGRAM_ISNUMVISUAL" val="0"/>
+  <p:tag name="KSO_WM_UNIT_DIAGRAM_ISREFERUNIT" val="0"/>
+  <p:tag name="KSO_WM_UNIT_ID" val="_6**"/>
+  <p:tag name="KSO_WM_UNIT_LAYERLEVEL" val="1"/>
+  <p:tag name="KSO_WM_TAG_VERSION" val="1.0"/>
+  <p:tag name="KSO_WM_BEAUTIFY_FLAG" val="#wm#"/>
+</p:tagLst>
+</file>
+
+<file path=ppt/tags/tag39.xml><?xml version="1.0" encoding="utf-8"?>
+<p:tagLst xmlns:a="http://schemas.openxmlformats.org/drawingml/2006/main" xmlns:r="http://schemas.openxmlformats.org/officeDocument/2006/relationships" xmlns:p="http://schemas.openxmlformats.org/presentationml/2006/main">
+  <p:tag name="KSO_WM_UNIT_HIGHLIGHT" val="0"/>
+  <p:tag name="KSO_WM_UNIT_COMPATIBLE" val="0"/>
+  <p:tag name="KSO_WM_UNIT_DIAGRAM_ISNUMVISUAL" val="0"/>
+  <p:tag name="KSO_WM_UNIT_DIAGRAM_ISREFERUNIT" val="0"/>
+  <p:tag name="KSO_WM_UNIT_ID" val="_6**"/>
+  <p:tag name="KSO_WM_UNIT_LAYERLEVEL" val="1"/>
+  <p:tag name="KSO_WM_TAG_VERSION" val="1.0"/>
+  <p:tag name="KSO_WM_BEAUTIFY_FLAG" val="#wm#"/>
+</p:tagLst>
+</file>
+
+<file path=ppt/tags/tag4.xml><?xml version="1.0" encoding="utf-8"?>
+<p:tagLst xmlns:a="http://schemas.openxmlformats.org/drawingml/2006/main" xmlns:r="http://schemas.openxmlformats.org/officeDocument/2006/relationships" xmlns:p="http://schemas.openxmlformats.org/presentationml/2006/main">
   <p:tag name="KSO_WM_UNIT_HIGHLIGHT" val="0"/>
   <p:tag name="KSO_WM_UNIT_COMPATIBLE" val="0"/>
   <p:tag name="KSO_WM_UNIT_DIAGRAM_ISNUMVISUAL" val="0"/>
@@ -14336,8 +14601,138 @@
 </p:tagLst>
 </file>
 
-<file path=ppt/tags/tag59.xml><?xml version="1.0" encoding="utf-8"?>
-<p:tagLst xmlns:p="http://schemas.openxmlformats.org/presentationml/2006/main">
+<file path=ppt/tags/tag40.xml><?xml version="1.0" encoding="utf-8"?>
+<p:tagLst xmlns:a="http://schemas.openxmlformats.org/drawingml/2006/main" xmlns:r="http://schemas.openxmlformats.org/officeDocument/2006/relationships" xmlns:p="http://schemas.openxmlformats.org/presentationml/2006/main">
+  <p:tag name="KSO_WM_UNIT_HIGHLIGHT" val="0"/>
+  <p:tag name="KSO_WM_UNIT_COMPATIBLE" val="0"/>
+  <p:tag name="KSO_WM_UNIT_DIAGRAM_ISNUMVISUAL" val="0"/>
+  <p:tag name="KSO_WM_UNIT_DIAGRAM_ISREFERUNIT" val="0"/>
+  <p:tag name="KSO_WM_UNIT_ID" val="_6**"/>
+  <p:tag name="KSO_WM_UNIT_LAYERLEVEL" val="1"/>
+  <p:tag name="KSO_WM_TAG_VERSION" val="1.0"/>
+  <p:tag name="KSO_WM_BEAUTIFY_FLAG" val="#wm#"/>
+</p:tagLst>
+</file>
+
+<file path=ppt/tags/tag41.xml><?xml version="1.0" encoding="utf-8"?>
+<p:tagLst xmlns:a="http://schemas.openxmlformats.org/drawingml/2006/main" xmlns:r="http://schemas.openxmlformats.org/officeDocument/2006/relationships" xmlns:p="http://schemas.openxmlformats.org/presentationml/2006/main">
+  <p:tag name="KSO_WM_UNIT_HIGHLIGHT" val="0"/>
+  <p:tag name="KSO_WM_UNIT_COMPATIBLE" val="0"/>
+  <p:tag name="KSO_WM_UNIT_DIAGRAM_ISNUMVISUAL" val="0"/>
+  <p:tag name="KSO_WM_UNIT_DIAGRAM_ISREFERUNIT" val="0"/>
+  <p:tag name="KSO_WM_UNIT_ID" val="_7**"/>
+  <p:tag name="KSO_WM_UNIT_LAYERLEVEL" val="1"/>
+  <p:tag name="KSO_WM_TAG_VERSION" val="1.0"/>
+  <p:tag name="KSO_WM_BEAUTIFY_FLAG" val="#wm#"/>
+</p:tagLst>
+</file>
+
+<file path=ppt/tags/tag42.xml><?xml version="1.0" encoding="utf-8"?>
+<p:tagLst xmlns:a="http://schemas.openxmlformats.org/drawingml/2006/main" xmlns:r="http://schemas.openxmlformats.org/officeDocument/2006/relationships" xmlns:p="http://schemas.openxmlformats.org/presentationml/2006/main">
+  <p:tag name="KSO_WM_UNIT_HIGHLIGHT" val="0"/>
+  <p:tag name="KSO_WM_UNIT_COMPATIBLE" val="0"/>
+  <p:tag name="KSO_WM_UNIT_DIAGRAM_ISNUMVISUAL" val="0"/>
+  <p:tag name="KSO_WM_UNIT_DIAGRAM_ISREFERUNIT" val="0"/>
+  <p:tag name="KSO_WM_UNIT_ID" val="_7**"/>
+  <p:tag name="KSO_WM_UNIT_LAYERLEVEL" val="1"/>
+  <p:tag name="KSO_WM_TAG_VERSION" val="1.0"/>
+  <p:tag name="KSO_WM_BEAUTIFY_FLAG" val="#wm#"/>
+</p:tagLst>
+</file>
+
+<file path=ppt/tags/tag43.xml><?xml version="1.0" encoding="utf-8"?>
+<p:tagLst xmlns:a="http://schemas.openxmlformats.org/drawingml/2006/main" xmlns:r="http://schemas.openxmlformats.org/officeDocument/2006/relationships" xmlns:p="http://schemas.openxmlformats.org/presentationml/2006/main">
+  <p:tag name="KSO_WM_UNIT_HIGHLIGHT" val="0"/>
+  <p:tag name="KSO_WM_UNIT_COMPATIBLE" val="0"/>
+  <p:tag name="KSO_WM_UNIT_DIAGRAM_ISNUMVISUAL" val="0"/>
+  <p:tag name="KSO_WM_UNIT_DIAGRAM_ISREFERUNIT" val="0"/>
+  <p:tag name="KSO_WM_UNIT_ID" val="_7**"/>
+  <p:tag name="KSO_WM_UNIT_LAYERLEVEL" val="1"/>
+  <p:tag name="KSO_WM_TAG_VERSION" val="1.0"/>
+  <p:tag name="KSO_WM_BEAUTIFY_FLAG" val="#wm#"/>
+</p:tagLst>
+</file>
+
+<file path=ppt/tags/tag44.xml><?xml version="1.0" encoding="utf-8"?>
+<p:tagLst xmlns:a="http://schemas.openxmlformats.org/drawingml/2006/main" xmlns:r="http://schemas.openxmlformats.org/officeDocument/2006/relationships" xmlns:p="http://schemas.openxmlformats.org/presentationml/2006/main">
+  <p:tag name="KSO_WM_UNIT_HIGHLIGHT" val="0"/>
+  <p:tag name="KSO_WM_UNIT_COMPATIBLE" val="0"/>
+  <p:tag name="KSO_WM_UNIT_DIAGRAM_ISNUMVISUAL" val="0"/>
+  <p:tag name="KSO_WM_UNIT_DIAGRAM_ISREFERUNIT" val="0"/>
+  <p:tag name="KSO_WM_UNIT_ID" val="_8**"/>
+  <p:tag name="KSO_WM_UNIT_LAYERLEVEL" val="1"/>
+  <p:tag name="KSO_WM_TAG_VERSION" val="1.0"/>
+  <p:tag name="KSO_WM_BEAUTIFY_FLAG" val="#wm#"/>
+</p:tagLst>
+</file>
+
+<file path=ppt/tags/tag45.xml><?xml version="1.0" encoding="utf-8"?>
+<p:tagLst xmlns:a="http://schemas.openxmlformats.org/drawingml/2006/main" xmlns:r="http://schemas.openxmlformats.org/officeDocument/2006/relationships" xmlns:p="http://schemas.openxmlformats.org/presentationml/2006/main">
+  <p:tag name="KSO_WM_UNIT_HIGHLIGHT" val="0"/>
+  <p:tag name="KSO_WM_UNIT_COMPATIBLE" val="0"/>
+  <p:tag name="KSO_WM_UNIT_DIAGRAM_ISNUMVISUAL" val="0"/>
+  <p:tag name="KSO_WM_UNIT_DIAGRAM_ISREFERUNIT" val="0"/>
+  <p:tag name="KSO_WM_UNIT_ID" val="_8**"/>
+  <p:tag name="KSO_WM_UNIT_LAYERLEVEL" val="1"/>
+  <p:tag name="KSO_WM_TAG_VERSION" val="1.0"/>
+  <p:tag name="KSO_WM_BEAUTIFY_FLAG" val="#wm#"/>
+</p:tagLst>
+</file>
+
+<file path=ppt/tags/tag46.xml><?xml version="1.0" encoding="utf-8"?>
+<p:tagLst xmlns:a="http://schemas.openxmlformats.org/drawingml/2006/main" xmlns:r="http://schemas.openxmlformats.org/officeDocument/2006/relationships" xmlns:p="http://schemas.openxmlformats.org/presentationml/2006/main">
+  <p:tag name="KSO_WM_UNIT_HIGHLIGHT" val="0"/>
+  <p:tag name="KSO_WM_UNIT_COMPATIBLE" val="0"/>
+  <p:tag name="KSO_WM_UNIT_DIAGRAM_ISNUMVISUAL" val="0"/>
+  <p:tag name="KSO_WM_UNIT_DIAGRAM_ISREFERUNIT" val="0"/>
+  <p:tag name="KSO_WM_UNIT_ID" val="_8**"/>
+  <p:tag name="KSO_WM_UNIT_LAYERLEVEL" val="1"/>
+  <p:tag name="KSO_WM_TAG_VERSION" val="1.0"/>
+  <p:tag name="KSO_WM_BEAUTIFY_FLAG" val="#wm#"/>
+</p:tagLst>
+</file>
+
+<file path=ppt/tags/tag47.xml><?xml version="1.0" encoding="utf-8"?>
+<p:tagLst xmlns:a="http://schemas.openxmlformats.org/drawingml/2006/main" xmlns:r="http://schemas.openxmlformats.org/officeDocument/2006/relationships" xmlns:p="http://schemas.openxmlformats.org/presentationml/2006/main">
+  <p:tag name="KSO_WM_UNIT_HIGHLIGHT" val="0"/>
+  <p:tag name="KSO_WM_UNIT_COMPATIBLE" val="0"/>
+  <p:tag name="KSO_WM_UNIT_DIAGRAM_ISNUMVISUAL" val="0"/>
+  <p:tag name="KSO_WM_UNIT_DIAGRAM_ISREFERUNIT" val="0"/>
+  <p:tag name="KSO_WM_UNIT_ID" val="_8**"/>
+  <p:tag name="KSO_WM_UNIT_LAYERLEVEL" val="1"/>
+  <p:tag name="KSO_WM_TAG_VERSION" val="1.0"/>
+  <p:tag name="KSO_WM_BEAUTIFY_FLAG" val="#wm#"/>
+</p:tagLst>
+</file>
+
+<file path=ppt/tags/tag48.xml><?xml version="1.0" encoding="utf-8"?>
+<p:tagLst xmlns:a="http://schemas.openxmlformats.org/drawingml/2006/main" xmlns:r="http://schemas.openxmlformats.org/officeDocument/2006/relationships" xmlns:p="http://schemas.openxmlformats.org/presentationml/2006/main">
+  <p:tag name="KSO_WM_UNIT_HIGHLIGHT" val="0"/>
+  <p:tag name="KSO_WM_UNIT_COMPATIBLE" val="0"/>
+  <p:tag name="KSO_WM_UNIT_DIAGRAM_ISNUMVISUAL" val="0"/>
+  <p:tag name="KSO_WM_UNIT_DIAGRAM_ISREFERUNIT" val="0"/>
+  <p:tag name="KSO_WM_UNIT_ID" val="_8**"/>
+  <p:tag name="KSO_WM_UNIT_LAYERLEVEL" val="1"/>
+  <p:tag name="KSO_WM_TAG_VERSION" val="1.0"/>
+  <p:tag name="KSO_WM_BEAUTIFY_FLAG" val="#wm#"/>
+</p:tagLst>
+</file>
+
+<file path=ppt/tags/tag49.xml><?xml version="1.0" encoding="utf-8"?>
+<p:tagLst xmlns:a="http://schemas.openxmlformats.org/drawingml/2006/main" xmlns:r="http://schemas.openxmlformats.org/officeDocument/2006/relationships" xmlns:p="http://schemas.openxmlformats.org/presentationml/2006/main">
+  <p:tag name="KSO_WM_UNIT_HIGHLIGHT" val="0"/>
+  <p:tag name="KSO_WM_UNIT_COMPATIBLE" val="0"/>
+  <p:tag name="KSO_WM_UNIT_DIAGRAM_ISNUMVISUAL" val="0"/>
+  <p:tag name="KSO_WM_UNIT_DIAGRAM_ISREFERUNIT" val="0"/>
+  <p:tag name="KSO_WM_UNIT_ID" val="_8**"/>
+  <p:tag name="KSO_WM_UNIT_LAYERLEVEL" val="1"/>
+  <p:tag name="KSO_WM_TAG_VERSION" val="1.0"/>
+  <p:tag name="KSO_WM_BEAUTIFY_FLAG" val="#wm#"/>
+</p:tagLst>
+</file>
+
+<file path=ppt/tags/tag5.xml><?xml version="1.0" encoding="utf-8"?>
+<p:tagLst xmlns:a="http://schemas.openxmlformats.org/drawingml/2006/main" xmlns:r="http://schemas.openxmlformats.org/officeDocument/2006/relationships" xmlns:p="http://schemas.openxmlformats.org/presentationml/2006/main">
   <p:tag name="KSO_WM_UNIT_HIGHLIGHT" val="0"/>
   <p:tag name="KSO_WM_UNIT_COMPATIBLE" val="0"/>
   <p:tag name="KSO_WM_UNIT_DIAGRAM_ISNUMVISUAL" val="0"/>
@@ -14349,21 +14744,138 @@
 </p:tagLst>
 </file>
 
-<file path=ppt/tags/tag6.xml><?xml version="1.0" encoding="utf-8"?>
-<p:tagLst xmlns:p="http://schemas.openxmlformats.org/presentationml/2006/main">
+<file path=ppt/tags/tag50.xml><?xml version="1.0" encoding="utf-8"?>
+<p:tagLst xmlns:a="http://schemas.openxmlformats.org/drawingml/2006/main" xmlns:r="http://schemas.openxmlformats.org/officeDocument/2006/relationships" xmlns:p="http://schemas.openxmlformats.org/presentationml/2006/main">
   <p:tag name="KSO_WM_UNIT_HIGHLIGHT" val="0"/>
   <p:tag name="KSO_WM_UNIT_COMPATIBLE" val="0"/>
   <p:tag name="KSO_WM_UNIT_DIAGRAM_ISNUMVISUAL" val="0"/>
   <p:tag name="KSO_WM_UNIT_DIAGRAM_ISREFERUNIT" val="0"/>
-  <p:tag name="KSO_WM_UNIT_ID" val="_2**"/>
+  <p:tag name="KSO_WM_UNIT_ID" val="_9**"/>
   <p:tag name="KSO_WM_UNIT_LAYERLEVEL" val="1"/>
   <p:tag name="KSO_WM_TAG_VERSION" val="1.0"/>
   <p:tag name="KSO_WM_BEAUTIFY_FLAG" val="#wm#"/>
 </p:tagLst>
 </file>
 
-<file path=ppt/tags/tag60.xml><?xml version="1.0" encoding="utf-8"?>
-<p:tagLst xmlns:p="http://schemas.openxmlformats.org/presentationml/2006/main">
+<file path=ppt/tags/tag51.xml><?xml version="1.0" encoding="utf-8"?>
+<p:tagLst xmlns:a="http://schemas.openxmlformats.org/drawingml/2006/main" xmlns:r="http://schemas.openxmlformats.org/officeDocument/2006/relationships" xmlns:p="http://schemas.openxmlformats.org/presentationml/2006/main">
+  <p:tag name="KSO_WM_UNIT_HIGHLIGHT" val="0"/>
+  <p:tag name="KSO_WM_UNIT_COMPATIBLE" val="0"/>
+  <p:tag name="KSO_WM_UNIT_DIAGRAM_ISNUMVISUAL" val="0"/>
+  <p:tag name="KSO_WM_UNIT_DIAGRAM_ISREFERUNIT" val="0"/>
+  <p:tag name="KSO_WM_UNIT_ID" val="_9**"/>
+  <p:tag name="KSO_WM_UNIT_LAYERLEVEL" val="1"/>
+  <p:tag name="KSO_WM_TAG_VERSION" val="1.0"/>
+  <p:tag name="KSO_WM_BEAUTIFY_FLAG" val="#wm#"/>
+</p:tagLst>
+</file>
+
+<file path=ppt/tags/tag52.xml><?xml version="1.0" encoding="utf-8"?>
+<p:tagLst xmlns:a="http://schemas.openxmlformats.org/drawingml/2006/main" xmlns:r="http://schemas.openxmlformats.org/officeDocument/2006/relationships" xmlns:p="http://schemas.openxmlformats.org/presentationml/2006/main">
+  <p:tag name="KSO_WM_UNIT_HIGHLIGHT" val="0"/>
+  <p:tag name="KSO_WM_UNIT_COMPATIBLE" val="0"/>
+  <p:tag name="KSO_WM_UNIT_DIAGRAM_ISNUMVISUAL" val="0"/>
+  <p:tag name="KSO_WM_UNIT_DIAGRAM_ISREFERUNIT" val="0"/>
+  <p:tag name="KSO_WM_UNIT_ID" val="_9**"/>
+  <p:tag name="KSO_WM_UNIT_LAYERLEVEL" val="1"/>
+  <p:tag name="KSO_WM_TAG_VERSION" val="1.0"/>
+  <p:tag name="KSO_WM_BEAUTIFY_FLAG" val="#wm#"/>
+</p:tagLst>
+</file>
+
+<file path=ppt/tags/tag53.xml><?xml version="1.0" encoding="utf-8"?>
+<p:tagLst xmlns:a="http://schemas.openxmlformats.org/drawingml/2006/main" xmlns:r="http://schemas.openxmlformats.org/officeDocument/2006/relationships" xmlns:p="http://schemas.openxmlformats.org/presentationml/2006/main">
+  <p:tag name="KSO_WM_UNIT_HIGHLIGHT" val="0"/>
+  <p:tag name="KSO_WM_UNIT_COMPATIBLE" val="0"/>
+  <p:tag name="KSO_WM_UNIT_DIAGRAM_ISNUMVISUAL" val="0"/>
+  <p:tag name="KSO_WM_UNIT_DIAGRAM_ISREFERUNIT" val="0"/>
+  <p:tag name="KSO_WM_UNIT_ID" val="_9**"/>
+  <p:tag name="KSO_WM_UNIT_LAYERLEVEL" val="1"/>
+  <p:tag name="KSO_WM_TAG_VERSION" val="1.0"/>
+  <p:tag name="KSO_WM_BEAUTIFY_FLAG" val="#wm#"/>
+</p:tagLst>
+</file>
+
+<file path=ppt/tags/tag54.xml><?xml version="1.0" encoding="utf-8"?>
+<p:tagLst xmlns:a="http://schemas.openxmlformats.org/drawingml/2006/main" xmlns:r="http://schemas.openxmlformats.org/officeDocument/2006/relationships" xmlns:p="http://schemas.openxmlformats.org/presentationml/2006/main">
+  <p:tag name="KSO_WM_UNIT_HIGHLIGHT" val="0"/>
+  <p:tag name="KSO_WM_UNIT_COMPATIBLE" val="0"/>
+  <p:tag name="KSO_WM_UNIT_DIAGRAM_ISNUMVISUAL" val="0"/>
+  <p:tag name="KSO_WM_UNIT_DIAGRAM_ISREFERUNIT" val="0"/>
+  <p:tag name="KSO_WM_UNIT_ID" val="_9**"/>
+  <p:tag name="KSO_WM_UNIT_LAYERLEVEL" val="1"/>
+  <p:tag name="KSO_WM_TAG_VERSION" val="1.0"/>
+  <p:tag name="KSO_WM_BEAUTIFY_FLAG" val="#wm#"/>
+</p:tagLst>
+</file>
+
+<file path=ppt/tags/tag55.xml><?xml version="1.0" encoding="utf-8"?>
+<p:tagLst xmlns:a="http://schemas.openxmlformats.org/drawingml/2006/main" xmlns:r="http://schemas.openxmlformats.org/officeDocument/2006/relationships" xmlns:p="http://schemas.openxmlformats.org/presentationml/2006/main">
+  <p:tag name="KSO_WM_UNIT_HIGHLIGHT" val="0"/>
+  <p:tag name="KSO_WM_UNIT_COMPATIBLE" val="0"/>
+  <p:tag name="KSO_WM_UNIT_DIAGRAM_ISNUMVISUAL" val="0"/>
+  <p:tag name="KSO_WM_UNIT_DIAGRAM_ISREFERUNIT" val="0"/>
+  <p:tag name="KSO_WM_UNIT_ID" val="_10**"/>
+  <p:tag name="KSO_WM_UNIT_LAYERLEVEL" val="1"/>
+  <p:tag name="KSO_WM_TAG_VERSION" val="1.0"/>
+  <p:tag name="KSO_WM_BEAUTIFY_FLAG" val="#wm#"/>
+</p:tagLst>
+</file>
+
+<file path=ppt/tags/tag56.xml><?xml version="1.0" encoding="utf-8"?>
+<p:tagLst xmlns:a="http://schemas.openxmlformats.org/drawingml/2006/main" xmlns:r="http://schemas.openxmlformats.org/officeDocument/2006/relationships" xmlns:p="http://schemas.openxmlformats.org/presentationml/2006/main">
+  <p:tag name="KSO_WM_UNIT_HIGHLIGHT" val="0"/>
+  <p:tag name="KSO_WM_UNIT_COMPATIBLE" val="0"/>
+  <p:tag name="KSO_WM_UNIT_DIAGRAM_ISNUMVISUAL" val="0"/>
+  <p:tag name="KSO_WM_UNIT_DIAGRAM_ISREFERUNIT" val="0"/>
+  <p:tag name="KSO_WM_UNIT_ID" val="_10**"/>
+  <p:tag name="KSO_WM_UNIT_LAYERLEVEL" val="1"/>
+  <p:tag name="KSO_WM_TAG_VERSION" val="1.0"/>
+  <p:tag name="KSO_WM_BEAUTIFY_FLAG" val="#wm#"/>
+</p:tagLst>
+</file>
+
+<file path=ppt/tags/tag57.xml><?xml version="1.0" encoding="utf-8"?>
+<p:tagLst xmlns:a="http://schemas.openxmlformats.org/drawingml/2006/main" xmlns:r="http://schemas.openxmlformats.org/officeDocument/2006/relationships" xmlns:p="http://schemas.openxmlformats.org/presentationml/2006/main">
+  <p:tag name="KSO_WM_UNIT_HIGHLIGHT" val="0"/>
+  <p:tag name="KSO_WM_UNIT_COMPATIBLE" val="0"/>
+  <p:tag name="KSO_WM_UNIT_DIAGRAM_ISNUMVISUAL" val="0"/>
+  <p:tag name="KSO_WM_UNIT_DIAGRAM_ISREFERUNIT" val="0"/>
+  <p:tag name="KSO_WM_UNIT_ID" val="_10**"/>
+  <p:tag name="KSO_WM_UNIT_LAYERLEVEL" val="1"/>
+  <p:tag name="KSO_WM_TAG_VERSION" val="1.0"/>
+  <p:tag name="KSO_WM_BEAUTIFY_FLAG" val="#wm#"/>
+</p:tagLst>
+</file>
+
+<file path=ppt/tags/tag58.xml><?xml version="1.0" encoding="utf-8"?>
+<p:tagLst xmlns:a="http://schemas.openxmlformats.org/drawingml/2006/main" xmlns:r="http://schemas.openxmlformats.org/officeDocument/2006/relationships" xmlns:p="http://schemas.openxmlformats.org/presentationml/2006/main">
+  <p:tag name="KSO_WM_UNIT_HIGHLIGHT" val="0"/>
+  <p:tag name="KSO_WM_UNIT_COMPATIBLE" val="0"/>
+  <p:tag name="KSO_WM_UNIT_DIAGRAM_ISNUMVISUAL" val="0"/>
+  <p:tag name="KSO_WM_UNIT_DIAGRAM_ISREFERUNIT" val="0"/>
+  <p:tag name="KSO_WM_UNIT_ID" val="_10**"/>
+  <p:tag name="KSO_WM_UNIT_LAYERLEVEL" val="1"/>
+  <p:tag name="KSO_WM_TAG_VERSION" val="1.0"/>
+  <p:tag name="KSO_WM_BEAUTIFY_FLAG" val="#wm#"/>
+</p:tagLst>
+</file>
+
+<file path=ppt/tags/tag59.xml><?xml version="1.0" encoding="utf-8"?>
+<p:tagLst xmlns:a="http://schemas.openxmlformats.org/drawingml/2006/main" xmlns:r="http://schemas.openxmlformats.org/officeDocument/2006/relationships" xmlns:p="http://schemas.openxmlformats.org/presentationml/2006/main">
+  <p:tag name="KSO_WM_UNIT_HIGHLIGHT" val="0"/>
+  <p:tag name="KSO_WM_UNIT_COMPATIBLE" val="0"/>
+  <p:tag name="KSO_WM_UNIT_DIAGRAM_ISNUMVISUAL" val="0"/>
+  <p:tag name="KSO_WM_UNIT_DIAGRAM_ISREFERUNIT" val="0"/>
+  <p:tag name="KSO_WM_UNIT_ID" val="_11**"/>
+  <p:tag name="KSO_WM_UNIT_LAYERLEVEL" val="1"/>
+  <p:tag name="KSO_WM_TAG_VERSION" val="1.0"/>
+  <p:tag name="KSO_WM_BEAUTIFY_FLAG" val="#wm#"/>
+</p:tagLst>
+</file>
+
+<file path=ppt/tags/tag6.xml><?xml version="1.0" encoding="utf-8"?>
+<p:tagLst xmlns:a="http://schemas.openxmlformats.org/drawingml/2006/main" xmlns:r="http://schemas.openxmlformats.org/officeDocument/2006/relationships" xmlns:p="http://schemas.openxmlformats.org/presentationml/2006/main">
   <p:tag name="KSO_WM_UNIT_HIGHLIGHT" val="0"/>
   <p:tag name="KSO_WM_UNIT_COMPATIBLE" val="0"/>
   <p:tag name="KSO_WM_UNIT_DIAGRAM_ISNUMVISUAL" val="0"/>
@@ -14375,13 +14887,26 @@
 </p:tagLst>
 </file>
 
-<file path=ppt/tags/tag61.xml><?xml version="1.0" encoding="utf-8"?>
-<p:tagLst xmlns:p="http://schemas.openxmlformats.org/presentationml/2006/main">
+<file path=ppt/tags/tag60.xml><?xml version="1.0" encoding="utf-8"?>
+<p:tagLst xmlns:a="http://schemas.openxmlformats.org/drawingml/2006/main" xmlns:r="http://schemas.openxmlformats.org/officeDocument/2006/relationships" xmlns:p="http://schemas.openxmlformats.org/presentationml/2006/main">
   <p:tag name="KSO_WM_UNIT_HIGHLIGHT" val="0"/>
   <p:tag name="KSO_WM_UNIT_COMPATIBLE" val="0"/>
   <p:tag name="KSO_WM_UNIT_DIAGRAM_ISNUMVISUAL" val="0"/>
   <p:tag name="KSO_WM_UNIT_DIAGRAM_ISREFERUNIT" val="0"/>
-  <p:tag name="KSO_WM_UNIT_ID" val="_0**"/>
+  <p:tag name="KSO_WM_UNIT_ID" val="_11**"/>
+  <p:tag name="KSO_WM_UNIT_LAYERLEVEL" val="1"/>
+  <p:tag name="KSO_WM_TAG_VERSION" val="1.0"/>
+  <p:tag name="KSO_WM_BEAUTIFY_FLAG" val="#wm#"/>
+</p:tagLst>
+</file>
+
+<file path=ppt/tags/tag61.xml><?xml version="1.0" encoding="utf-8"?>
+<p:tagLst xmlns:a="http://schemas.openxmlformats.org/drawingml/2006/main" xmlns:r="http://schemas.openxmlformats.org/officeDocument/2006/relationships" xmlns:p="http://schemas.openxmlformats.org/presentationml/2006/main">
+  <p:tag name="KSO_WM_UNIT_HIGHLIGHT" val="0"/>
+  <p:tag name="KSO_WM_UNIT_COMPATIBLE" val="0"/>
+  <p:tag name="KSO_WM_UNIT_DIAGRAM_ISNUMVISUAL" val="0"/>
+  <p:tag name="KSO_WM_UNIT_DIAGRAM_ISREFERUNIT" val="0"/>
+  <p:tag name="KSO_WM_UNIT_ID" val="_11**"/>
   <p:tag name="KSO_WM_UNIT_LAYERLEVEL" val="1"/>
   <p:tag name="KSO_WM_TAG_VERSION" val="1.0"/>
   <p:tag name="KSO_WM_BEAUTIFY_FLAG" val="#wm#"/>
@@ -14389,42 +14914,33 @@
 </file>
 
 <file path=ppt/tags/tag62.xml><?xml version="1.0" encoding="utf-8"?>
-<p:tagLst xmlns:p="http://schemas.openxmlformats.org/presentationml/2006/main">
-  <p:tag name="KSO_WM_TEMPLATE_THUMBS_INDEX" val="1、4、7、12、13、14、15、16、17、18、20、24、25、28、33、36、40、43、44"/>
-  <p:tag name="KSO_WM_TEMPLATE_SUBCATEGORY" val="19"/>
+<p:tagLst xmlns:a="http://schemas.openxmlformats.org/drawingml/2006/main" xmlns:r="http://schemas.openxmlformats.org/officeDocument/2006/relationships" xmlns:p="http://schemas.openxmlformats.org/presentationml/2006/main">
+  <p:tag name="KSO_WM_UNIT_HIGHLIGHT" val="0"/>
+  <p:tag name="KSO_WM_UNIT_COMPATIBLE" val="0"/>
+  <p:tag name="KSO_WM_UNIT_DIAGRAM_ISNUMVISUAL" val="0"/>
+  <p:tag name="KSO_WM_UNIT_DIAGRAM_ISREFERUNIT" val="0"/>
+  <p:tag name="KSO_WM_UNIT_ID" val="_11**"/>
+  <p:tag name="KSO_WM_UNIT_LAYERLEVEL" val="1"/>
   <p:tag name="KSO_WM_TAG_VERSION" val="1.0"/>
   <p:tag name="KSO_WM_BEAUTIFY_FLAG" val="#wm#"/>
-  <p:tag name="KSO_WM_TEMPLATE_CATEGORY" val="custom"/>
-  <p:tag name="KSO_WM_TEMPLATE_INDEX" val="20205081"/>
-  <p:tag name="KSO_WM_TEMPLATE_MASTER_TYPE" val="0"/>
-  <p:tag name="KSO_WM_TEMPLATE_COLOR_TYPE" val="1"/>
-  <p:tag name="KSO_WM_UNIT_SHOW_EDIT_AREA_INDICATION" val="1"/>
 </p:tagLst>
 </file>
 
 <file path=ppt/tags/tag63.xml><?xml version="1.0" encoding="utf-8"?>
-<p:tagLst xmlns:p="http://schemas.openxmlformats.org/presentationml/2006/main">
-  <p:tag name="KSO_WM_SLIDE_ID" val="custom20205081_1"/>
-  <p:tag name="KSO_WM_TEMPLATE_SUBCATEGORY" val="19"/>
-  <p:tag name="KSO_WM_TEMPLATE_MASTER_TYPE" val="0"/>
-  <p:tag name="KSO_WM_TEMPLATE_COLOR_TYPE" val="1"/>
-  <p:tag name="KSO_WM_SLIDE_TYPE" val="title"/>
-  <p:tag name="KSO_WM_SLIDE_SUBTYPE" val="defaultBlank"/>
-  <p:tag name="KSO_WM_SLIDE_ITEM_CNT" val="0"/>
-  <p:tag name="KSO_WM_SLIDE_INDEX" val="1"/>
+<p:tagLst xmlns:a="http://schemas.openxmlformats.org/drawingml/2006/main" xmlns:r="http://schemas.openxmlformats.org/officeDocument/2006/relationships" xmlns:p="http://schemas.openxmlformats.org/presentationml/2006/main">
+  <p:tag name="KSO_WM_UNIT_HIGHLIGHT" val="0"/>
+  <p:tag name="KSO_WM_UNIT_COMPATIBLE" val="0"/>
+  <p:tag name="KSO_WM_UNIT_DIAGRAM_ISNUMVISUAL" val="0"/>
+  <p:tag name="KSO_WM_UNIT_DIAGRAM_ISREFERUNIT" val="0"/>
+  <p:tag name="KSO_WM_UNIT_ID" val="_11**"/>
+  <p:tag name="KSO_WM_UNIT_LAYERLEVEL" val="1"/>
   <p:tag name="KSO_WM_TAG_VERSION" val="1.0"/>
   <p:tag name="KSO_WM_BEAUTIFY_FLAG" val="#wm#"/>
-  <p:tag name="KSO_WM_TEMPLATE_CATEGORY" val="custom"/>
-  <p:tag name="KSO_WM_TEMPLATE_INDEX" val="20205081"/>
-  <p:tag name="KSO_WM_SLIDE_LAYOUT" val="a_b"/>
-  <p:tag name="KSO_WM_SLIDE_LAYOUT_CNT" val="1_1"/>
-  <p:tag name="KSO_WM_UNIT_SHOW_EDIT_AREA_INDICATION" val="1"/>
-  <p:tag name="KSO_WM_TEMPLATE_THUMBS_INDEX" val="1、4、7、12、13、14、15、16、17、18、20、24、25、28、33、36、40、43、44"/>
 </p:tagLst>
 </file>
 
 <file path=ppt/tags/tag64.xml><?xml version="1.0" encoding="utf-8"?>
-<p:tagLst xmlns:p="http://schemas.openxmlformats.org/presentationml/2006/main">
+<p:tagLst xmlns:a="http://schemas.openxmlformats.org/drawingml/2006/main" xmlns:r="http://schemas.openxmlformats.org/officeDocument/2006/relationships" xmlns:p="http://schemas.openxmlformats.org/presentationml/2006/main">
   <p:tag name="KSO_WM_SLIDE_ID" val="custom20205081_1"/>
   <p:tag name="KSO_WM_TEMPLATE_SUBCATEGORY" val="19"/>
   <p:tag name="KSO_WM_TEMPLATE_MASTER_TYPE" val="0"/>
@@ -14445,7 +14961,7 @@
 </file>
 
 <file path=ppt/tags/tag65.xml><?xml version="1.0" encoding="utf-8"?>
-<p:tagLst xmlns:p="http://schemas.openxmlformats.org/presentationml/2006/main">
+<p:tagLst xmlns:a="http://schemas.openxmlformats.org/drawingml/2006/main" xmlns:r="http://schemas.openxmlformats.org/officeDocument/2006/relationships" xmlns:p="http://schemas.openxmlformats.org/presentationml/2006/main">
   <p:tag name="KSO_WM_SLIDE_ID" val="custom20205081_1"/>
   <p:tag name="KSO_WM_TEMPLATE_SUBCATEGORY" val="19"/>
   <p:tag name="KSO_WM_TEMPLATE_MASTER_TYPE" val="0"/>
@@ -14466,18 +14982,33 @@
 </file>
 
 <file path=ppt/tags/tag66.xml><?xml version="1.0" encoding="utf-8"?>
-<p:tagLst xmlns:p="http://schemas.openxmlformats.org/presentationml/2006/main">
-  <p:tag name="commondata" val="eyJoZGlkIjoiMTIxOWRkOTg3NTlmOThjNjI1MzMwOTYyYmY5ZDg4NTcifQ=="/>
+<p:tagLst xmlns:a="http://schemas.openxmlformats.org/drawingml/2006/main" xmlns:r="http://schemas.openxmlformats.org/officeDocument/2006/relationships" xmlns:p="http://schemas.openxmlformats.org/presentationml/2006/main">
+  <p:tag name="KSO_WM_SLIDE_ID" val="custom20205081_1"/>
+  <p:tag name="KSO_WM_TEMPLATE_SUBCATEGORY" val="19"/>
+  <p:tag name="KSO_WM_TEMPLATE_MASTER_TYPE" val="0"/>
+  <p:tag name="KSO_WM_TEMPLATE_COLOR_TYPE" val="1"/>
+  <p:tag name="KSO_WM_SLIDE_TYPE" val="title"/>
+  <p:tag name="KSO_WM_SLIDE_SUBTYPE" val="defaultBlank"/>
+  <p:tag name="KSO_WM_SLIDE_ITEM_CNT" val="0"/>
+  <p:tag name="KSO_WM_SLIDE_INDEX" val="1"/>
+  <p:tag name="KSO_WM_TAG_VERSION" val="1.0"/>
+  <p:tag name="KSO_WM_BEAUTIFY_FLAG" val="#wm#"/>
+  <p:tag name="KSO_WM_TEMPLATE_CATEGORY" val="custom"/>
+  <p:tag name="KSO_WM_TEMPLATE_INDEX" val="20205081"/>
+  <p:tag name="KSO_WM_SLIDE_LAYOUT" val="a_b"/>
+  <p:tag name="KSO_WM_SLIDE_LAYOUT_CNT" val="1_1"/>
+  <p:tag name="KSO_WM_UNIT_SHOW_EDIT_AREA_INDICATION" val="1"/>
+  <p:tag name="KSO_WM_TEMPLATE_THUMBS_INDEX" val="1、4、7、12、13、14、15、16、17、18、20、24、25、28、33、36、40、43、44"/>
 </p:tagLst>
 </file>
 
 <file path=ppt/tags/tag7.xml><?xml version="1.0" encoding="utf-8"?>
-<p:tagLst xmlns:p="http://schemas.openxmlformats.org/presentationml/2006/main">
+<p:tagLst xmlns:a="http://schemas.openxmlformats.org/drawingml/2006/main" xmlns:r="http://schemas.openxmlformats.org/officeDocument/2006/relationships" xmlns:p="http://schemas.openxmlformats.org/presentationml/2006/main">
   <p:tag name="KSO_WM_UNIT_HIGHLIGHT" val="0"/>
   <p:tag name="KSO_WM_UNIT_COMPATIBLE" val="0"/>
   <p:tag name="KSO_WM_UNIT_DIAGRAM_ISNUMVISUAL" val="0"/>
   <p:tag name="KSO_WM_UNIT_DIAGRAM_ISREFERUNIT" val="0"/>
-  <p:tag name="KSO_WM_UNIT_ID" val="_2**"/>
+  <p:tag name="KSO_WM_UNIT_ID" val="_0**"/>
   <p:tag name="KSO_WM_UNIT_LAYERLEVEL" val="1"/>
   <p:tag name="KSO_WM_TAG_VERSION" val="1.0"/>
   <p:tag name="KSO_WM_BEAUTIFY_FLAG" val="#wm#"/>
@@ -14485,12 +15016,12 @@
 </file>
 
 <file path=ppt/tags/tag8.xml><?xml version="1.0" encoding="utf-8"?>
-<p:tagLst xmlns:p="http://schemas.openxmlformats.org/presentationml/2006/main">
+<p:tagLst xmlns:a="http://schemas.openxmlformats.org/drawingml/2006/main" xmlns:r="http://schemas.openxmlformats.org/officeDocument/2006/relationships" xmlns:p="http://schemas.openxmlformats.org/presentationml/2006/main">
   <p:tag name="KSO_WM_UNIT_HIGHLIGHT" val="0"/>
   <p:tag name="KSO_WM_UNIT_COMPATIBLE" val="0"/>
   <p:tag name="KSO_WM_UNIT_DIAGRAM_ISNUMVISUAL" val="0"/>
   <p:tag name="KSO_WM_UNIT_DIAGRAM_ISREFERUNIT" val="0"/>
-  <p:tag name="KSO_WM_UNIT_ID" val="_2**"/>
+  <p:tag name="KSO_WM_UNIT_ID" val="_1**"/>
   <p:tag name="KSO_WM_UNIT_LAYERLEVEL" val="1"/>
   <p:tag name="KSO_WM_TAG_VERSION" val="1.0"/>
   <p:tag name="KSO_WM_BEAUTIFY_FLAG" val="#wm#"/>
@@ -14498,12 +15029,12 @@
 </file>
 
 <file path=ppt/tags/tag9.xml><?xml version="1.0" encoding="utf-8"?>
-<p:tagLst xmlns:p="http://schemas.openxmlformats.org/presentationml/2006/main">
+<p:tagLst xmlns:a="http://schemas.openxmlformats.org/drawingml/2006/main" xmlns:r="http://schemas.openxmlformats.org/officeDocument/2006/relationships" xmlns:p="http://schemas.openxmlformats.org/presentationml/2006/main">
   <p:tag name="KSO_WM_UNIT_HIGHLIGHT" val="0"/>
   <p:tag name="KSO_WM_UNIT_COMPATIBLE" val="0"/>
   <p:tag name="KSO_WM_UNIT_DIAGRAM_ISNUMVISUAL" val="0"/>
   <p:tag name="KSO_WM_UNIT_DIAGRAM_ISREFERUNIT" val="0"/>
-  <p:tag name="KSO_WM_UNIT_ID" val="_2**"/>
+  <p:tag name="KSO_WM_UNIT_ID" val="_1**"/>
   <p:tag name="KSO_WM_UNIT_LAYERLEVEL" val="1"/>
   <p:tag name="KSO_WM_TAG_VERSION" val="1.0"/>
   <p:tag name="KSO_WM_BEAUTIFY_FLAG" val="#wm#"/>
@@ -14693,6 +15224,8 @@
       </a:bgFillStyleLst>
     </a:fmtScheme>
   </a:themeElements>
+  <a:objectDefaults/>
+  <a:extraClrSchemeLst/>
   <a:extLst>
     <a:ext uri="{05A4C25C-085E-4340-85A3-A5531E510DB2}">
       <thm15:themeFamily xmlns:thm15="http://schemas.microsoft.com/office/thememl/2012/main" name="Office Theme" id="{62F939B6-93AF-4DB8-9C6B-D6C7DFDC589F}" vid="{4A3C46E8-61CC-4603-A589-7422A47A8E4A}"/>
